--- a/O3652-3 Deep Dive Apps for Office in PowerPoint/O3652-3 Deep Dive into Apps for Office in PowerPoint.pptx
+++ b/O3652-3 Deep Dive Apps for Office in PowerPoint/O3652-3 Deep Dive into Apps for Office in PowerPoint.pptx
@@ -6,20 +6,36 @@
     <p:sldMasterId id="2147484046" r:id="rId5"/>
   </p:sldMasterIdLst>
   <p:notesMasterIdLst>
-    <p:notesMasterId r:id="rId14"/>
+    <p:notesMasterId r:id="rId30"/>
   </p:notesMasterIdLst>
   <p:handoutMasterIdLst>
-    <p:handoutMasterId r:id="rId15"/>
+    <p:handoutMasterId r:id="rId31"/>
   </p:handoutMasterIdLst>
   <p:sldIdLst>
     <p:sldId id="778" r:id="rId6"/>
     <p:sldId id="779" r:id="rId7"/>
     <p:sldId id="780" r:id="rId8"/>
     <p:sldId id="788" r:id="rId9"/>
-    <p:sldId id="852" r:id="rId10"/>
-    <p:sldId id="859" r:id="rId11"/>
-    <p:sldId id="853" r:id="rId12"/>
-    <p:sldId id="654" r:id="rId13"/>
+    <p:sldId id="853" r:id="rId10"/>
+    <p:sldId id="854" r:id="rId11"/>
+    <p:sldId id="855" r:id="rId12"/>
+    <p:sldId id="856" r:id="rId13"/>
+    <p:sldId id="857" r:id="rId14"/>
+    <p:sldId id="860" r:id="rId15"/>
+    <p:sldId id="861" r:id="rId16"/>
+    <p:sldId id="862" r:id="rId17"/>
+    <p:sldId id="864" r:id="rId18"/>
+    <p:sldId id="867" r:id="rId19"/>
+    <p:sldId id="852" r:id="rId20"/>
+    <p:sldId id="858" r:id="rId21"/>
+    <p:sldId id="865" r:id="rId22"/>
+    <p:sldId id="870" r:id="rId23"/>
+    <p:sldId id="866" r:id="rId24"/>
+    <p:sldId id="871" r:id="rId25"/>
+    <p:sldId id="859" r:id="rId26"/>
+    <p:sldId id="872" r:id="rId27"/>
+    <p:sldId id="869" r:id="rId28"/>
+    <p:sldId id="654" r:id="rId29"/>
   </p:sldIdLst>
   <p:sldSz cx="12188825" cy="6858000"/>
   <p:notesSz cx="6858000" cy="9144000"/>
@@ -322,7 +338,7 @@
           <a:p>
             <a:fld id="{DE219B1A-AE41-483B-A766-69B9363DDA6A}" type="datetimeFigureOut">
               <a:rPr lang="en-US" smtClean="0"/>
-              <a:t>8/29/2014</a:t>
+              <a:t>9/5/2014</a:t>
             </a:fld>
             <a:endParaRPr lang="en-US"/>
           </a:p>
@@ -604,7 +620,7 @@
           <a:p>
             <a:fld id="{D51B1278-D92B-4AF3-A9C1-71DD298190CE}" type="datetimeFigureOut">
               <a:rPr lang="en-US" smtClean="0"/>
-              <a:t>8/29/2014</a:t>
+              <a:t>9/5/2014</a:t>
             </a:fld>
             <a:endParaRPr lang="en-US"/>
           </a:p>
@@ -1120,6 +1136,332 @@
 </p:notes>
 </file>
 
+<file path=ppt/notesSlides/notesSlide10.xml><?xml version="1.0" encoding="utf-8"?>
+<p:notes xmlns:a="http://schemas.openxmlformats.org/drawingml/2006/main" xmlns:r="http://schemas.openxmlformats.org/officeDocument/2006/relationships" xmlns:p="http://schemas.openxmlformats.org/presentationml/2006/main">
+  <p:cSld>
+    <p:spTree>
+      <p:nvGrpSpPr>
+        <p:cNvPr id="1" name=""/>
+        <p:cNvGrpSpPr/>
+        <p:nvPr/>
+      </p:nvGrpSpPr>
+      <p:grpSpPr>
+        <a:xfrm>
+          <a:off x="0" y="0"/>
+          <a:ext cx="0" cy="0"/>
+          <a:chOff x="0" y="0"/>
+          <a:chExt cx="0" cy="0"/>
+        </a:xfrm>
+      </p:grpSpPr>
+      <p:sp>
+        <p:nvSpPr>
+          <p:cNvPr id="2" name="Slide Image Placeholder 1"/>
+          <p:cNvSpPr>
+            <a:spLocks noGrp="1" noRot="1" noChangeAspect="1"/>
+          </p:cNvSpPr>
+          <p:nvPr>
+            <p:ph type="sldImg"/>
+          </p:nvPr>
+        </p:nvSpPr>
+        <p:spPr/>
+      </p:sp>
+      <p:sp>
+        <p:nvSpPr>
+          <p:cNvPr id="3" name="Notes Placeholder 2"/>
+          <p:cNvSpPr>
+            <a:spLocks noGrp="1"/>
+          </p:cNvSpPr>
+          <p:nvPr>
+            <p:ph type="body" idx="1"/>
+          </p:nvPr>
+        </p:nvSpPr>
+        <p:spPr/>
+        <p:txBody>
+          <a:bodyPr/>
+          <a:lstStyle/>
+          <a:p>
+            <a:r>
+              <a:rPr lang="en-US" dirty="0" smtClean="0"/>
+              <a:t>Each app has a source</a:t>
+            </a:r>
+            <a:r>
+              <a:rPr lang="en-US" baseline="0" dirty="0" smtClean="0"/>
+              <a:t> location which points to a entry point Web page somewhere on the Internet. Here is an example of a simple Web page that is used to load a task pane app. Note that this page must link to any required CSS files and JavaScript that will be adding styles or behavior behind the app. Visual Studio automatically adds the links for </a:t>
+            </a:r>
+            <a:r>
+              <a:rPr lang="en-US" baseline="0" dirty="0" err="1" smtClean="0"/>
+              <a:t>jQuery</a:t>
+            </a:r>
+            <a:r>
+              <a:rPr lang="en-US" baseline="0" dirty="0" smtClean="0"/>
+              <a:t> and ASP.NET AJAX. Also note that the page adds HTML elements which are often created with ids and/or classes.</a:t>
+            </a:r>
+            <a:endParaRPr lang="en-US" dirty="0"/>
+          </a:p>
+        </p:txBody>
+      </p:sp>
+      <p:sp>
+        <p:nvSpPr>
+          <p:cNvPr id="4" name="Slide Number Placeholder 3"/>
+          <p:cNvSpPr>
+            <a:spLocks noGrp="1"/>
+          </p:cNvSpPr>
+          <p:nvPr>
+            <p:ph type="sldNum" sz="quarter" idx="10"/>
+          </p:nvPr>
+        </p:nvSpPr>
+        <p:spPr>
+          <a:xfrm>
+            <a:off x="3884613" y="8685213"/>
+            <a:ext cx="2971800" cy="457200"/>
+          </a:xfrm>
+          <a:prstGeom prst="rect">
+            <a:avLst/>
+          </a:prstGeom>
+        </p:spPr>
+        <p:txBody>
+          <a:bodyPr/>
+          <a:lstStyle/>
+          <a:p>
+            <a:fld id="{511FAC3E-016E-4A5A-9DC2-EB9C8F821641}" type="slidenum">
+              <a:rPr lang="en-US" smtClean="0"/>
+              <a:t>13</a:t>
+            </a:fld>
+            <a:endParaRPr lang="en-US"/>
+          </a:p>
+        </p:txBody>
+      </p:sp>
+    </p:spTree>
+    <p:extLst>
+      <p:ext uri="{BB962C8B-B14F-4D97-AF65-F5344CB8AC3E}">
+        <p14:creationId xmlns:p14="http://schemas.microsoft.com/office/powerpoint/2010/main" val="1145307569"/>
+      </p:ext>
+    </p:extLst>
+  </p:cSld>
+  <p:clrMapOvr>
+    <a:masterClrMapping/>
+  </p:clrMapOvr>
+</p:notes>
+</file>
+
+<file path=ppt/notesSlides/notesSlide11.xml><?xml version="1.0" encoding="utf-8"?>
+<p:notes xmlns:a="http://schemas.openxmlformats.org/drawingml/2006/main" xmlns:r="http://schemas.openxmlformats.org/officeDocument/2006/relationships" xmlns:p="http://schemas.openxmlformats.org/presentationml/2006/main">
+  <p:cSld>
+    <p:spTree>
+      <p:nvGrpSpPr>
+        <p:cNvPr id="1" name=""/>
+        <p:cNvGrpSpPr/>
+        <p:nvPr/>
+      </p:nvGrpSpPr>
+      <p:grpSpPr>
+        <a:xfrm>
+          <a:off x="0" y="0"/>
+          <a:ext cx="0" cy="0"/>
+          <a:chOff x="0" y="0"/>
+          <a:chExt cx="0" cy="0"/>
+        </a:xfrm>
+      </p:grpSpPr>
+      <p:sp>
+        <p:nvSpPr>
+          <p:cNvPr id="2" name="Slide Image Placeholder 1"/>
+          <p:cNvSpPr>
+            <a:spLocks noGrp="1" noRot="1" noChangeAspect="1"/>
+          </p:cNvSpPr>
+          <p:nvPr>
+            <p:ph type="sldImg"/>
+          </p:nvPr>
+        </p:nvSpPr>
+        <p:spPr/>
+      </p:sp>
+      <p:sp>
+        <p:nvSpPr>
+          <p:cNvPr id="3" name="Notes Placeholder 2"/>
+          <p:cNvSpPr>
+            <a:spLocks noGrp="1"/>
+          </p:cNvSpPr>
+          <p:nvPr>
+            <p:ph type="body" idx="1"/>
+          </p:nvPr>
+        </p:nvSpPr>
+        <p:spPr/>
+        <p:txBody>
+          <a:bodyPr/>
+          <a:lstStyle/>
+          <a:p>
+            <a:endParaRPr lang="en-US"/>
+          </a:p>
+        </p:txBody>
+      </p:sp>
+      <p:sp>
+        <p:nvSpPr>
+          <p:cNvPr id="4" name="Header Placeholder 3"/>
+          <p:cNvSpPr>
+            <a:spLocks noGrp="1"/>
+          </p:cNvSpPr>
+          <p:nvPr>
+            <p:ph type="hdr" sz="quarter" idx="10"/>
+          </p:nvPr>
+        </p:nvSpPr>
+        <p:spPr>
+          <a:xfrm>
+            <a:off x="0" y="0"/>
+            <a:ext cx="2971800" cy="457200"/>
+          </a:xfrm>
+          <a:prstGeom prst="rect">
+            <a:avLst/>
+          </a:prstGeom>
+        </p:spPr>
+        <p:txBody>
+          <a:bodyPr/>
+          <a:lstStyle/>
+          <a:p>
+            <a:endParaRPr lang="en-US" dirty="0"/>
+          </a:p>
+        </p:txBody>
+      </p:sp>
+      <p:sp>
+        <p:nvSpPr>
+          <p:cNvPr id="5" name="Footer Placeholder 4"/>
+          <p:cNvSpPr>
+            <a:spLocks noGrp="1"/>
+          </p:cNvSpPr>
+          <p:nvPr>
+            <p:ph type="ftr" sz="quarter" idx="11"/>
+          </p:nvPr>
+        </p:nvSpPr>
+        <p:spPr>
+          <a:xfrm>
+            <a:off x="0" y="8686800"/>
+            <a:ext cx="5920740" cy="355964"/>
+          </a:xfrm>
+          <a:prstGeom prst="rect">
+            <a:avLst/>
+          </a:prstGeom>
+        </p:spPr>
+        <p:txBody>
+          <a:bodyPr/>
+          <a:lstStyle/>
+          <a:p>
+            <a:pPr defTabSz="914099" eaLnBrk="0" hangingPunct="0"/>
+            <a:r>
+              <a:rPr lang="en-US" sz="400" smtClean="0">
+                <a:gradFill>
+                  <a:gsLst>
+                    <a:gs pos="0">
+                      <a:prstClr val="black"/>
+                    </a:gs>
+                    <a:gs pos="100000">
+                      <a:prstClr val="black"/>
+                    </a:gs>
+                  </a:gsLst>
+                  <a:lin ang="5400000" scaled="0"/>
+                </a:gradFill>
+                <a:latin typeface="Segoe UI" pitchFamily="34" charset="0"/>
+                <a:ea typeface="Segoe UI" pitchFamily="34" charset="0"/>
+                <a:cs typeface="Segoe UI" pitchFamily="34" charset="0"/>
+              </a:rPr>
+              <a:t>© 2012 Microsoft Corporation. All rights reserved. Microsoft, Windows, and other product names are or may be registered trademarks and/or trademarks in the U.S. and/or other countries.</a:t>
+            </a:r>
+          </a:p>
+          <a:p>
+            <a:pPr defTabSz="914099" eaLnBrk="0" hangingPunct="0"/>
+            <a:r>
+              <a:rPr lang="en-US" sz="400" smtClean="0">
+                <a:gradFill>
+                  <a:gsLst>
+                    <a:gs pos="0">
+                      <a:prstClr val="black"/>
+                    </a:gs>
+                    <a:gs pos="100000">
+                      <a:prstClr val="black"/>
+                    </a:gs>
+                  </a:gsLst>
+                  <a:lin ang="5400000" scaled="0"/>
+                </a:gradFill>
+                <a:latin typeface="Segoe UI" pitchFamily="34" charset="0"/>
+                <a:ea typeface="Segoe UI" pitchFamily="34" charset="0"/>
+                <a:cs typeface="Segoe UI" pitchFamily="34" charset="0"/>
+              </a:rPr>
+              <a:t>The information herein is for informational purposes only and represents the current view of Microsoft Corporation as of the date of this presentation.  Because Microsoft must respond to changing market conditions, it should not be interpreted to be a commitment on the part of Microsoft, and Microsoft cannot guarantee the accuracy of any information provided after the date of this presentation.  MICROSOFT MAKES NO WARRANTIES, EXPRESS, IMPLIED OR STATUTORY, AS TO THE INFORMATION IN THIS PRESENTATION.</a:t>
+            </a:r>
+            <a:endParaRPr lang="en-US" sz="400" dirty="0" smtClean="0">
+              <a:gradFill>
+                <a:gsLst>
+                  <a:gs pos="0">
+                    <a:prstClr val="black"/>
+                  </a:gs>
+                  <a:gs pos="100000">
+                    <a:prstClr val="black"/>
+                  </a:gs>
+                </a:gsLst>
+                <a:lin ang="5400000" scaled="0"/>
+              </a:gradFill>
+              <a:latin typeface="Segoe UI" pitchFamily="34" charset="0"/>
+              <a:ea typeface="Segoe UI" pitchFamily="34" charset="0"/>
+              <a:cs typeface="Segoe UI" pitchFamily="34" charset="0"/>
+            </a:endParaRPr>
+          </a:p>
+        </p:txBody>
+      </p:sp>
+      <p:sp>
+        <p:nvSpPr>
+          <p:cNvPr id="6" name="Date Placeholder 5"/>
+          <p:cNvSpPr>
+            <a:spLocks noGrp="1"/>
+          </p:cNvSpPr>
+          <p:nvPr>
+            <p:ph type="dt" idx="12"/>
+          </p:nvPr>
+        </p:nvSpPr>
+        <p:spPr/>
+        <p:txBody>
+          <a:bodyPr/>
+          <a:lstStyle/>
+          <a:p>
+            <a:fld id="{0BB6559B-C68D-49B4-97AE-9BB74C417927}" type="datetime1">
+              <a:rPr lang="en-US" smtClean="0"/>
+              <a:t>9/5/2014</a:t>
+            </a:fld>
+            <a:endParaRPr lang="en-US"/>
+          </a:p>
+        </p:txBody>
+      </p:sp>
+      <p:sp>
+        <p:nvSpPr>
+          <p:cNvPr id="7" name="Slide Number Placeholder 6"/>
+          <p:cNvSpPr>
+            <a:spLocks noGrp="1"/>
+          </p:cNvSpPr>
+          <p:nvPr>
+            <p:ph type="sldNum" sz="quarter" idx="13"/>
+          </p:nvPr>
+        </p:nvSpPr>
+        <p:spPr/>
+        <p:txBody>
+          <a:bodyPr/>
+          <a:lstStyle/>
+          <a:p>
+            <a:fld id="{B4008EB6-D09E-4580-8CD6-DDB14511944F}" type="slidenum">
+              <a:rPr lang="en-US" smtClean="0"/>
+              <a:t>24</a:t>
+            </a:fld>
+            <a:endParaRPr lang="en-US" dirty="0"/>
+          </a:p>
+        </p:txBody>
+      </p:sp>
+    </p:spTree>
+    <p:extLst>
+      <p:ext uri="{BB962C8B-B14F-4D97-AF65-F5344CB8AC3E}">
+        <p14:creationId xmlns:p14="http://schemas.microsoft.com/office/powerpoint/2010/main" val="3695926200"/>
+      </p:ext>
+    </p:extLst>
+  </p:cSld>
+  <p:clrMapOvr>
+    <a:masterClrMapping/>
+  </p:clrMapOvr>
+</p:notes>
+</file>
+
 <file path=ppt/notesSlides/notesSlide2.xml><?xml version="1.0" encoding="utf-8"?>
 <p:notes xmlns:a="http://schemas.openxmlformats.org/drawingml/2006/main" xmlns:r="http://schemas.openxmlformats.org/officeDocument/2006/relationships" xmlns:p="http://schemas.openxmlformats.org/presentationml/2006/main">
   <p:cSld>
@@ -1239,7 +1581,7 @@
           <a:p>
             <a:fld id="{B079C3B8-7366-4A44-A34B-3977080C19E7}" type="datetime1">
               <a:rPr lang="en-US" smtClean="0"/>
-              <a:t>8/29/2014</a:t>
+              <a:t>9/5/2014</a:t>
             </a:fld>
             <a:endParaRPr lang="en-US" dirty="0"/>
           </a:p>
@@ -1349,6 +1691,54 @@
           <a:bodyPr/>
           <a:lstStyle/>
           <a:p>
+            <a:r>
+              <a:rPr lang="en-US" dirty="0" smtClean="0"/>
+              <a:t>An App for Office can be seen as a Web page loaded inside an Office Application. In some cases</a:t>
+            </a:r>
+            <a:r>
+              <a:rPr lang="en-US" baseline="0" dirty="0" smtClean="0"/>
+              <a:t> it will appear e</a:t>
+            </a:r>
+            <a:r>
+              <a:rPr lang="en-US" dirty="0" smtClean="0"/>
+              <a:t>mbedded inline within the document. In other cases</a:t>
+            </a:r>
+            <a:r>
+              <a:rPr lang="en-US" baseline="0" dirty="0" smtClean="0"/>
+              <a:t> it might appear as a </a:t>
+            </a:r>
+            <a:r>
+              <a:rPr lang="en-US" dirty="0" smtClean="0"/>
+              <a:t>task pane or within a message in Outlook. Note that the</a:t>
+            </a:r>
+            <a:r>
+              <a:rPr lang="en-US" baseline="0" dirty="0" smtClean="0"/>
+              <a:t> architecture for Apps for Office has been designed to w</a:t>
+            </a:r>
+            <a:r>
+              <a:rPr lang="en-US" dirty="0" smtClean="0"/>
+              <a:t>ork in both Office Applications and Office Web Applications.</a:t>
+            </a:r>
+          </a:p>
+          <a:p>
+            <a:pPr lvl="1"/>
+            <a:endParaRPr lang="en-US" dirty="0" smtClean="0"/>
+          </a:p>
+          <a:p>
+            <a:r>
+              <a:rPr lang="en-US" dirty="0" smtClean="0"/>
+              <a:t>WEF and Apps for Office allow Office applications to be extended</a:t>
+            </a:r>
+            <a:r>
+              <a:rPr lang="en-US" baseline="0" dirty="0" smtClean="0"/>
+              <a:t> in such as way so that they can </a:t>
+            </a:r>
+            <a:r>
+              <a:rPr lang="en-US" dirty="0" smtClean="0"/>
+              <a:t>leverage Web technologies such as HTML 5 and CSS for rendering user interface as well as JavaScript and jQuery to add behavior. When you write the JavaScript code for an App for Office, you can call REST APIs such as those added to SharePoint 2013 to retrieve and update data from across network.</a:t>
+            </a:r>
+          </a:p>
+          <a:p>
             <a:endParaRPr lang="en-US" dirty="0"/>
           </a:p>
         </p:txBody>
@@ -1363,14 +1753,22 @@
             <p:ph type="dt" idx="10"/>
           </p:nvPr>
         </p:nvSpPr>
-        <p:spPr/>
+        <p:spPr>
+          <a:xfrm>
+            <a:off x="3884613" y="0"/>
+            <a:ext cx="2971800" cy="457200"/>
+          </a:xfrm>
+          <a:prstGeom prst="rect">
+            <a:avLst/>
+          </a:prstGeom>
+        </p:spPr>
         <p:txBody>
           <a:bodyPr/>
           <a:lstStyle/>
           <a:p>
-            <a:fld id="{1EEDE84A-98EC-4D75-9A7A-DFF39A931950}" type="datetime1">
+            <a:fld id="{015232D4-6E30-4A26-A2CA-8531DCB72EA6}" type="datetime1">
               <a:rPr lang="en-US" smtClean="0"/>
-              <a:t>8/29/2014</a:t>
+              <a:t>9/5/2014</a:t>
             </a:fld>
             <a:endParaRPr lang="en-US"/>
           </a:p>
@@ -1393,7 +1791,7 @@
           <a:p>
             <a:fld id="{B4008EB6-D09E-4580-8CD6-DDB14511944F}" type="slidenum">
               <a:rPr lang="en-US" smtClean="0"/>
-              <a:t>7</a:t>
+              <a:t>5</a:t>
             </a:fld>
             <a:endParaRPr lang="en-US" dirty="0"/>
           </a:p>
@@ -1501,7 +1899,7 @@
     </p:spTree>
     <p:extLst>
       <p:ext uri="{BB962C8B-B14F-4D97-AF65-F5344CB8AC3E}">
-        <p14:creationId xmlns:p14="http://schemas.microsoft.com/office/powerpoint/2010/main" val="2924451877"/>
+        <p14:creationId xmlns:p14="http://schemas.microsoft.com/office/powerpoint/2010/main" val="2324724573"/>
       </p:ext>
     </p:extLst>
   </p:cSld>
@@ -1555,23 +1953,189 @@
           <a:bodyPr/>
           <a:lstStyle/>
           <a:p>
-            <a:endParaRPr lang="en-US"/>
+            <a:r>
+              <a:rPr lang="en-US" dirty="0" smtClean="0"/>
+              <a:t>When you begin to design an app, you must pick one of the</a:t>
+            </a:r>
+            <a:r>
+              <a:rPr lang="en-US" baseline="0" dirty="0" smtClean="0"/>
+              <a:t> </a:t>
+            </a:r>
+            <a:r>
+              <a:rPr lang="en-US" dirty="0" smtClean="0"/>
+              <a:t>three different shapes. You can create a document-based app as either a Task Pane App or a Content App. Alternatively, you can create a Mail App that targets Outlook and Outlook OWA.</a:t>
+            </a:r>
+            <a:endParaRPr lang="en-US" dirty="0"/>
           </a:p>
         </p:txBody>
       </p:sp>
-      <p:sp>
-        <p:nvSpPr>
-          <p:cNvPr id="4" name="Header Placeholder 3"/>
+    </p:spTree>
+    <p:extLst>
+      <p:ext uri="{BB962C8B-B14F-4D97-AF65-F5344CB8AC3E}">
+        <p14:creationId xmlns:p14="http://schemas.microsoft.com/office/powerpoint/2010/main" val="1925400371"/>
+      </p:ext>
+    </p:extLst>
+  </p:cSld>
+  <p:clrMapOvr>
+    <a:masterClrMapping/>
+  </p:clrMapOvr>
+</p:notes>
+</file>
+
+<file path=ppt/notesSlides/notesSlide5.xml><?xml version="1.0" encoding="utf-8"?>
+<p:notes xmlns:a="http://schemas.openxmlformats.org/drawingml/2006/main" xmlns:r="http://schemas.openxmlformats.org/officeDocument/2006/relationships" xmlns:p="http://schemas.openxmlformats.org/presentationml/2006/main">
+  <p:cSld>
+    <p:spTree>
+      <p:nvGrpSpPr>
+        <p:cNvPr id="1" name=""/>
+        <p:cNvGrpSpPr/>
+        <p:nvPr/>
+      </p:nvGrpSpPr>
+      <p:grpSpPr>
+        <a:xfrm>
+          <a:off x="0" y="0"/>
+          <a:ext cx="0" cy="0"/>
+          <a:chOff x="0" y="0"/>
+          <a:chExt cx="0" cy="0"/>
+        </a:xfrm>
+      </p:grpSpPr>
+      <p:sp>
+        <p:nvSpPr>
+          <p:cNvPr id="2" name="Slide Image Placeholder 1"/>
+          <p:cNvSpPr>
+            <a:spLocks noGrp="1" noRot="1" noChangeAspect="1"/>
+          </p:cNvSpPr>
+          <p:nvPr>
+            <p:ph type="sldImg"/>
+          </p:nvPr>
+        </p:nvSpPr>
+        <p:spPr/>
+      </p:sp>
+      <p:sp>
+        <p:nvSpPr>
+          <p:cNvPr id="3" name="Notes Placeholder 2"/>
           <p:cNvSpPr>
             <a:spLocks noGrp="1"/>
           </p:cNvSpPr>
           <p:nvPr>
-            <p:ph type="hdr" sz="quarter" idx="10"/>
+            <p:ph type="body" idx="1"/>
+          </p:nvPr>
+        </p:nvSpPr>
+        <p:spPr/>
+        <p:txBody>
+          <a:bodyPr/>
+          <a:lstStyle/>
+          <a:p>
+            <a:r>
+              <a:rPr lang="en-US" dirty="0" smtClean="0"/>
+              <a:t>The Web Extensibility Framework (WEF) is a new development platform used to</a:t>
+            </a:r>
+            <a:r>
+              <a:rPr lang="en-US" baseline="0" dirty="0" smtClean="0"/>
+              <a:t> extend Office applications. This platform </a:t>
+            </a:r>
+            <a:r>
+              <a:rPr lang="en-US" dirty="0" smtClean="0"/>
+              <a:t>allows Web page content to render inside Office Application and to interact with Office documents such as Word document and Excel workbooks and Exchange items such as messages</a:t>
+            </a:r>
+            <a:r>
+              <a:rPr lang="en-US" baseline="0" dirty="0" smtClean="0"/>
+              <a:t> and appointments.</a:t>
+            </a:r>
+            <a:endParaRPr lang="en-US" dirty="0" smtClean="0"/>
+          </a:p>
+          <a:p>
+            <a:endParaRPr lang="en-US" dirty="0" smtClean="0"/>
+          </a:p>
+          <a:p>
+            <a:r>
+              <a:rPr lang="en-US" dirty="0" smtClean="0"/>
+              <a:t>The WEF development platform is used to develop </a:t>
+            </a:r>
+            <a:r>
+              <a:rPr lang="en-US" b="1" dirty="0" smtClean="0">
+                <a:solidFill>
+                  <a:schemeClr val="bg2">
+                    <a:lumMod val="75000"/>
+                  </a:schemeClr>
+                </a:solidFill>
+              </a:rPr>
+              <a:t>Apps for Office. </a:t>
+            </a:r>
+            <a:r>
+              <a:rPr lang="en-US" dirty="0" smtClean="0"/>
+              <a:t>Apps for Office provide basis for a component architecture which allows</a:t>
+            </a:r>
+            <a:r>
+              <a:rPr lang="en-US" baseline="0" dirty="0" smtClean="0"/>
+              <a:t> </a:t>
+            </a:r>
+            <a:r>
+              <a:rPr lang="en-US" dirty="0" smtClean="0"/>
+              <a:t>developers to build apps which target Office application and Office Web applications</a:t>
+            </a:r>
+            <a:r>
+              <a:rPr lang="en-US" baseline="0" dirty="0" smtClean="0"/>
+              <a:t> such as Excel services and Outlook Web Access. </a:t>
+            </a:r>
+          </a:p>
+          <a:p>
+            <a:endParaRPr lang="en-US" baseline="0" dirty="0" smtClean="0"/>
+          </a:p>
+          <a:p>
+            <a:r>
+              <a:rPr lang="en-US" dirty="0" smtClean="0"/>
+              <a:t>WEF and</a:t>
+            </a:r>
+            <a:r>
+              <a:rPr lang="en-US" baseline="0" dirty="0" smtClean="0"/>
+              <a:t> the </a:t>
+            </a:r>
+            <a:r>
+              <a:rPr lang="en-US" dirty="0" smtClean="0"/>
+              <a:t>Apps for Office development model provide foundation for distribution of apps using an app directory such as the Office Store and the App Corporate Catalog used to deploy apps in private networks.</a:t>
+            </a:r>
+          </a:p>
+          <a:p>
+            <a:endParaRPr lang="en-US" dirty="0" smtClean="0"/>
+          </a:p>
+          <a:p>
+            <a:r>
+              <a:rPr lang="en-US" dirty="0" smtClean="0"/>
+              <a:t>Throughout the beta cycle of Office 2013, Apps for Office have been given a codename of "Agave". Note that this</a:t>
+            </a:r>
+            <a:r>
+              <a:rPr lang="en-US" baseline="0" dirty="0" smtClean="0"/>
+              <a:t> c</a:t>
+            </a:r>
+            <a:r>
+              <a:rPr lang="en-US" dirty="0" smtClean="0"/>
+              <a:t>odename is only intended for the beta cycle and will disappear by RTM when they will just</a:t>
+            </a:r>
+            <a:r>
+              <a:rPr lang="en-US" baseline="0" dirty="0" smtClean="0"/>
+              <a:t> be called "Apps for Office" or a variation thereof.</a:t>
+            </a:r>
+            <a:endParaRPr lang="en-US" dirty="0" smtClean="0"/>
+          </a:p>
+          <a:p>
+            <a:endParaRPr lang="en-US" dirty="0"/>
+          </a:p>
+        </p:txBody>
+      </p:sp>
+      <p:sp>
+        <p:nvSpPr>
+          <p:cNvPr id="4" name="Date Placeholder 3"/>
+          <p:cNvSpPr>
+            <a:spLocks noGrp="1"/>
+          </p:cNvSpPr>
+          <p:nvPr>
+            <p:ph type="dt" idx="10"/>
           </p:nvPr>
         </p:nvSpPr>
         <p:spPr>
           <a:xfrm>
-            <a:off x="0" y="0"/>
+            <a:off x="3884613" y="0"/>
             <a:ext cx="2971800" cy="457200"/>
           </a:xfrm>
           <a:prstGeom prst="rect">
@@ -1582,24 +2146,230 @@
           <a:bodyPr/>
           <a:lstStyle/>
           <a:p>
-            <a:endParaRPr lang="en-US" dirty="0"/>
+            <a:fld id="{9FEEF74C-1007-402E-B0A6-22E0FEB3AB9E}" type="datetime1">
+              <a:rPr lang="en-US" smtClean="0"/>
+              <a:t>9/5/2014</a:t>
+            </a:fld>
+            <a:endParaRPr lang="en-US"/>
           </a:p>
         </p:txBody>
       </p:sp>
       <p:sp>
         <p:nvSpPr>
-          <p:cNvPr id="5" name="Footer Placeholder 4"/>
+          <p:cNvPr id="5" name="Slide Number Placeholder 4"/>
           <p:cNvSpPr>
             <a:spLocks noGrp="1"/>
           </p:cNvSpPr>
           <p:nvPr>
-            <p:ph type="ftr" sz="quarter" idx="11"/>
+            <p:ph type="sldNum" sz="quarter" idx="11"/>
+          </p:nvPr>
+        </p:nvSpPr>
+        <p:spPr/>
+        <p:txBody>
+          <a:bodyPr/>
+          <a:lstStyle/>
+          <a:p>
+            <a:fld id="{B4008EB6-D09E-4580-8CD6-DDB14511944F}" type="slidenum">
+              <a:rPr lang="en-US" smtClean="0"/>
+              <a:t>7</a:t>
+            </a:fld>
+            <a:endParaRPr lang="en-US" dirty="0"/>
+          </a:p>
+        </p:txBody>
+      </p:sp>
+      <p:sp>
+        <p:nvSpPr>
+          <p:cNvPr id="6" name="Header Placeholder 5"/>
+          <p:cNvSpPr>
+            <a:spLocks noGrp="1"/>
+          </p:cNvSpPr>
+          <p:nvPr>
+            <p:ph type="hdr" sz="quarter" idx="12"/>
+          </p:nvPr>
+        </p:nvSpPr>
+        <p:spPr/>
+        <p:txBody>
+          <a:bodyPr/>
+          <a:lstStyle/>
+          <a:p>
+            <a:r>
+              <a:rPr lang="en-US" smtClean="0"/>
+              <a:t>Microsoft Office</a:t>
+            </a:r>
+            <a:endParaRPr lang="en-US" dirty="0"/>
+          </a:p>
+        </p:txBody>
+      </p:sp>
+      <p:sp>
+        <p:nvSpPr>
+          <p:cNvPr id="7" name="Footer Placeholder 6"/>
+          <p:cNvSpPr>
+            <a:spLocks noGrp="1"/>
+          </p:cNvSpPr>
+          <p:nvPr>
+            <p:ph type="ftr" sz="quarter" idx="13"/>
+          </p:nvPr>
+        </p:nvSpPr>
+        <p:spPr/>
+        <p:txBody>
+          <a:bodyPr/>
+          <a:lstStyle/>
+          <a:p>
+            <a:pPr marL="231775" defTabSz="914099" eaLnBrk="0" hangingPunct="0"/>
+            <a:r>
+              <a:rPr lang="en-US" sz="500" smtClean="0">
+                <a:gradFill>
+                  <a:gsLst>
+                    <a:gs pos="0">
+                      <a:schemeClr val="tx1"/>
+                    </a:gs>
+                    <a:gs pos="100000">
+                      <a:schemeClr val="tx1"/>
+                    </a:gs>
+                  </a:gsLst>
+                  <a:lin ang="5400000" scaled="0"/>
+                </a:gradFill>
+                <a:latin typeface="Segoe UI" pitchFamily="34" charset="0"/>
+                <a:ea typeface="Segoe UI" pitchFamily="34" charset="0"/>
+                <a:cs typeface="Segoe UI" pitchFamily="34" charset="0"/>
+              </a:rPr>
+              <a:t>© 2012 Microsoft Corporation. All rights reserved. Microsoft, Windows, and other product names are or may be registered trademarks and/or trademarks in the U.S. and/or other countries.</a:t>
+            </a:r>
+          </a:p>
+          <a:p>
+            <a:pPr marL="231775" defTabSz="914099" eaLnBrk="0" hangingPunct="0"/>
+            <a:r>
+              <a:rPr lang="en-US" sz="500" smtClean="0">
+                <a:gradFill>
+                  <a:gsLst>
+                    <a:gs pos="0">
+                      <a:schemeClr val="tx1"/>
+                    </a:gs>
+                    <a:gs pos="100000">
+                      <a:schemeClr val="tx1"/>
+                    </a:gs>
+                  </a:gsLst>
+                  <a:lin ang="5400000" scaled="0"/>
+                </a:gradFill>
+                <a:latin typeface="Segoe UI" pitchFamily="34" charset="0"/>
+                <a:ea typeface="Segoe UI" pitchFamily="34" charset="0"/>
+                <a:cs typeface="Segoe UI" pitchFamily="34" charset="0"/>
+              </a:rPr>
+              <a:t>The information herein is for informational purposes only and represents the current view of Microsoft Corporation as of the date of this presentation.  Because Microsoft must respond to changing market conditions, it should not be interpreted to be a commitment on the part of Microsoft, and Microsoft cannot guarantee the accuracy of any information provided after the date of this presentation.  MICROSOFT MAKES NO WARRANTIES, EXPRESS, IMPLIED OR STATUTORY, AS TO THE INFORMATION IN THIS PRESENTATION.</a:t>
+            </a:r>
+            <a:endParaRPr lang="en-US" sz="500" dirty="0">
+              <a:gradFill>
+                <a:gsLst>
+                  <a:gs pos="0">
+                    <a:schemeClr val="tx1"/>
+                  </a:gs>
+                  <a:gs pos="100000">
+                    <a:schemeClr val="tx1"/>
+                  </a:gs>
+                </a:gsLst>
+                <a:lin ang="5400000" scaled="0"/>
+              </a:gradFill>
+              <a:latin typeface="Segoe UI" pitchFamily="34" charset="0"/>
+              <a:ea typeface="Segoe UI" pitchFamily="34" charset="0"/>
+              <a:cs typeface="Segoe UI" pitchFamily="34" charset="0"/>
+            </a:endParaRPr>
+          </a:p>
+        </p:txBody>
+      </p:sp>
+    </p:spTree>
+    <p:extLst>
+      <p:ext uri="{BB962C8B-B14F-4D97-AF65-F5344CB8AC3E}">
+        <p14:creationId xmlns:p14="http://schemas.microsoft.com/office/powerpoint/2010/main" val="1627570381"/>
+      </p:ext>
+    </p:extLst>
+  </p:cSld>
+  <p:clrMapOvr>
+    <a:masterClrMapping/>
+  </p:clrMapOvr>
+</p:notes>
+</file>
+
+<file path=ppt/notesSlides/notesSlide6.xml><?xml version="1.0" encoding="utf-8"?>
+<p:notes xmlns:a="http://schemas.openxmlformats.org/drawingml/2006/main" xmlns:r="http://schemas.openxmlformats.org/officeDocument/2006/relationships" xmlns:p="http://schemas.openxmlformats.org/presentationml/2006/main">
+  <p:cSld>
+    <p:spTree>
+      <p:nvGrpSpPr>
+        <p:cNvPr id="1" name=""/>
+        <p:cNvGrpSpPr/>
+        <p:nvPr/>
+      </p:nvGrpSpPr>
+      <p:grpSpPr>
+        <a:xfrm>
+          <a:off x="0" y="0"/>
+          <a:ext cx="0" cy="0"/>
+          <a:chOff x="0" y="0"/>
+          <a:chExt cx="0" cy="0"/>
+        </a:xfrm>
+      </p:grpSpPr>
+      <p:sp>
+        <p:nvSpPr>
+          <p:cNvPr id="2" name="Slide Image Placeholder 1"/>
+          <p:cNvSpPr>
+            <a:spLocks noGrp="1" noRot="1" noChangeAspect="1"/>
+          </p:cNvSpPr>
+          <p:nvPr>
+            <p:ph type="sldImg"/>
+          </p:nvPr>
+        </p:nvSpPr>
+        <p:spPr/>
+      </p:sp>
+      <p:sp>
+        <p:nvSpPr>
+          <p:cNvPr id="3" name="Notes Placeholder 2"/>
+          <p:cNvSpPr>
+            <a:spLocks noGrp="1"/>
+          </p:cNvSpPr>
+          <p:nvPr>
+            <p:ph type="body" idx="1"/>
+          </p:nvPr>
+        </p:nvSpPr>
+        <p:spPr/>
+        <p:txBody>
+          <a:bodyPr/>
+          <a:lstStyle/>
+          <a:p>
+            <a:r>
+              <a:rPr lang="en-US" dirty="0" smtClean="0"/>
+              <a:t>Every App for Office must be distributed with an XML-based manifest which contains information about the app itself.</a:t>
+            </a:r>
+            <a:r>
+              <a:rPr lang="en-US" baseline="0" dirty="0" smtClean="0"/>
+              <a:t> For example, the app manifest contains an address to a Web page on the Internet which is used to load the app. The app manifest also includes information which indicates </a:t>
+            </a:r>
+            <a:r>
+              <a:rPr lang="en-US" dirty="0" smtClean="0"/>
+              <a:t>which Office applications it supports. The app manifest also defines the required capabilities which represent the set of permissions that</a:t>
+            </a:r>
+            <a:r>
+              <a:rPr lang="en-US" baseline="0" dirty="0" smtClean="0"/>
+              <a:t> the app needs in order to run and complete its work.</a:t>
+            </a:r>
+            <a:endParaRPr lang="en-US" dirty="0" smtClean="0"/>
+          </a:p>
+          <a:p>
+            <a:endParaRPr lang="en-US" dirty="0"/>
+          </a:p>
+        </p:txBody>
+      </p:sp>
+      <p:sp>
+        <p:nvSpPr>
+          <p:cNvPr id="4" name="Date Placeholder 3"/>
+          <p:cNvSpPr>
+            <a:spLocks noGrp="1"/>
+          </p:cNvSpPr>
+          <p:nvPr>
+            <p:ph type="dt" idx="10"/>
           </p:nvPr>
         </p:nvSpPr>
         <p:spPr>
           <a:xfrm>
-            <a:off x="0" y="8686800"/>
-            <a:ext cx="5920740" cy="355964"/>
+            <a:off x="3884613" y="0"/>
+            <a:ext cx="2971800" cy="457200"/>
           </a:xfrm>
           <a:prstGeom prst="rect">
             <a:avLst/>
@@ -1609,16 +2379,85 @@
           <a:bodyPr/>
           <a:lstStyle/>
           <a:p>
-            <a:pPr defTabSz="914099" eaLnBrk="0" hangingPunct="0"/>
-            <a:r>
-              <a:rPr lang="en-US" sz="400" smtClean="0">
+            <a:fld id="{0963315D-FADD-47D1-B04E-85DCA5AF53D6}" type="datetime1">
+              <a:rPr lang="en-US" smtClean="0"/>
+              <a:t>9/5/2014</a:t>
+            </a:fld>
+            <a:endParaRPr lang="en-US"/>
+          </a:p>
+        </p:txBody>
+      </p:sp>
+      <p:sp>
+        <p:nvSpPr>
+          <p:cNvPr id="5" name="Slide Number Placeholder 4"/>
+          <p:cNvSpPr>
+            <a:spLocks noGrp="1"/>
+          </p:cNvSpPr>
+          <p:nvPr>
+            <p:ph type="sldNum" sz="quarter" idx="11"/>
+          </p:nvPr>
+        </p:nvSpPr>
+        <p:spPr/>
+        <p:txBody>
+          <a:bodyPr/>
+          <a:lstStyle/>
+          <a:p>
+            <a:fld id="{B4008EB6-D09E-4580-8CD6-DDB14511944F}" type="slidenum">
+              <a:rPr lang="en-US" smtClean="0"/>
+              <a:t>8</a:t>
+            </a:fld>
+            <a:endParaRPr lang="en-US" dirty="0"/>
+          </a:p>
+        </p:txBody>
+      </p:sp>
+      <p:sp>
+        <p:nvSpPr>
+          <p:cNvPr id="6" name="Header Placeholder 5"/>
+          <p:cNvSpPr>
+            <a:spLocks noGrp="1"/>
+          </p:cNvSpPr>
+          <p:nvPr>
+            <p:ph type="hdr" sz="quarter" idx="12"/>
+          </p:nvPr>
+        </p:nvSpPr>
+        <p:spPr/>
+        <p:txBody>
+          <a:bodyPr/>
+          <a:lstStyle/>
+          <a:p>
+            <a:r>
+              <a:rPr lang="en-US" smtClean="0"/>
+              <a:t>Microsoft Office</a:t>
+            </a:r>
+            <a:endParaRPr lang="en-US" dirty="0"/>
+          </a:p>
+        </p:txBody>
+      </p:sp>
+      <p:sp>
+        <p:nvSpPr>
+          <p:cNvPr id="7" name="Footer Placeholder 6"/>
+          <p:cNvSpPr>
+            <a:spLocks noGrp="1"/>
+          </p:cNvSpPr>
+          <p:nvPr>
+            <p:ph type="ftr" sz="quarter" idx="13"/>
+          </p:nvPr>
+        </p:nvSpPr>
+        <p:spPr/>
+        <p:txBody>
+          <a:bodyPr/>
+          <a:lstStyle/>
+          <a:p>
+            <a:pPr marL="231775" defTabSz="914099" eaLnBrk="0" hangingPunct="0"/>
+            <a:r>
+              <a:rPr lang="en-US" sz="500" smtClean="0">
                 <a:gradFill>
                   <a:gsLst>
                     <a:gs pos="0">
-                      <a:prstClr val="black"/>
+                      <a:schemeClr val="tx1"/>
                     </a:gs>
                     <a:gs pos="100000">
-                      <a:prstClr val="black"/>
+                      <a:schemeClr val="tx1"/>
                     </a:gs>
                   </a:gsLst>
                   <a:lin ang="5400000" scaled="0"/>
@@ -1631,16 +2470,16 @@
             </a:r>
           </a:p>
           <a:p>
-            <a:pPr defTabSz="914099" eaLnBrk="0" hangingPunct="0"/>
-            <a:r>
-              <a:rPr lang="en-US" sz="400" smtClean="0">
+            <a:pPr marL="231775" defTabSz="914099" eaLnBrk="0" hangingPunct="0"/>
+            <a:r>
+              <a:rPr lang="en-US" sz="500" smtClean="0">
                 <a:gradFill>
                   <a:gsLst>
                     <a:gs pos="0">
-                      <a:prstClr val="black"/>
+                      <a:schemeClr val="tx1"/>
                     </a:gs>
                     <a:gs pos="100000">
-                      <a:prstClr val="black"/>
+                      <a:schemeClr val="tx1"/>
                     </a:gs>
                   </a:gsLst>
                   <a:lin ang="5400000" scaled="0"/>
@@ -1651,14 +2490,14 @@
               </a:rPr>
               <a:t>The information herein is for informational purposes only and represents the current view of Microsoft Corporation as of the date of this presentation.  Because Microsoft must respond to changing market conditions, it should not be interpreted to be a commitment on the part of Microsoft, and Microsoft cannot guarantee the accuracy of any information provided after the date of this presentation.  MICROSOFT MAKES NO WARRANTIES, EXPRESS, IMPLIED OR STATUTORY, AS TO THE INFORMATION IN THIS PRESENTATION.</a:t>
             </a:r>
-            <a:endParaRPr lang="en-US" sz="400" dirty="0" smtClean="0">
+            <a:endParaRPr lang="en-US" sz="500" dirty="0">
               <a:gradFill>
                 <a:gsLst>
                   <a:gs pos="0">
-                    <a:prstClr val="black"/>
+                    <a:schemeClr val="tx1"/>
                   </a:gs>
                   <a:gs pos="100000">
-                    <a:prstClr val="black"/>
+                    <a:schemeClr val="tx1"/>
                   </a:gs>
                 </a:gsLst>
                 <a:lin ang="5400000" scaled="0"/>
@@ -1670,14 +2509,56 @@
           </a:p>
         </p:txBody>
       </p:sp>
-      <p:sp>
-        <p:nvSpPr>
-          <p:cNvPr id="6" name="Date Placeholder 5"/>
+    </p:spTree>
+    <p:extLst>
+      <p:ext uri="{BB962C8B-B14F-4D97-AF65-F5344CB8AC3E}">
+        <p14:creationId xmlns:p14="http://schemas.microsoft.com/office/powerpoint/2010/main" val="1098633744"/>
+      </p:ext>
+    </p:extLst>
+  </p:cSld>
+  <p:clrMapOvr>
+    <a:masterClrMapping/>
+  </p:clrMapOvr>
+</p:notes>
+</file>
+
+<file path=ppt/notesSlides/notesSlide7.xml><?xml version="1.0" encoding="utf-8"?>
+<p:notes xmlns:a="http://schemas.openxmlformats.org/drawingml/2006/main" xmlns:r="http://schemas.openxmlformats.org/officeDocument/2006/relationships" xmlns:p="http://schemas.openxmlformats.org/presentationml/2006/main">
+  <p:cSld>
+    <p:spTree>
+      <p:nvGrpSpPr>
+        <p:cNvPr id="1" name=""/>
+        <p:cNvGrpSpPr/>
+        <p:nvPr/>
+      </p:nvGrpSpPr>
+      <p:grpSpPr>
+        <a:xfrm>
+          <a:off x="0" y="0"/>
+          <a:ext cx="0" cy="0"/>
+          <a:chOff x="0" y="0"/>
+          <a:chExt cx="0" cy="0"/>
+        </a:xfrm>
+      </p:grpSpPr>
+      <p:sp>
+        <p:nvSpPr>
+          <p:cNvPr id="2" name="Slide Image Placeholder 1"/>
+          <p:cNvSpPr>
+            <a:spLocks noGrp="1" noRot="1" noChangeAspect="1"/>
+          </p:cNvSpPr>
+          <p:nvPr>
+            <p:ph type="sldImg"/>
+          </p:nvPr>
+        </p:nvSpPr>
+        <p:spPr/>
+      </p:sp>
+      <p:sp>
+        <p:nvSpPr>
+          <p:cNvPr id="3" name="Notes Placeholder 2"/>
           <p:cNvSpPr>
             <a:spLocks noGrp="1"/>
           </p:cNvSpPr>
           <p:nvPr>
-            <p:ph type="dt" idx="12"/>
+            <p:ph type="body" idx="1"/>
           </p:nvPr>
         </p:nvSpPr>
         <p:spPr/>
@@ -1685,22 +2566,95 @@
           <a:bodyPr/>
           <a:lstStyle/>
           <a:p>
-            <a:fld id="{0BB6559B-C68D-49B4-97AE-9BB74C417927}" type="datetime1">
-              <a:rPr lang="en-US" smtClean="0"/>
-              <a:t>8/29/2014</a:t>
-            </a:fld>
-            <a:endParaRPr lang="en-US"/>
+            <a:r>
+              <a:rPr lang="en-US" dirty="0" smtClean="0"/>
+              <a:t>Visual Studio has a new project template for Apps for Office. These project types gives you a starter project with a web page and manifest.</a:t>
+            </a:r>
+            <a:endParaRPr lang="en-US" dirty="0"/>
           </a:p>
         </p:txBody>
       </p:sp>
       <p:sp>
         <p:nvSpPr>
-          <p:cNvPr id="7" name="Slide Number Placeholder 6"/>
+          <p:cNvPr id="4" name="Slide Number Placeholder 3"/>
           <p:cNvSpPr>
             <a:spLocks noGrp="1"/>
           </p:cNvSpPr>
           <p:nvPr>
-            <p:ph type="sldNum" sz="quarter" idx="13"/>
+            <p:ph type="sldNum" sz="quarter" idx="10"/>
+          </p:nvPr>
+        </p:nvSpPr>
+        <p:spPr>
+          <a:xfrm>
+            <a:off x="3884613" y="8685213"/>
+            <a:ext cx="2971800" cy="457200"/>
+          </a:xfrm>
+          <a:prstGeom prst="rect">
+            <a:avLst/>
+          </a:prstGeom>
+        </p:spPr>
+        <p:txBody>
+          <a:bodyPr/>
+          <a:lstStyle/>
+          <a:p>
+            <a:fld id="{511FAC3E-016E-4A5A-9DC2-EB9C8F821641}" type="slidenum">
+              <a:rPr lang="en-US" smtClean="0"/>
+              <a:t>10</a:t>
+            </a:fld>
+            <a:endParaRPr lang="en-US"/>
+          </a:p>
+        </p:txBody>
+      </p:sp>
+    </p:spTree>
+    <p:extLst>
+      <p:ext uri="{BB962C8B-B14F-4D97-AF65-F5344CB8AC3E}">
+        <p14:creationId xmlns:p14="http://schemas.microsoft.com/office/powerpoint/2010/main" val="4027530368"/>
+      </p:ext>
+    </p:extLst>
+  </p:cSld>
+  <p:clrMapOvr>
+    <a:masterClrMapping/>
+  </p:clrMapOvr>
+</p:notes>
+</file>
+
+<file path=ppt/notesSlides/notesSlide8.xml><?xml version="1.0" encoding="utf-8"?>
+<p:notes xmlns:a="http://schemas.openxmlformats.org/drawingml/2006/main" xmlns:r="http://schemas.openxmlformats.org/officeDocument/2006/relationships" xmlns:p="http://schemas.openxmlformats.org/presentationml/2006/main">
+  <p:cSld>
+    <p:spTree>
+      <p:nvGrpSpPr>
+        <p:cNvPr id="1" name=""/>
+        <p:cNvGrpSpPr/>
+        <p:nvPr/>
+      </p:nvGrpSpPr>
+      <p:grpSpPr>
+        <a:xfrm>
+          <a:off x="0" y="0"/>
+          <a:ext cx="0" cy="0"/>
+          <a:chOff x="0" y="0"/>
+          <a:chExt cx="0" cy="0"/>
+        </a:xfrm>
+      </p:grpSpPr>
+      <p:sp>
+        <p:nvSpPr>
+          <p:cNvPr id="2" name="Slide Image Placeholder 1"/>
+          <p:cNvSpPr>
+            <a:spLocks noGrp="1" noRot="1" noChangeAspect="1"/>
+          </p:cNvSpPr>
+          <p:nvPr>
+            <p:ph type="sldImg"/>
+          </p:nvPr>
+        </p:nvSpPr>
+        <p:spPr/>
+      </p:sp>
+      <p:sp>
+        <p:nvSpPr>
+          <p:cNvPr id="3" name="Notes Placeholder 2"/>
+          <p:cNvSpPr>
+            <a:spLocks noGrp="1"/>
+          </p:cNvSpPr>
+          <p:nvPr>
+            <p:ph type="body" idx="1"/>
           </p:nvPr>
         </p:nvSpPr>
         <p:spPr/>
@@ -1708,18 +2662,397 @@
           <a:bodyPr/>
           <a:lstStyle/>
           <a:p>
+            <a:r>
+              <a:rPr lang="en-US" dirty="0" smtClean="0"/>
+              <a:t>The slide</a:t>
+            </a:r>
+            <a:r>
+              <a:rPr lang="en-US" baseline="0" dirty="0" smtClean="0"/>
+              <a:t> shows the initial structure of a task pane app created with the Visual Studio 2012.</a:t>
+            </a:r>
+            <a:endParaRPr lang="en-US" dirty="0"/>
+          </a:p>
+        </p:txBody>
+      </p:sp>
+      <p:sp>
+        <p:nvSpPr>
+          <p:cNvPr id="4" name="Date Placeholder 3"/>
+          <p:cNvSpPr>
+            <a:spLocks noGrp="1"/>
+          </p:cNvSpPr>
+          <p:nvPr>
+            <p:ph type="dt" idx="10"/>
+          </p:nvPr>
+        </p:nvSpPr>
+        <p:spPr>
+          <a:xfrm>
+            <a:off x="3884613" y="0"/>
+            <a:ext cx="2971800" cy="457200"/>
+          </a:xfrm>
+          <a:prstGeom prst="rect">
+            <a:avLst/>
+          </a:prstGeom>
+        </p:spPr>
+        <p:txBody>
+          <a:bodyPr/>
+          <a:lstStyle/>
+          <a:p>
+            <a:fld id="{F520EA6B-12B9-470C-8032-CF7B89111BB8}" type="datetime1">
+              <a:rPr lang="en-US" smtClean="0"/>
+              <a:t>9/5/2014</a:t>
+            </a:fld>
+            <a:endParaRPr lang="en-US"/>
+          </a:p>
+        </p:txBody>
+      </p:sp>
+      <p:sp>
+        <p:nvSpPr>
+          <p:cNvPr id="5" name="Slide Number Placeholder 4"/>
+          <p:cNvSpPr>
+            <a:spLocks noGrp="1"/>
+          </p:cNvSpPr>
+          <p:nvPr>
+            <p:ph type="sldNum" sz="quarter" idx="11"/>
+          </p:nvPr>
+        </p:nvSpPr>
+        <p:spPr/>
+        <p:txBody>
+          <a:bodyPr/>
+          <a:lstStyle/>
+          <a:p>
             <a:fld id="{B4008EB6-D09E-4580-8CD6-DDB14511944F}" type="slidenum">
               <a:rPr lang="en-US" smtClean="0"/>
-              <a:t>8</a:t>
+              <a:t>11</a:t>
             </a:fld>
             <a:endParaRPr lang="en-US" dirty="0"/>
+          </a:p>
+        </p:txBody>
+      </p:sp>
+      <p:sp>
+        <p:nvSpPr>
+          <p:cNvPr id="6" name="Header Placeholder 5"/>
+          <p:cNvSpPr>
+            <a:spLocks noGrp="1"/>
+          </p:cNvSpPr>
+          <p:nvPr>
+            <p:ph type="hdr" sz="quarter" idx="12"/>
+          </p:nvPr>
+        </p:nvSpPr>
+        <p:spPr/>
+        <p:txBody>
+          <a:bodyPr/>
+          <a:lstStyle/>
+          <a:p>
+            <a:r>
+              <a:rPr lang="en-US" smtClean="0"/>
+              <a:t>Microsoft Office</a:t>
+            </a:r>
+            <a:endParaRPr lang="en-US" dirty="0"/>
+          </a:p>
+        </p:txBody>
+      </p:sp>
+      <p:sp>
+        <p:nvSpPr>
+          <p:cNvPr id="7" name="Footer Placeholder 6"/>
+          <p:cNvSpPr>
+            <a:spLocks noGrp="1"/>
+          </p:cNvSpPr>
+          <p:nvPr>
+            <p:ph type="ftr" sz="quarter" idx="13"/>
+          </p:nvPr>
+        </p:nvSpPr>
+        <p:spPr/>
+        <p:txBody>
+          <a:bodyPr/>
+          <a:lstStyle/>
+          <a:p>
+            <a:pPr marL="231775" defTabSz="914099" eaLnBrk="0" hangingPunct="0"/>
+            <a:r>
+              <a:rPr lang="en-US" sz="500" smtClean="0">
+                <a:gradFill>
+                  <a:gsLst>
+                    <a:gs pos="0">
+                      <a:schemeClr val="tx1"/>
+                    </a:gs>
+                    <a:gs pos="100000">
+                      <a:schemeClr val="tx1"/>
+                    </a:gs>
+                  </a:gsLst>
+                  <a:lin ang="5400000" scaled="0"/>
+                </a:gradFill>
+                <a:latin typeface="Segoe UI" pitchFamily="34" charset="0"/>
+                <a:ea typeface="Segoe UI" pitchFamily="34" charset="0"/>
+                <a:cs typeface="Segoe UI" pitchFamily="34" charset="0"/>
+              </a:rPr>
+              <a:t>© 2012 Microsoft Corporation. All rights reserved. Microsoft, Windows, and other product names are or may be registered trademarks and/or trademarks in the U.S. and/or other countries.</a:t>
+            </a:r>
+          </a:p>
+          <a:p>
+            <a:pPr marL="231775" defTabSz="914099" eaLnBrk="0" hangingPunct="0"/>
+            <a:r>
+              <a:rPr lang="en-US" sz="500" smtClean="0">
+                <a:gradFill>
+                  <a:gsLst>
+                    <a:gs pos="0">
+                      <a:schemeClr val="tx1"/>
+                    </a:gs>
+                    <a:gs pos="100000">
+                      <a:schemeClr val="tx1"/>
+                    </a:gs>
+                  </a:gsLst>
+                  <a:lin ang="5400000" scaled="0"/>
+                </a:gradFill>
+                <a:latin typeface="Segoe UI" pitchFamily="34" charset="0"/>
+                <a:ea typeface="Segoe UI" pitchFamily="34" charset="0"/>
+                <a:cs typeface="Segoe UI" pitchFamily="34" charset="0"/>
+              </a:rPr>
+              <a:t>The information herein is for informational purposes only and represents the current view of Microsoft Corporation as of the date of this presentation.  Because Microsoft must respond to changing market conditions, it should not be interpreted to be a commitment on the part of Microsoft, and Microsoft cannot guarantee the accuracy of any information provided after the date of this presentation.  MICROSOFT MAKES NO WARRANTIES, EXPRESS, IMPLIED OR STATUTORY, AS TO THE INFORMATION IN THIS PRESENTATION.</a:t>
+            </a:r>
+            <a:endParaRPr lang="en-US" sz="500" dirty="0">
+              <a:gradFill>
+                <a:gsLst>
+                  <a:gs pos="0">
+                    <a:schemeClr val="tx1"/>
+                  </a:gs>
+                  <a:gs pos="100000">
+                    <a:schemeClr val="tx1"/>
+                  </a:gs>
+                </a:gsLst>
+                <a:lin ang="5400000" scaled="0"/>
+              </a:gradFill>
+              <a:latin typeface="Segoe UI" pitchFamily="34" charset="0"/>
+              <a:ea typeface="Segoe UI" pitchFamily="34" charset="0"/>
+              <a:cs typeface="Segoe UI" pitchFamily="34" charset="0"/>
+            </a:endParaRPr>
           </a:p>
         </p:txBody>
       </p:sp>
     </p:spTree>
     <p:extLst>
       <p:ext uri="{BB962C8B-B14F-4D97-AF65-F5344CB8AC3E}">
-        <p14:creationId xmlns:p14="http://schemas.microsoft.com/office/powerpoint/2010/main" val="3695926200"/>
+        <p14:creationId xmlns:p14="http://schemas.microsoft.com/office/powerpoint/2010/main" val="829479618"/>
+      </p:ext>
+    </p:extLst>
+  </p:cSld>
+  <p:clrMapOvr>
+    <a:masterClrMapping/>
+  </p:clrMapOvr>
+</p:notes>
+</file>
+
+<file path=ppt/notesSlides/notesSlide9.xml><?xml version="1.0" encoding="utf-8"?>
+<p:notes xmlns:a="http://schemas.openxmlformats.org/drawingml/2006/main" xmlns:r="http://schemas.openxmlformats.org/officeDocument/2006/relationships" xmlns:p="http://schemas.openxmlformats.org/presentationml/2006/main">
+  <p:cSld>
+    <p:spTree>
+      <p:nvGrpSpPr>
+        <p:cNvPr id="1" name=""/>
+        <p:cNvGrpSpPr/>
+        <p:nvPr/>
+      </p:nvGrpSpPr>
+      <p:grpSpPr>
+        <a:xfrm>
+          <a:off x="0" y="0"/>
+          <a:ext cx="0" cy="0"/>
+          <a:chOff x="0" y="0"/>
+          <a:chExt cx="0" cy="0"/>
+        </a:xfrm>
+      </p:grpSpPr>
+      <p:sp>
+        <p:nvSpPr>
+          <p:cNvPr id="2" name="Slide Image Placeholder 1"/>
+          <p:cNvSpPr>
+            <a:spLocks noGrp="1" noRot="1" noChangeAspect="1"/>
+          </p:cNvSpPr>
+          <p:nvPr>
+            <p:ph type="sldImg"/>
+          </p:nvPr>
+        </p:nvSpPr>
+        <p:spPr/>
+      </p:sp>
+      <p:sp>
+        <p:nvSpPr>
+          <p:cNvPr id="3" name="Notes Placeholder 2"/>
+          <p:cNvSpPr>
+            <a:spLocks noGrp="1"/>
+          </p:cNvSpPr>
+          <p:nvPr>
+            <p:ph type="body" idx="1"/>
+          </p:nvPr>
+        </p:nvSpPr>
+        <p:spPr/>
+        <p:txBody>
+          <a:bodyPr/>
+          <a:lstStyle/>
+          <a:p>
+            <a:r>
+              <a:rPr lang="en-US" dirty="0" smtClean="0"/>
+              <a:t>This slide</a:t>
+            </a:r>
+            <a:r>
+              <a:rPr lang="en-US" baseline="0" dirty="0" smtClean="0"/>
+              <a:t> shows the Visual Studio designer for an app manifest in a task pane app. It will look different for other types of Apps for Office.</a:t>
+            </a:r>
+            <a:endParaRPr lang="en-US" dirty="0"/>
+          </a:p>
+        </p:txBody>
+      </p:sp>
+      <p:sp>
+        <p:nvSpPr>
+          <p:cNvPr id="4" name="Date Placeholder 3"/>
+          <p:cNvSpPr>
+            <a:spLocks noGrp="1"/>
+          </p:cNvSpPr>
+          <p:nvPr>
+            <p:ph type="dt" idx="10"/>
+          </p:nvPr>
+        </p:nvSpPr>
+        <p:spPr>
+          <a:xfrm>
+            <a:off x="3884613" y="0"/>
+            <a:ext cx="2971800" cy="457200"/>
+          </a:xfrm>
+          <a:prstGeom prst="rect">
+            <a:avLst/>
+          </a:prstGeom>
+        </p:spPr>
+        <p:txBody>
+          <a:bodyPr/>
+          <a:lstStyle/>
+          <a:p>
+            <a:fld id="{FC5F0E7A-DD5F-4903-B380-98FDBDD8F972}" type="datetime1">
+              <a:rPr lang="en-US" smtClean="0"/>
+              <a:t>9/5/2014</a:t>
+            </a:fld>
+            <a:endParaRPr lang="en-US"/>
+          </a:p>
+        </p:txBody>
+      </p:sp>
+      <p:sp>
+        <p:nvSpPr>
+          <p:cNvPr id="5" name="Slide Number Placeholder 4"/>
+          <p:cNvSpPr>
+            <a:spLocks noGrp="1"/>
+          </p:cNvSpPr>
+          <p:nvPr>
+            <p:ph type="sldNum" sz="quarter" idx="11"/>
+          </p:nvPr>
+        </p:nvSpPr>
+        <p:spPr/>
+        <p:txBody>
+          <a:bodyPr/>
+          <a:lstStyle/>
+          <a:p>
+            <a:fld id="{B4008EB6-D09E-4580-8CD6-DDB14511944F}" type="slidenum">
+              <a:rPr lang="en-US" smtClean="0"/>
+              <a:t>12</a:t>
+            </a:fld>
+            <a:endParaRPr lang="en-US" dirty="0"/>
+          </a:p>
+        </p:txBody>
+      </p:sp>
+      <p:sp>
+        <p:nvSpPr>
+          <p:cNvPr id="6" name="Header Placeholder 5"/>
+          <p:cNvSpPr>
+            <a:spLocks noGrp="1"/>
+          </p:cNvSpPr>
+          <p:nvPr>
+            <p:ph type="hdr" sz="quarter" idx="12"/>
+          </p:nvPr>
+        </p:nvSpPr>
+        <p:spPr/>
+        <p:txBody>
+          <a:bodyPr/>
+          <a:lstStyle/>
+          <a:p>
+            <a:r>
+              <a:rPr lang="en-US" smtClean="0"/>
+              <a:t>Microsoft Office</a:t>
+            </a:r>
+            <a:endParaRPr lang="en-US" dirty="0"/>
+          </a:p>
+        </p:txBody>
+      </p:sp>
+      <p:sp>
+        <p:nvSpPr>
+          <p:cNvPr id="7" name="Footer Placeholder 6"/>
+          <p:cNvSpPr>
+            <a:spLocks noGrp="1"/>
+          </p:cNvSpPr>
+          <p:nvPr>
+            <p:ph type="ftr" sz="quarter" idx="13"/>
+          </p:nvPr>
+        </p:nvSpPr>
+        <p:spPr/>
+        <p:txBody>
+          <a:bodyPr/>
+          <a:lstStyle/>
+          <a:p>
+            <a:pPr marL="231775" defTabSz="914099" eaLnBrk="0" hangingPunct="0"/>
+            <a:r>
+              <a:rPr lang="en-US" sz="500" smtClean="0">
+                <a:gradFill>
+                  <a:gsLst>
+                    <a:gs pos="0">
+                      <a:schemeClr val="tx1"/>
+                    </a:gs>
+                    <a:gs pos="100000">
+                      <a:schemeClr val="tx1"/>
+                    </a:gs>
+                  </a:gsLst>
+                  <a:lin ang="5400000" scaled="0"/>
+                </a:gradFill>
+                <a:latin typeface="Segoe UI" pitchFamily="34" charset="0"/>
+                <a:ea typeface="Segoe UI" pitchFamily="34" charset="0"/>
+                <a:cs typeface="Segoe UI" pitchFamily="34" charset="0"/>
+              </a:rPr>
+              <a:t>© 2012 Microsoft Corporation. All rights reserved. Microsoft, Windows, and other product names are or may be registered trademarks and/or trademarks in the U.S. and/or other countries.</a:t>
+            </a:r>
+          </a:p>
+          <a:p>
+            <a:pPr marL="231775" defTabSz="914099" eaLnBrk="0" hangingPunct="0"/>
+            <a:r>
+              <a:rPr lang="en-US" sz="500" smtClean="0">
+                <a:gradFill>
+                  <a:gsLst>
+                    <a:gs pos="0">
+                      <a:schemeClr val="tx1"/>
+                    </a:gs>
+                    <a:gs pos="100000">
+                      <a:schemeClr val="tx1"/>
+                    </a:gs>
+                  </a:gsLst>
+                  <a:lin ang="5400000" scaled="0"/>
+                </a:gradFill>
+                <a:latin typeface="Segoe UI" pitchFamily="34" charset="0"/>
+                <a:ea typeface="Segoe UI" pitchFamily="34" charset="0"/>
+                <a:cs typeface="Segoe UI" pitchFamily="34" charset="0"/>
+              </a:rPr>
+              <a:t>The information herein is for informational purposes only and represents the current view of Microsoft Corporation as of the date of this presentation.  Because Microsoft must respond to changing market conditions, it should not be interpreted to be a commitment on the part of Microsoft, and Microsoft cannot guarantee the accuracy of any information provided after the date of this presentation.  MICROSOFT MAKES NO WARRANTIES, EXPRESS, IMPLIED OR STATUTORY, AS TO THE INFORMATION IN THIS PRESENTATION.</a:t>
+            </a:r>
+            <a:endParaRPr lang="en-US" sz="500" dirty="0">
+              <a:gradFill>
+                <a:gsLst>
+                  <a:gs pos="0">
+                    <a:schemeClr val="tx1"/>
+                  </a:gs>
+                  <a:gs pos="100000">
+                    <a:schemeClr val="tx1"/>
+                  </a:gs>
+                </a:gsLst>
+                <a:lin ang="5400000" scaled="0"/>
+              </a:gradFill>
+              <a:latin typeface="Segoe UI" pitchFamily="34" charset="0"/>
+              <a:ea typeface="Segoe UI" pitchFamily="34" charset="0"/>
+              <a:cs typeface="Segoe UI" pitchFamily="34" charset="0"/>
+            </a:endParaRPr>
+          </a:p>
+        </p:txBody>
+      </p:sp>
+    </p:spTree>
+    <p:extLst>
+      <p:ext uri="{BB962C8B-B14F-4D97-AF65-F5344CB8AC3E}">
+        <p14:creationId xmlns:p14="http://schemas.microsoft.com/office/powerpoint/2010/main" val="1729713519"/>
       </p:ext>
     </p:extLst>
   </p:cSld>
@@ -5997,262 +7330,6 @@
 </file>
 
 <file path=ppt/slideLayouts/slideLayout24.xml><?xml version="1.0" encoding="utf-8"?>
-<p:sldLayout xmlns:a="http://schemas.openxmlformats.org/drawingml/2006/main" xmlns:r="http://schemas.openxmlformats.org/officeDocument/2006/relationships" xmlns:p="http://schemas.openxmlformats.org/presentationml/2006/main" userDrawn="1">
-  <p:cSld name="Module Layout">
-    <p:bg>
-      <p:bgPr>
-        <a:solidFill>
-          <a:srgbClr val="4668C5"/>
-        </a:solidFill>
-        <a:effectLst/>
-      </p:bgPr>
-    </p:bg>
-    <p:spTree>
-      <p:nvGrpSpPr>
-        <p:cNvPr id="1" name=""/>
-        <p:cNvGrpSpPr/>
-        <p:nvPr/>
-      </p:nvGrpSpPr>
-      <p:grpSpPr>
-        <a:xfrm>
-          <a:off x="0" y="0"/>
-          <a:ext cx="0" cy="0"/>
-          <a:chOff x="0" y="0"/>
-          <a:chExt cx="0" cy="0"/>
-        </a:xfrm>
-      </p:grpSpPr>
-      <p:sp>
-        <p:nvSpPr>
-          <p:cNvPr id="2" name="Title 1"/>
-          <p:cNvSpPr>
-            <a:spLocks noGrp="1"/>
-          </p:cNvSpPr>
-          <p:nvPr>
-            <p:ph type="ctrTitle" hasCustomPrompt="1"/>
-          </p:nvPr>
-        </p:nvSpPr>
-        <p:spPr>
-          <a:xfrm>
-            <a:off x="545911" y="3775166"/>
-            <a:ext cx="11354938" cy="1933979"/>
-          </a:xfrm>
-          <a:prstGeom prst="rect">
-            <a:avLst/>
-          </a:prstGeom>
-        </p:spPr>
-        <p:txBody>
-          <a:bodyPr anchor="t" anchorCtr="0">
-            <a:noAutofit/>
-          </a:bodyPr>
-          <a:lstStyle>
-            <a:lvl1pPr algn="l">
-              <a:lnSpc>
-                <a:spcPct val="90000"/>
-              </a:lnSpc>
-              <a:defRPr sz="4799" spc="-150" baseline="0">
-                <a:solidFill>
-                  <a:schemeClr val="bg1">
-                    <a:alpha val="99000"/>
-                  </a:schemeClr>
-                </a:solidFill>
-                <a:latin typeface="Segoe UI Light" pitchFamily="34" charset="0"/>
-              </a:defRPr>
-            </a:lvl1pPr>
-          </a:lstStyle>
-          <a:p>
-            <a:r>
-              <a:rPr lang="en-US" dirty="0" smtClean="0"/>
-              <a:t>Module or Section transition style</a:t>
-            </a:r>
-            <a:endParaRPr lang="en-US" dirty="0"/>
-          </a:p>
-        </p:txBody>
-      </p:sp>
-      <p:pic>
-        <p:nvPicPr>
-          <p:cNvPr id="6" name="Picture 5"/>
-          <p:cNvPicPr>
-            <a:picLocks noChangeAspect="1"/>
-          </p:cNvPicPr>
-          <p:nvPr userDrawn="1"/>
-        </p:nvPicPr>
-        <p:blipFill rotWithShape="1">
-          <a:blip r:embed="rId2">
-            <a:extLst>
-              <a:ext uri="{28A0092B-C50C-407E-A947-70E740481C1C}">
-                <a14:useLocalDpi xmlns:a14="http://schemas.microsoft.com/office/drawing/2010/main" val="0"/>
-              </a:ext>
-            </a:extLst>
-          </a:blip>
-          <a:srcRect r="10607"/>
-          <a:stretch/>
-        </p:blipFill>
-        <p:spPr>
-          <a:xfrm>
-            <a:off x="10027609" y="189731"/>
-            <a:ext cx="2028214" cy="907550"/>
-          </a:xfrm>
-          <a:prstGeom prst="rect">
-            <a:avLst/>
-          </a:prstGeom>
-        </p:spPr>
-      </p:pic>
-      <p:sp>
-        <p:nvSpPr>
-          <p:cNvPr id="9" name="Subtitle 2"/>
-          <p:cNvSpPr>
-            <a:spLocks noGrp="1"/>
-          </p:cNvSpPr>
-          <p:nvPr>
-            <p:ph type="subTitle" idx="1" hasCustomPrompt="1"/>
-          </p:nvPr>
-        </p:nvSpPr>
-        <p:spPr>
-          <a:xfrm>
-            <a:off x="545911" y="2942705"/>
-            <a:ext cx="11354938" cy="748146"/>
-          </a:xfrm>
-          <a:prstGeom prst="rect">
-            <a:avLst/>
-          </a:prstGeom>
-        </p:spPr>
-        <p:txBody>
-          <a:bodyPr>
-            <a:noAutofit/>
-          </a:bodyPr>
-          <a:lstStyle>
-            <a:lvl1pPr marL="0" indent="0" algn="l">
-              <a:lnSpc>
-                <a:spcPct val="90000"/>
-              </a:lnSpc>
-              <a:spcBef>
-                <a:spcPts val="0"/>
-              </a:spcBef>
-              <a:buNone/>
-              <a:defRPr sz="2399" b="0" cap="none" baseline="0">
-                <a:solidFill>
-                  <a:schemeClr val="bg1">
-                    <a:alpha val="99000"/>
-                  </a:schemeClr>
-                </a:solidFill>
-                <a:latin typeface="Segoe UI Light" pitchFamily="34" charset="0"/>
-              </a:defRPr>
-            </a:lvl1pPr>
-            <a:lvl2pPr marL="457001" indent="0" algn="ctr">
-              <a:buNone/>
-              <a:defRPr>
-                <a:solidFill>
-                  <a:schemeClr val="tx1">
-                    <a:tint val="75000"/>
-                  </a:schemeClr>
-                </a:solidFill>
-              </a:defRPr>
-            </a:lvl2pPr>
-            <a:lvl3pPr marL="914001" indent="0" algn="ctr">
-              <a:buNone/>
-              <a:defRPr>
-                <a:solidFill>
-                  <a:schemeClr val="tx1">
-                    <a:tint val="75000"/>
-                  </a:schemeClr>
-                </a:solidFill>
-              </a:defRPr>
-            </a:lvl3pPr>
-            <a:lvl4pPr marL="1371002" indent="0" algn="ctr">
-              <a:buNone/>
-              <a:defRPr>
-                <a:solidFill>
-                  <a:schemeClr val="tx1">
-                    <a:tint val="75000"/>
-                  </a:schemeClr>
-                </a:solidFill>
-              </a:defRPr>
-            </a:lvl4pPr>
-            <a:lvl5pPr marL="1828003" indent="0" algn="ctr">
-              <a:buNone/>
-              <a:defRPr>
-                <a:solidFill>
-                  <a:schemeClr val="tx1">
-                    <a:tint val="75000"/>
-                  </a:schemeClr>
-                </a:solidFill>
-              </a:defRPr>
-            </a:lvl5pPr>
-            <a:lvl6pPr marL="2285004" indent="0" algn="ctr">
-              <a:buNone/>
-              <a:defRPr>
-                <a:solidFill>
-                  <a:schemeClr val="tx1">
-                    <a:tint val="75000"/>
-                  </a:schemeClr>
-                </a:solidFill>
-              </a:defRPr>
-            </a:lvl6pPr>
-            <a:lvl7pPr marL="2742003" indent="0" algn="ctr">
-              <a:buNone/>
-              <a:defRPr>
-                <a:solidFill>
-                  <a:schemeClr val="tx1">
-                    <a:tint val="75000"/>
-                  </a:schemeClr>
-                </a:solidFill>
-              </a:defRPr>
-            </a:lvl7pPr>
-            <a:lvl8pPr marL="3199004" indent="0" algn="ctr">
-              <a:buNone/>
-              <a:defRPr>
-                <a:solidFill>
-                  <a:schemeClr val="tx1">
-                    <a:tint val="75000"/>
-                  </a:schemeClr>
-                </a:solidFill>
-              </a:defRPr>
-            </a:lvl8pPr>
-            <a:lvl9pPr marL="3656005" indent="0" algn="ctr">
-              <a:buNone/>
-              <a:defRPr>
-                <a:solidFill>
-                  <a:schemeClr val="tx1">
-                    <a:tint val="75000"/>
-                  </a:schemeClr>
-                </a:solidFill>
-              </a:defRPr>
-            </a:lvl9pPr>
-          </a:lstStyle>
-          <a:p>
-            <a:r>
-              <a:rPr lang="en-US" dirty="0" smtClean="0"/>
-              <a:t>Course Title Style</a:t>
-            </a:r>
-            <a:endParaRPr lang="en-US" dirty="0"/>
-          </a:p>
-        </p:txBody>
-      </p:sp>
-    </p:spTree>
-    <p:extLst>
-      <p:ext uri="{BB962C8B-B14F-4D97-AF65-F5344CB8AC3E}">
-        <p14:creationId xmlns:p14="http://schemas.microsoft.com/office/powerpoint/2010/main" val="1893216813"/>
-      </p:ext>
-    </p:extLst>
-  </p:cSld>
-  <p:clrMapOvr>
-    <a:masterClrMapping/>
-  </p:clrMapOvr>
-  <p:transition>
-    <p:fade/>
-  </p:transition>
-  <p:timing>
-    <p:tnLst>
-      <p:par>
-        <p:cTn id="1" dur="indefinite" restart="never" nodeType="tmRoot"/>
-      </p:par>
-    </p:tnLst>
-  </p:timing>
-  <p:hf hdr="0"/>
-</p:sldLayout>
-</file>
-
-<file path=ppt/slideLayouts/slideLayout25.xml><?xml version="1.0" encoding="utf-8"?>
 <p:sldLayout xmlns:a="http://schemas.openxmlformats.org/drawingml/2006/main" xmlns:r="http://schemas.openxmlformats.org/officeDocument/2006/relationships" xmlns:p="http://schemas.openxmlformats.org/presentationml/2006/main" userDrawn="1">
   <p:cSld name="Picture Shape &amp; Color Background w/ Title">
     <p:spTree>
@@ -6689,7 +7766,7 @@
 </p:sldLayout>
 </file>
 
-<file path=ppt/slideLayouts/slideLayout26.xml><?xml version="1.0" encoding="utf-8"?>
+<file path=ppt/slideLayouts/slideLayout25.xml><?xml version="1.0" encoding="utf-8"?>
 <p:sldLayout xmlns:a="http://schemas.openxmlformats.org/drawingml/2006/main" xmlns:r="http://schemas.openxmlformats.org/officeDocument/2006/relationships" xmlns:p="http://schemas.openxmlformats.org/presentationml/2006/main" preserve="1" userDrawn="1">
   <p:cSld name="Divider Slide Orange">
     <p:bg>
@@ -6866,7 +7943,7 @@
 </p:sldLayout>
 </file>
 
-<file path=ppt/slideLayouts/slideLayout27.xml><?xml version="1.0" encoding="utf-8"?>
+<file path=ppt/slideLayouts/slideLayout26.xml><?xml version="1.0" encoding="utf-8"?>
 <p:sldLayout xmlns:a="http://schemas.openxmlformats.org/drawingml/2006/main" xmlns:r="http://schemas.openxmlformats.org/officeDocument/2006/relationships" xmlns:p="http://schemas.openxmlformats.org/presentationml/2006/main" preserve="1" userDrawn="1">
   <p:cSld name="Divider Slide Green">
     <p:bg>
@@ -7043,7 +8120,7 @@
 </p:sldLayout>
 </file>
 
-<file path=ppt/slideLayouts/slideLayout28.xml><?xml version="1.0" encoding="utf-8"?>
+<file path=ppt/slideLayouts/slideLayout27.xml><?xml version="1.0" encoding="utf-8"?>
 <p:sldLayout xmlns:a="http://schemas.openxmlformats.org/drawingml/2006/main" xmlns:r="http://schemas.openxmlformats.org/officeDocument/2006/relationships" xmlns:p="http://schemas.openxmlformats.org/presentationml/2006/main" preserve="1" userDrawn="1">
   <p:cSld name="Divider Slide Blue">
     <p:bg>
@@ -7220,7 +8297,7 @@
 </p:sldLayout>
 </file>
 
-<file path=ppt/slideLayouts/slideLayout29.xml><?xml version="1.0" encoding="utf-8"?>
+<file path=ppt/slideLayouts/slideLayout28.xml><?xml version="1.0" encoding="utf-8"?>
 <p:sldLayout xmlns:a="http://schemas.openxmlformats.org/drawingml/2006/main" xmlns:r="http://schemas.openxmlformats.org/officeDocument/2006/relationships" xmlns:p="http://schemas.openxmlformats.org/presentationml/2006/main" preserve="1" userDrawn="1">
   <p:cSld name="Divider Slide Purple">
     <p:bg>
@@ -7387,6 +8464,131 @@
       </p:transition>
     </mc:Fallback>
   </mc:AlternateContent>
+  <p:timing>
+    <p:tnLst>
+      <p:par>
+        <p:cTn id="1" dur="indefinite" restart="never" nodeType="tmRoot"/>
+      </p:par>
+    </p:tnLst>
+  </p:timing>
+</p:sldLayout>
+</file>
+
+<file path=ppt/slideLayouts/slideLayout29.xml><?xml version="1.0" encoding="utf-8"?>
+<p:sldLayout xmlns:a="http://schemas.openxmlformats.org/drawingml/2006/main" xmlns:r="http://schemas.openxmlformats.org/officeDocument/2006/relationships" xmlns:p="http://schemas.openxmlformats.org/presentationml/2006/main" preserve="1" userDrawn="1">
+  <p:cSld name="Punchy Slide Orange">
+    <p:bg>
+      <p:bgPr>
+        <a:solidFill>
+          <a:schemeClr val="accent2"/>
+        </a:solidFill>
+        <a:effectLst/>
+      </p:bgPr>
+    </p:bg>
+    <p:spTree>
+      <p:nvGrpSpPr>
+        <p:cNvPr id="1" name=""/>
+        <p:cNvGrpSpPr/>
+        <p:nvPr/>
+      </p:nvGrpSpPr>
+      <p:grpSpPr>
+        <a:xfrm>
+          <a:off x="0" y="0"/>
+          <a:ext cx="0" cy="0"/>
+          <a:chOff x="0" y="0"/>
+          <a:chExt cx="0" cy="0"/>
+        </a:xfrm>
+      </p:grpSpPr>
+      <p:sp>
+        <p:nvSpPr>
+          <p:cNvPr id="2" name="Title 1"/>
+          <p:cNvSpPr>
+            <a:spLocks noGrp="1"/>
+          </p:cNvSpPr>
+          <p:nvPr>
+            <p:ph type="title" hasCustomPrompt="1"/>
+          </p:nvPr>
+        </p:nvSpPr>
+        <p:spPr>
+          <a:xfrm>
+            <a:off x="519112" y="2819603"/>
+            <a:ext cx="11149013" cy="1218795"/>
+          </a:xfrm>
+          <a:prstGeom prst="rect">
+            <a:avLst/>
+          </a:prstGeom>
+        </p:spPr>
+        <p:txBody>
+          <a:bodyPr anchor="b" anchorCtr="0"/>
+          <a:lstStyle>
+            <a:lvl1pPr>
+              <a:defRPr sz="8800" spc="-300" baseline="0">
+                <a:gradFill>
+                  <a:gsLst>
+                    <a:gs pos="100000">
+                      <a:schemeClr val="tx1"/>
+                    </a:gs>
+                    <a:gs pos="0">
+                      <a:schemeClr val="tx1"/>
+                    </a:gs>
+                  </a:gsLst>
+                  <a:lin ang="5400000" scaled="0"/>
+                </a:gradFill>
+              </a:defRPr>
+            </a:lvl1pPr>
+          </a:lstStyle>
+          <a:p>
+            <a:r>
+              <a:rPr lang="en-US" dirty="0" smtClean="0"/>
+              <a:t>Click to edit title style</a:t>
+            </a:r>
+            <a:endParaRPr lang="en-US" dirty="0"/>
+          </a:p>
+        </p:txBody>
+      </p:sp>
+      <p:pic>
+        <p:nvPicPr>
+          <p:cNvPr id="6" name="Picture 5"/>
+          <p:cNvPicPr>
+            <a:picLocks noChangeAspect="1"/>
+          </p:cNvPicPr>
+          <p:nvPr userDrawn="1"/>
+        </p:nvPicPr>
+        <p:blipFill>
+          <a:blip r:embed="rId2">
+            <a:extLst>
+              <a:ext uri="{28A0092B-C50C-407E-A947-70E740481C1C}">
+                <a14:useLocalDpi xmlns:a14="http://schemas.microsoft.com/office/drawing/2010/main" val="0"/>
+              </a:ext>
+            </a:extLst>
+          </a:blip>
+          <a:stretch>
+            <a:fillRect/>
+          </a:stretch>
+        </p:blipFill>
+        <p:spPr>
+          <a:xfrm>
+            <a:off x="10193312" y="6014913"/>
+            <a:ext cx="1738860" cy="815899"/>
+          </a:xfrm>
+          <a:prstGeom prst="rect">
+            <a:avLst/>
+          </a:prstGeom>
+        </p:spPr>
+      </p:pic>
+    </p:spTree>
+    <p:extLst>
+      <p:ext uri="{BB962C8B-B14F-4D97-AF65-F5344CB8AC3E}">
+        <p14:creationId xmlns:p14="http://schemas.microsoft.com/office/powerpoint/2010/main" val="3998230128"/>
+      </p:ext>
+    </p:extLst>
+  </p:cSld>
+  <p:clrMapOvr>
+    <a:masterClrMapping/>
+  </p:clrMapOvr>
+  <p:transition>
+    <p:fade/>
+  </p:transition>
   <p:timing>
     <p:tnLst>
       <p:par>
@@ -7702,131 +8904,6 @@
 
 <file path=ppt/slideLayouts/slideLayout30.xml><?xml version="1.0" encoding="utf-8"?>
 <p:sldLayout xmlns:a="http://schemas.openxmlformats.org/drawingml/2006/main" xmlns:r="http://schemas.openxmlformats.org/officeDocument/2006/relationships" xmlns:p="http://schemas.openxmlformats.org/presentationml/2006/main" preserve="1" userDrawn="1">
-  <p:cSld name="Punchy Slide Orange">
-    <p:bg>
-      <p:bgPr>
-        <a:solidFill>
-          <a:schemeClr val="accent2"/>
-        </a:solidFill>
-        <a:effectLst/>
-      </p:bgPr>
-    </p:bg>
-    <p:spTree>
-      <p:nvGrpSpPr>
-        <p:cNvPr id="1" name=""/>
-        <p:cNvGrpSpPr/>
-        <p:nvPr/>
-      </p:nvGrpSpPr>
-      <p:grpSpPr>
-        <a:xfrm>
-          <a:off x="0" y="0"/>
-          <a:ext cx="0" cy="0"/>
-          <a:chOff x="0" y="0"/>
-          <a:chExt cx="0" cy="0"/>
-        </a:xfrm>
-      </p:grpSpPr>
-      <p:sp>
-        <p:nvSpPr>
-          <p:cNvPr id="2" name="Title 1"/>
-          <p:cNvSpPr>
-            <a:spLocks noGrp="1"/>
-          </p:cNvSpPr>
-          <p:nvPr>
-            <p:ph type="title" hasCustomPrompt="1"/>
-          </p:nvPr>
-        </p:nvSpPr>
-        <p:spPr>
-          <a:xfrm>
-            <a:off x="519112" y="2819603"/>
-            <a:ext cx="11149013" cy="1218795"/>
-          </a:xfrm>
-          <a:prstGeom prst="rect">
-            <a:avLst/>
-          </a:prstGeom>
-        </p:spPr>
-        <p:txBody>
-          <a:bodyPr anchor="b" anchorCtr="0"/>
-          <a:lstStyle>
-            <a:lvl1pPr>
-              <a:defRPr sz="8800" spc="-300" baseline="0">
-                <a:gradFill>
-                  <a:gsLst>
-                    <a:gs pos="100000">
-                      <a:schemeClr val="tx1"/>
-                    </a:gs>
-                    <a:gs pos="0">
-                      <a:schemeClr val="tx1"/>
-                    </a:gs>
-                  </a:gsLst>
-                  <a:lin ang="5400000" scaled="0"/>
-                </a:gradFill>
-              </a:defRPr>
-            </a:lvl1pPr>
-          </a:lstStyle>
-          <a:p>
-            <a:r>
-              <a:rPr lang="en-US" dirty="0" smtClean="0"/>
-              <a:t>Click to edit title style</a:t>
-            </a:r>
-            <a:endParaRPr lang="en-US" dirty="0"/>
-          </a:p>
-        </p:txBody>
-      </p:sp>
-      <p:pic>
-        <p:nvPicPr>
-          <p:cNvPr id="6" name="Picture 5"/>
-          <p:cNvPicPr>
-            <a:picLocks noChangeAspect="1"/>
-          </p:cNvPicPr>
-          <p:nvPr userDrawn="1"/>
-        </p:nvPicPr>
-        <p:blipFill>
-          <a:blip r:embed="rId2">
-            <a:extLst>
-              <a:ext uri="{28A0092B-C50C-407E-A947-70E740481C1C}">
-                <a14:useLocalDpi xmlns:a14="http://schemas.microsoft.com/office/drawing/2010/main" val="0"/>
-              </a:ext>
-            </a:extLst>
-          </a:blip>
-          <a:stretch>
-            <a:fillRect/>
-          </a:stretch>
-        </p:blipFill>
-        <p:spPr>
-          <a:xfrm>
-            <a:off x="10193312" y="6014913"/>
-            <a:ext cx="1738860" cy="815899"/>
-          </a:xfrm>
-          <a:prstGeom prst="rect">
-            <a:avLst/>
-          </a:prstGeom>
-        </p:spPr>
-      </p:pic>
-    </p:spTree>
-    <p:extLst>
-      <p:ext uri="{BB962C8B-B14F-4D97-AF65-F5344CB8AC3E}">
-        <p14:creationId xmlns:p14="http://schemas.microsoft.com/office/powerpoint/2010/main" val="3998230128"/>
-      </p:ext>
-    </p:extLst>
-  </p:cSld>
-  <p:clrMapOvr>
-    <a:masterClrMapping/>
-  </p:clrMapOvr>
-  <p:transition>
-    <p:fade/>
-  </p:transition>
-  <p:timing>
-    <p:tnLst>
-      <p:par>
-        <p:cTn id="1" dur="indefinite" restart="never" nodeType="tmRoot"/>
-      </p:par>
-    </p:tnLst>
-  </p:timing>
-</p:sldLayout>
-</file>
-
-<file path=ppt/slideLayouts/slideLayout31.xml><?xml version="1.0" encoding="utf-8"?>
-<p:sldLayout xmlns:a="http://schemas.openxmlformats.org/drawingml/2006/main" xmlns:r="http://schemas.openxmlformats.org/officeDocument/2006/relationships" xmlns:p="http://schemas.openxmlformats.org/presentationml/2006/main" preserve="1" userDrawn="1">
   <p:cSld name="Punchy Slide Green">
     <p:bg>
       <p:bgPr>
@@ -7950,7 +9027,7 @@
 </p:sldLayout>
 </file>
 
-<file path=ppt/slideLayouts/slideLayout32.xml><?xml version="1.0" encoding="utf-8"?>
+<file path=ppt/slideLayouts/slideLayout31.xml><?xml version="1.0" encoding="utf-8"?>
 <p:sldLayout xmlns:a="http://schemas.openxmlformats.org/drawingml/2006/main" xmlns:r="http://schemas.openxmlformats.org/officeDocument/2006/relationships" xmlns:p="http://schemas.openxmlformats.org/presentationml/2006/main" preserve="1" userDrawn="1">
   <p:cSld name="Punchy Slide Blue">
     <p:bg>
@@ -8075,7 +9152,7 @@
 </p:sldLayout>
 </file>
 
-<file path=ppt/slideLayouts/slideLayout33.xml><?xml version="1.0" encoding="utf-8"?>
+<file path=ppt/slideLayouts/slideLayout32.xml><?xml version="1.0" encoding="utf-8"?>
 <p:sldLayout xmlns:a="http://schemas.openxmlformats.org/drawingml/2006/main" xmlns:r="http://schemas.openxmlformats.org/officeDocument/2006/relationships" xmlns:p="http://schemas.openxmlformats.org/presentationml/2006/main" preserve="1" userDrawn="1">
   <p:cSld name="Punchy Slide Purple">
     <p:bg>
@@ -8200,7 +9277,7 @@
 </p:sldLayout>
 </file>
 
-<file path=ppt/slideLayouts/slideLayout34.xml><?xml version="1.0" encoding="utf-8"?>
+<file path=ppt/slideLayouts/slideLayout33.xml><?xml version="1.0" encoding="utf-8"?>
 <p:sldLayout xmlns:a="http://schemas.openxmlformats.org/drawingml/2006/main" xmlns:r="http://schemas.openxmlformats.org/officeDocument/2006/relationships" xmlns:p="http://schemas.openxmlformats.org/presentationml/2006/main" preserve="1" userDrawn="1">
   <p:cSld name="Blank Slide Orange">
     <p:bg>
@@ -8241,7 +9318,7 @@
 </p:sldLayout>
 </file>
 
-<file path=ppt/slideLayouts/slideLayout35.xml><?xml version="1.0" encoding="utf-8"?>
+<file path=ppt/slideLayouts/slideLayout34.xml><?xml version="1.0" encoding="utf-8"?>
 <p:sldLayout xmlns:a="http://schemas.openxmlformats.org/drawingml/2006/main" xmlns:r="http://schemas.openxmlformats.org/officeDocument/2006/relationships" xmlns:p="http://schemas.openxmlformats.org/presentationml/2006/main" preserve="1" userDrawn="1">
   <p:cSld name="Blank Slide Green">
     <p:bg>
@@ -8282,7 +9359,7 @@
 </p:sldLayout>
 </file>
 
-<file path=ppt/slideLayouts/slideLayout36.xml><?xml version="1.0" encoding="utf-8"?>
+<file path=ppt/slideLayouts/slideLayout35.xml><?xml version="1.0" encoding="utf-8"?>
 <p:sldLayout xmlns:a="http://schemas.openxmlformats.org/drawingml/2006/main" xmlns:r="http://schemas.openxmlformats.org/officeDocument/2006/relationships" xmlns:p="http://schemas.openxmlformats.org/presentationml/2006/main" preserve="1" userDrawn="1">
   <p:cSld name="Blank Slide Blue">
     <p:bg>
@@ -8323,7 +9400,7 @@
 </p:sldLayout>
 </file>
 
-<file path=ppt/slideLayouts/slideLayout37.xml><?xml version="1.0" encoding="utf-8"?>
+<file path=ppt/slideLayouts/slideLayout36.xml><?xml version="1.0" encoding="utf-8"?>
 <p:sldLayout xmlns:a="http://schemas.openxmlformats.org/drawingml/2006/main" xmlns:r="http://schemas.openxmlformats.org/officeDocument/2006/relationships" xmlns:p="http://schemas.openxmlformats.org/presentationml/2006/main" preserve="1" userDrawn="1">
   <p:cSld name="Blank Slide Purple">
     <p:bg>
@@ -10978,8 +12055,7 @@
     <p:sldLayoutId id="2147484144" r:id="rId21"/>
     <p:sldLayoutId id="2147484145" r:id="rId22"/>
     <p:sldLayoutId id="2147484146" r:id="rId23"/>
-    <p:sldLayoutId id="2147484147" r:id="rId24"/>
-    <p:sldLayoutId id="2147484148" r:id="rId25"/>
+    <p:sldLayoutId id="2147484148" r:id="rId24"/>
   </p:sldLayoutIdLst>
   <p:transition>
     <p:fade/>
@@ -11855,6 +12931,1261 @@
 </p:sld>
 </file>
 
+<file path=ppt/slides/slide10.xml><?xml version="1.0" encoding="utf-8"?>
+<p:sld xmlns:a="http://schemas.openxmlformats.org/drawingml/2006/main" xmlns:r="http://schemas.openxmlformats.org/officeDocument/2006/relationships" xmlns:p="http://schemas.openxmlformats.org/presentationml/2006/main">
+  <p:cSld>
+    <p:spTree>
+      <p:nvGrpSpPr>
+        <p:cNvPr id="1" name=""/>
+        <p:cNvGrpSpPr/>
+        <p:nvPr/>
+      </p:nvGrpSpPr>
+      <p:grpSpPr>
+        <a:xfrm>
+          <a:off x="0" y="0"/>
+          <a:ext cx="0" cy="0"/>
+          <a:chOff x="0" y="0"/>
+          <a:chExt cx="0" cy="0"/>
+        </a:xfrm>
+      </p:grpSpPr>
+      <p:sp>
+        <p:nvSpPr>
+          <p:cNvPr id="3" name="Title 2"/>
+          <p:cNvSpPr>
+            <a:spLocks noGrp="1"/>
+          </p:cNvSpPr>
+          <p:nvPr>
+            <p:ph type="title"/>
+          </p:nvPr>
+        </p:nvSpPr>
+        <p:spPr/>
+        <p:txBody>
+          <a:bodyPr/>
+          <a:lstStyle/>
+          <a:p>
+            <a:r>
+              <a:rPr lang="en-US" dirty="0" smtClean="0"/>
+              <a:t>Create New App for Office Project</a:t>
+            </a:r>
+            <a:endParaRPr lang="en-US" dirty="0"/>
+          </a:p>
+        </p:txBody>
+      </p:sp>
+      <p:sp>
+        <p:nvSpPr>
+          <p:cNvPr id="5" name="Content Placeholder 4"/>
+          <p:cNvSpPr>
+            <a:spLocks noGrp="1"/>
+          </p:cNvSpPr>
+          <p:nvPr>
+            <p:ph type="body" sz="quarter" idx="10"/>
+          </p:nvPr>
+        </p:nvSpPr>
+        <p:spPr>
+          <a:xfrm>
+            <a:off x="520564" y="977136"/>
+            <a:ext cx="11146110" cy="2043104"/>
+          </a:xfrm>
+        </p:spPr>
+        <p:txBody>
+          <a:bodyPr/>
+          <a:lstStyle/>
+          <a:p>
+            <a:pPr marL="0" indent="0">
+              <a:buNone/>
+            </a:pPr>
+            <a:r>
+              <a:rPr lang="en-US" sz="3599" dirty="0"/>
+              <a:t>Create </a:t>
+            </a:r>
+            <a:r>
+              <a:rPr lang="en-US" sz="3599" dirty="0" smtClean="0"/>
+              <a:t>project </a:t>
+            </a:r>
+            <a:r>
+              <a:rPr lang="en-US" sz="3599" dirty="0"/>
+              <a:t>based on App for Office 2013 project template</a:t>
+            </a:r>
+          </a:p>
+          <a:p>
+            <a:pPr lvl="1"/>
+            <a:r>
+              <a:rPr lang="en-US" sz="1999" dirty="0" smtClean="0"/>
+              <a:t>Dialogs appear </a:t>
+            </a:r>
+            <a:r>
+              <a:rPr lang="en-US" sz="1999" dirty="0"/>
+              <a:t>and prompts you for specifics about the </a:t>
+            </a:r>
+            <a:r>
+              <a:rPr lang="en-US" sz="1999" dirty="0" smtClean="0"/>
+              <a:t>app</a:t>
+            </a:r>
+          </a:p>
+          <a:p>
+            <a:pPr lvl="1"/>
+            <a:r>
+              <a:rPr lang="en-US" sz="1999" dirty="0" smtClean="0"/>
+              <a:t>You must choose (1) the </a:t>
+            </a:r>
+            <a:r>
+              <a:rPr lang="en-US" sz="1999" smtClean="0"/>
+              <a:t>app shape </a:t>
+            </a:r>
+            <a:r>
+              <a:rPr lang="en-US" sz="1999" dirty="0" smtClean="0"/>
+              <a:t>and (2) which Office application are to be supported</a:t>
+            </a:r>
+            <a:endParaRPr lang="en-US" sz="1999" dirty="0"/>
+          </a:p>
+        </p:txBody>
+      </p:sp>
+      <p:pic>
+        <p:nvPicPr>
+          <p:cNvPr id="2" name="Picture 1"/>
+          <p:cNvPicPr>
+            <a:picLocks noChangeAspect="1"/>
+          </p:cNvPicPr>
+          <p:nvPr/>
+        </p:nvPicPr>
+        <p:blipFill>
+          <a:blip r:embed="rId3"/>
+          <a:stretch>
+            <a:fillRect/>
+          </a:stretch>
+        </p:blipFill>
+        <p:spPr>
+          <a:xfrm>
+            <a:off x="209795" y="2466244"/>
+            <a:ext cx="3840368" cy="2654076"/>
+          </a:xfrm>
+          <a:prstGeom prst="rect">
+            <a:avLst/>
+          </a:prstGeom>
+        </p:spPr>
+      </p:pic>
+      <p:pic>
+        <p:nvPicPr>
+          <p:cNvPr id="4" name="Picture 3"/>
+          <p:cNvPicPr>
+            <a:picLocks noChangeAspect="1"/>
+          </p:cNvPicPr>
+          <p:nvPr/>
+        </p:nvPicPr>
+        <p:blipFill>
+          <a:blip r:embed="rId4"/>
+          <a:stretch>
+            <a:fillRect/>
+          </a:stretch>
+        </p:blipFill>
+        <p:spPr>
+          <a:xfrm>
+            <a:off x="4188820" y="3377711"/>
+            <a:ext cx="3848589" cy="2804997"/>
+          </a:xfrm>
+          <a:prstGeom prst="rect">
+            <a:avLst/>
+          </a:prstGeom>
+        </p:spPr>
+      </p:pic>
+      <p:pic>
+        <p:nvPicPr>
+          <p:cNvPr id="9" name="Picture 8"/>
+          <p:cNvPicPr>
+            <a:picLocks noChangeAspect="1"/>
+          </p:cNvPicPr>
+          <p:nvPr/>
+        </p:nvPicPr>
+        <p:blipFill>
+          <a:blip r:embed="rId5"/>
+          <a:stretch>
+            <a:fillRect/>
+          </a:stretch>
+        </p:blipFill>
+        <p:spPr>
+          <a:xfrm>
+            <a:off x="8176066" y="3893527"/>
+            <a:ext cx="3860313" cy="2813542"/>
+          </a:xfrm>
+          <a:prstGeom prst="rect">
+            <a:avLst/>
+          </a:prstGeom>
+        </p:spPr>
+      </p:pic>
+    </p:spTree>
+    <p:extLst>
+      <p:ext uri="{BB962C8B-B14F-4D97-AF65-F5344CB8AC3E}">
+        <p14:creationId xmlns:p14="http://schemas.microsoft.com/office/powerpoint/2010/main" val="3891063555"/>
+      </p:ext>
+    </p:extLst>
+  </p:cSld>
+  <p:clrMapOvr>
+    <a:masterClrMapping/>
+  </p:clrMapOvr>
+  <mc:AlternateContent xmlns:mc="http://schemas.openxmlformats.org/markup-compatibility/2006" xmlns:p14="http://schemas.microsoft.com/office/powerpoint/2010/main">
+    <mc:Choice Requires="p14">
+      <p:transition p14:dur="0"/>
+    </mc:Choice>
+    <mc:Fallback xmlns="">
+      <p:transition/>
+    </mc:Fallback>
+  </mc:AlternateContent>
+  <p:timing>
+    <p:tnLst>
+      <p:par>
+        <p:cTn id="1" dur="indefinite" restart="never" nodeType="tmRoot"/>
+      </p:par>
+    </p:tnLst>
+  </p:timing>
+</p:sld>
+</file>
+
+<file path=ppt/slides/slide11.xml><?xml version="1.0" encoding="utf-8"?>
+<p:sld xmlns:a="http://schemas.openxmlformats.org/drawingml/2006/main" xmlns:r="http://schemas.openxmlformats.org/officeDocument/2006/relationships" xmlns:p="http://schemas.openxmlformats.org/presentationml/2006/main">
+  <p:cSld>
+    <p:spTree>
+      <p:nvGrpSpPr>
+        <p:cNvPr id="1" name=""/>
+        <p:cNvGrpSpPr/>
+        <p:nvPr/>
+      </p:nvGrpSpPr>
+      <p:grpSpPr>
+        <a:xfrm>
+          <a:off x="0" y="0"/>
+          <a:ext cx="0" cy="0"/>
+          <a:chOff x="0" y="0"/>
+          <a:chExt cx="0" cy="0"/>
+        </a:xfrm>
+      </p:grpSpPr>
+      <p:sp>
+        <p:nvSpPr>
+          <p:cNvPr id="3" name="Title 2"/>
+          <p:cNvSpPr>
+            <a:spLocks noGrp="1"/>
+          </p:cNvSpPr>
+          <p:nvPr>
+            <p:ph type="title"/>
+          </p:nvPr>
+        </p:nvSpPr>
+        <p:spPr/>
+        <p:txBody>
+          <a:bodyPr/>
+          <a:lstStyle/>
+          <a:p>
+            <a:r>
+              <a:rPr lang="en-US" dirty="0" smtClean="0"/>
+              <a:t>App for Office Project Structure</a:t>
+            </a:r>
+            <a:endParaRPr lang="en-US" dirty="0"/>
+          </a:p>
+        </p:txBody>
+      </p:sp>
+      <p:sp>
+        <p:nvSpPr>
+          <p:cNvPr id="2" name="Content Placeholder 1"/>
+          <p:cNvSpPr>
+            <a:spLocks noGrp="1"/>
+          </p:cNvSpPr>
+          <p:nvPr>
+            <p:ph type="body" sz="quarter" idx="10"/>
+          </p:nvPr>
+        </p:nvSpPr>
+        <p:spPr>
+          <a:xfrm>
+            <a:off x="520565" y="1448315"/>
+            <a:ext cx="7816550" cy="2043104"/>
+          </a:xfrm>
+        </p:spPr>
+        <p:txBody>
+          <a:bodyPr/>
+          <a:lstStyle/>
+          <a:p>
+            <a:r>
+              <a:rPr lang="en-US" sz="3200" dirty="0" smtClean="0"/>
+              <a:t>App for Office solution has two projects</a:t>
+            </a:r>
+          </a:p>
+          <a:p>
+            <a:pPr lvl="1"/>
+            <a:r>
+              <a:rPr lang="en-US" dirty="0" smtClean="0"/>
+              <a:t>Top project contains app manifest</a:t>
+            </a:r>
+          </a:p>
+          <a:p>
+            <a:pPr lvl="1"/>
+            <a:r>
+              <a:rPr lang="en-US" dirty="0" smtClean="0"/>
+              <a:t>Bottom project for remote web</a:t>
+            </a:r>
+          </a:p>
+          <a:p>
+            <a:pPr lvl="1"/>
+            <a:endParaRPr lang="en-US" dirty="0"/>
+          </a:p>
+          <a:p>
+            <a:r>
+              <a:rPr lang="en-US" sz="3200" dirty="0" smtClean="0"/>
+              <a:t>Remote Web Project is ASP.NET Website</a:t>
+            </a:r>
+          </a:p>
+          <a:p>
+            <a:pPr lvl="1"/>
+            <a:r>
+              <a:rPr lang="en-US" dirty="0" smtClean="0"/>
+              <a:t>Contains HTML, CSS and JavaScript source files</a:t>
+            </a:r>
+          </a:p>
+          <a:p>
+            <a:pPr lvl="1"/>
+            <a:r>
+              <a:rPr lang="en-US" dirty="0" smtClean="0"/>
+              <a:t>Integration with </a:t>
+            </a:r>
+            <a:r>
+              <a:rPr lang="en-US" dirty="0" err="1" smtClean="0"/>
+              <a:t>jQuery</a:t>
+            </a:r>
+            <a:r>
+              <a:rPr lang="en-US" dirty="0" smtClean="0"/>
+              <a:t> library already included</a:t>
+            </a:r>
+          </a:p>
+        </p:txBody>
+      </p:sp>
+      <p:pic>
+        <p:nvPicPr>
+          <p:cNvPr id="10" name="Picture 9"/>
+          <p:cNvPicPr>
+            <a:picLocks noChangeAspect="1"/>
+          </p:cNvPicPr>
+          <p:nvPr/>
+        </p:nvPicPr>
+        <p:blipFill>
+          <a:blip r:embed="rId3"/>
+          <a:stretch>
+            <a:fillRect/>
+          </a:stretch>
+        </p:blipFill>
+        <p:spPr>
+          <a:xfrm>
+            <a:off x="7905750" y="1448315"/>
+            <a:ext cx="3762375" cy="4391025"/>
+          </a:xfrm>
+          <a:prstGeom prst="rect">
+            <a:avLst/>
+          </a:prstGeom>
+          <a:ln>
+            <a:solidFill>
+              <a:schemeClr val="bg1">
+                <a:lumMod val="65000"/>
+              </a:schemeClr>
+            </a:solidFill>
+          </a:ln>
+        </p:spPr>
+      </p:pic>
+    </p:spTree>
+    <p:extLst>
+      <p:ext uri="{BB962C8B-B14F-4D97-AF65-F5344CB8AC3E}">
+        <p14:creationId xmlns:p14="http://schemas.microsoft.com/office/powerpoint/2010/main" val="127757281"/>
+      </p:ext>
+    </p:extLst>
+  </p:cSld>
+  <p:clrMapOvr>
+    <a:masterClrMapping/>
+  </p:clrMapOvr>
+  <mc:AlternateContent xmlns:mc="http://schemas.openxmlformats.org/markup-compatibility/2006" xmlns:p14="http://schemas.microsoft.com/office/powerpoint/2010/main">
+    <mc:Choice Requires="p14">
+      <p:transition p14:dur="0"/>
+    </mc:Choice>
+    <mc:Fallback xmlns="">
+      <p:transition/>
+    </mc:Fallback>
+  </mc:AlternateContent>
+  <p:timing>
+    <p:tnLst>
+      <p:par>
+        <p:cTn id="1" dur="indefinite" restart="never" nodeType="tmRoot"/>
+      </p:par>
+    </p:tnLst>
+  </p:timing>
+</p:sld>
+</file>
+
+<file path=ppt/slides/slide12.xml><?xml version="1.0" encoding="utf-8"?>
+<p:sld xmlns:a="http://schemas.openxmlformats.org/drawingml/2006/main" xmlns:r="http://schemas.openxmlformats.org/officeDocument/2006/relationships" xmlns:p="http://schemas.openxmlformats.org/presentationml/2006/main">
+  <p:cSld>
+    <p:spTree>
+      <p:nvGrpSpPr>
+        <p:cNvPr id="1" name=""/>
+        <p:cNvGrpSpPr/>
+        <p:nvPr/>
+      </p:nvGrpSpPr>
+      <p:grpSpPr>
+        <a:xfrm>
+          <a:off x="0" y="0"/>
+          <a:ext cx="0" cy="0"/>
+          <a:chOff x="0" y="0"/>
+          <a:chExt cx="0" cy="0"/>
+        </a:xfrm>
+      </p:grpSpPr>
+      <p:sp>
+        <p:nvSpPr>
+          <p:cNvPr id="3" name="Title 2"/>
+          <p:cNvSpPr>
+            <a:spLocks noGrp="1"/>
+          </p:cNvSpPr>
+          <p:nvPr>
+            <p:ph type="title"/>
+          </p:nvPr>
+        </p:nvSpPr>
+        <p:spPr/>
+        <p:txBody>
+          <a:bodyPr/>
+          <a:lstStyle/>
+          <a:p>
+            <a:r>
+              <a:rPr lang="en-US" smtClean="0"/>
+              <a:t>App Manifest Designer</a:t>
+            </a:r>
+            <a:endParaRPr lang="en-US" dirty="0"/>
+          </a:p>
+        </p:txBody>
+      </p:sp>
+      <p:pic>
+        <p:nvPicPr>
+          <p:cNvPr id="5" name="Picture 4"/>
+          <p:cNvPicPr>
+            <a:picLocks noChangeAspect="1"/>
+          </p:cNvPicPr>
+          <p:nvPr/>
+        </p:nvPicPr>
+        <p:blipFill>
+          <a:blip r:embed="rId3"/>
+          <a:stretch>
+            <a:fillRect/>
+          </a:stretch>
+        </p:blipFill>
+        <p:spPr>
+          <a:xfrm>
+            <a:off x="1622059" y="1190866"/>
+            <a:ext cx="8471511" cy="5503011"/>
+          </a:xfrm>
+          <a:prstGeom prst="rect">
+            <a:avLst/>
+          </a:prstGeom>
+          <a:ln>
+            <a:solidFill>
+              <a:schemeClr val="bg1">
+                <a:lumMod val="65000"/>
+              </a:schemeClr>
+            </a:solidFill>
+          </a:ln>
+        </p:spPr>
+      </p:pic>
+    </p:spTree>
+    <p:extLst>
+      <p:ext uri="{BB962C8B-B14F-4D97-AF65-F5344CB8AC3E}">
+        <p14:creationId xmlns:p14="http://schemas.microsoft.com/office/powerpoint/2010/main" val="3259698745"/>
+      </p:ext>
+    </p:extLst>
+  </p:cSld>
+  <p:clrMapOvr>
+    <a:masterClrMapping/>
+  </p:clrMapOvr>
+  <mc:AlternateContent xmlns:mc="http://schemas.openxmlformats.org/markup-compatibility/2006" xmlns:p14="http://schemas.microsoft.com/office/powerpoint/2010/main">
+    <mc:Choice Requires="p14">
+      <p:transition p14:dur="0"/>
+    </mc:Choice>
+    <mc:Fallback xmlns="">
+      <p:transition/>
+    </mc:Fallback>
+  </mc:AlternateContent>
+  <p:timing>
+    <p:tnLst>
+      <p:par>
+        <p:cTn id="1" dur="indefinite" restart="never" nodeType="tmRoot"/>
+      </p:par>
+    </p:tnLst>
+  </p:timing>
+</p:sld>
+</file>
+
+<file path=ppt/slides/slide13.xml><?xml version="1.0" encoding="utf-8"?>
+<p:sld xmlns:a="http://schemas.openxmlformats.org/drawingml/2006/main" xmlns:r="http://schemas.openxmlformats.org/officeDocument/2006/relationships" xmlns:p="http://schemas.openxmlformats.org/presentationml/2006/main">
+  <p:cSld>
+    <p:spTree>
+      <p:nvGrpSpPr>
+        <p:cNvPr id="1" name=""/>
+        <p:cNvGrpSpPr/>
+        <p:nvPr/>
+      </p:nvGrpSpPr>
+      <p:grpSpPr>
+        <a:xfrm>
+          <a:off x="0" y="0"/>
+          <a:ext cx="0" cy="0"/>
+          <a:chOff x="0" y="0"/>
+          <a:chExt cx="0" cy="0"/>
+        </a:xfrm>
+      </p:grpSpPr>
+      <p:sp>
+        <p:nvSpPr>
+          <p:cNvPr id="3" name="Title 2"/>
+          <p:cNvSpPr>
+            <a:spLocks noGrp="1"/>
+          </p:cNvSpPr>
+          <p:nvPr>
+            <p:ph type="title"/>
+          </p:nvPr>
+        </p:nvSpPr>
+        <p:spPr/>
+        <p:txBody>
+          <a:bodyPr/>
+          <a:lstStyle/>
+          <a:p>
+            <a:r>
+              <a:rPr lang="en-US" dirty="0" smtClean="0"/>
+              <a:t>Create the HTML for a Web Page</a:t>
+            </a:r>
+            <a:endParaRPr lang="en-US" dirty="0"/>
+          </a:p>
+        </p:txBody>
+      </p:sp>
+      <p:pic>
+        <p:nvPicPr>
+          <p:cNvPr id="2" name="Picture 1"/>
+          <p:cNvPicPr>
+            <a:picLocks noChangeAspect="1"/>
+          </p:cNvPicPr>
+          <p:nvPr/>
+        </p:nvPicPr>
+        <p:blipFill>
+          <a:blip r:embed="rId3"/>
+          <a:stretch>
+            <a:fillRect/>
+          </a:stretch>
+        </p:blipFill>
+        <p:spPr>
+          <a:xfrm>
+            <a:off x="1573334" y="1107831"/>
+            <a:ext cx="8620125" cy="5486400"/>
+          </a:xfrm>
+          <a:prstGeom prst="rect">
+            <a:avLst/>
+          </a:prstGeom>
+          <a:ln>
+            <a:solidFill>
+              <a:schemeClr val="bg1">
+                <a:lumMod val="50000"/>
+              </a:schemeClr>
+            </a:solidFill>
+          </a:ln>
+        </p:spPr>
+      </p:pic>
+    </p:spTree>
+    <p:extLst>
+      <p:ext uri="{BB962C8B-B14F-4D97-AF65-F5344CB8AC3E}">
+        <p14:creationId xmlns:p14="http://schemas.microsoft.com/office/powerpoint/2010/main" val="3034672688"/>
+      </p:ext>
+    </p:extLst>
+  </p:cSld>
+  <p:clrMapOvr>
+    <a:masterClrMapping/>
+  </p:clrMapOvr>
+  <mc:AlternateContent xmlns:mc="http://schemas.openxmlformats.org/markup-compatibility/2006" xmlns:p14="http://schemas.microsoft.com/office/powerpoint/2010/main">
+    <mc:Choice Requires="p14">
+      <p:transition p14:dur="0"/>
+    </mc:Choice>
+    <mc:Fallback xmlns="">
+      <p:transition/>
+    </mc:Fallback>
+  </mc:AlternateContent>
+  <p:timing>
+    <p:tnLst>
+      <p:par>
+        <p:cTn id="1" dur="indefinite" restart="never" nodeType="tmRoot"/>
+      </p:par>
+    </p:tnLst>
+  </p:timing>
+</p:sld>
+</file>
+
+<file path=ppt/slides/slide14.xml><?xml version="1.0" encoding="utf-8"?>
+<p:sld xmlns:a="http://schemas.openxmlformats.org/drawingml/2006/main" xmlns:r="http://schemas.openxmlformats.org/officeDocument/2006/relationships" xmlns:p="http://schemas.openxmlformats.org/presentationml/2006/main">
+  <p:cSld>
+    <p:spTree>
+      <p:nvGrpSpPr>
+        <p:cNvPr id="1" name=""/>
+        <p:cNvGrpSpPr/>
+        <p:nvPr/>
+      </p:nvGrpSpPr>
+      <p:grpSpPr>
+        <a:xfrm>
+          <a:off x="0" y="0"/>
+          <a:ext cx="0" cy="0"/>
+          <a:chOff x="0" y="0"/>
+          <a:chExt cx="0" cy="0"/>
+        </a:xfrm>
+      </p:grpSpPr>
+      <p:sp>
+        <p:nvSpPr>
+          <p:cNvPr id="2" name="Title 1"/>
+          <p:cNvSpPr>
+            <a:spLocks noGrp="1"/>
+          </p:cNvSpPr>
+          <p:nvPr>
+            <p:ph type="title"/>
+          </p:nvPr>
+        </p:nvSpPr>
+        <p:spPr/>
+        <p:txBody>
+          <a:bodyPr/>
+          <a:lstStyle/>
+          <a:p>
+            <a:r>
+              <a:rPr lang="en-US" dirty="0" smtClean="0"/>
+              <a:t>Run Project in Visual Studio Debugger</a:t>
+            </a:r>
+            <a:endParaRPr lang="en-US" dirty="0"/>
+          </a:p>
+        </p:txBody>
+      </p:sp>
+      <p:sp>
+        <p:nvSpPr>
+          <p:cNvPr id="3" name="Slide Number Placeholder 2"/>
+          <p:cNvSpPr>
+            <a:spLocks noGrp="1"/>
+          </p:cNvSpPr>
+          <p:nvPr>
+            <p:ph type="sldNum" sz="quarter" idx="12"/>
+          </p:nvPr>
+        </p:nvSpPr>
+        <p:spPr/>
+        <p:txBody>
+          <a:bodyPr/>
+          <a:lstStyle/>
+          <a:p>
+            <a:fld id="{727B4C2D-45E2-4621-8491-2995EB46A674}" type="slidenum">
+              <a:rPr lang="en-US" smtClean="0"/>
+              <a:pPr/>
+              <a:t>14</a:t>
+            </a:fld>
+            <a:endParaRPr lang="en-US" dirty="0"/>
+          </a:p>
+        </p:txBody>
+      </p:sp>
+      <p:pic>
+        <p:nvPicPr>
+          <p:cNvPr id="4" name="Picture 3"/>
+          <p:cNvPicPr>
+            <a:picLocks noChangeAspect="1"/>
+          </p:cNvPicPr>
+          <p:nvPr/>
+        </p:nvPicPr>
+        <p:blipFill>
+          <a:blip r:embed="rId2">
+            <a:extLst>
+              <a:ext uri="{28A0092B-C50C-407E-A947-70E740481C1C}">
+                <a14:useLocalDpi xmlns:a14="http://schemas.microsoft.com/office/drawing/2010/main" val="0"/>
+              </a:ext>
+            </a:extLst>
+          </a:blip>
+          <a:stretch>
+            <a:fillRect/>
+          </a:stretch>
+        </p:blipFill>
+        <p:spPr>
+          <a:xfrm>
+            <a:off x="1715054" y="1204597"/>
+            <a:ext cx="8108884" cy="5194960"/>
+          </a:xfrm>
+          <a:prstGeom prst="rect">
+            <a:avLst/>
+          </a:prstGeom>
+        </p:spPr>
+      </p:pic>
+    </p:spTree>
+    <p:extLst>
+      <p:ext uri="{BB962C8B-B14F-4D97-AF65-F5344CB8AC3E}">
+        <p14:creationId xmlns:p14="http://schemas.microsoft.com/office/powerpoint/2010/main" val="407273050"/>
+      </p:ext>
+    </p:extLst>
+  </p:cSld>
+  <p:clrMapOvr>
+    <a:masterClrMapping/>
+  </p:clrMapOvr>
+  <p:transition>
+    <p:fade/>
+  </p:transition>
+</p:sld>
+</file>
+
+<file path=ppt/slides/slide15.xml><?xml version="1.0" encoding="utf-8"?>
+<p:sld xmlns:a="http://schemas.openxmlformats.org/drawingml/2006/main" xmlns:r="http://schemas.openxmlformats.org/officeDocument/2006/relationships" xmlns:p="http://schemas.openxmlformats.org/presentationml/2006/main">
+  <p:cSld>
+    <p:spTree>
+      <p:nvGrpSpPr>
+        <p:cNvPr id="1" name=""/>
+        <p:cNvGrpSpPr/>
+        <p:nvPr/>
+      </p:nvGrpSpPr>
+      <p:grpSpPr>
+        <a:xfrm>
+          <a:off x="0" y="0"/>
+          <a:ext cx="0" cy="0"/>
+          <a:chOff x="0" y="0"/>
+          <a:chExt cx="0" cy="0"/>
+        </a:xfrm>
+      </p:grpSpPr>
+      <p:sp>
+        <p:nvSpPr>
+          <p:cNvPr id="4" name="Subtitle 3"/>
+          <p:cNvSpPr>
+            <a:spLocks noGrp="1"/>
+          </p:cNvSpPr>
+          <p:nvPr>
+            <p:ph type="subTitle" idx="1"/>
+          </p:nvPr>
+        </p:nvSpPr>
+        <p:spPr/>
+        <p:txBody>
+          <a:bodyPr/>
+          <a:lstStyle/>
+          <a:p>
+            <a:r>
+              <a:rPr lang="en-US" dirty="0" smtClean="0"/>
+              <a:t>Creating </a:t>
+            </a:r>
+            <a:r>
+              <a:rPr lang="en-US" dirty="0" smtClean="0"/>
+              <a:t>an Content App for PowerPoint</a:t>
+            </a:r>
+            <a:endParaRPr lang="en-US" dirty="0"/>
+          </a:p>
+        </p:txBody>
+      </p:sp>
+      <p:sp>
+        <p:nvSpPr>
+          <p:cNvPr id="2" name="Text Placeholder 1"/>
+          <p:cNvSpPr>
+            <a:spLocks noGrp="1"/>
+          </p:cNvSpPr>
+          <p:nvPr>
+            <p:ph type="body" sz="quarter" idx="10"/>
+          </p:nvPr>
+        </p:nvSpPr>
+        <p:spPr/>
+        <p:txBody>
+          <a:bodyPr/>
+          <a:lstStyle/>
+          <a:p>
+            <a:pPr marL="0" indent="0">
+              <a:buNone/>
+            </a:pPr>
+            <a:r>
+              <a:rPr lang="en-US" dirty="0" smtClean="0"/>
+              <a:t>demo</a:t>
+            </a:r>
+            <a:endParaRPr lang="en-US" dirty="0"/>
+          </a:p>
+        </p:txBody>
+      </p:sp>
+    </p:spTree>
+    <p:extLst>
+      <p:ext uri="{BB962C8B-B14F-4D97-AF65-F5344CB8AC3E}">
+        <p14:creationId xmlns:p14="http://schemas.microsoft.com/office/powerpoint/2010/main" val="3974773602"/>
+      </p:ext>
+    </p:extLst>
+  </p:cSld>
+  <p:clrMapOvr>
+    <a:masterClrMapping/>
+  </p:clrMapOvr>
+  <p:transition>
+    <p:fade/>
+  </p:transition>
+  <p:timing>
+    <p:tnLst>
+      <p:par>
+        <p:cTn id="1" dur="indefinite" restart="never" nodeType="tmRoot"/>
+      </p:par>
+    </p:tnLst>
+  </p:timing>
+</p:sld>
+</file>
+
+<file path=ppt/slides/slide16.xml><?xml version="1.0" encoding="utf-8"?>
+<p:sld xmlns:a="http://schemas.openxmlformats.org/drawingml/2006/main" xmlns:r="http://schemas.openxmlformats.org/officeDocument/2006/relationships" xmlns:p="http://schemas.openxmlformats.org/presentationml/2006/main">
+  <p:cSld>
+    <p:spTree>
+      <p:nvGrpSpPr>
+        <p:cNvPr id="1" name=""/>
+        <p:cNvGrpSpPr/>
+        <p:nvPr/>
+      </p:nvGrpSpPr>
+      <p:grpSpPr>
+        <a:xfrm>
+          <a:off x="0" y="0"/>
+          <a:ext cx="0" cy="0"/>
+          <a:chOff x="0" y="0"/>
+          <a:chExt cx="0" cy="0"/>
+        </a:xfrm>
+      </p:grpSpPr>
+      <p:sp>
+        <p:nvSpPr>
+          <p:cNvPr id="2" name="Title 1"/>
+          <p:cNvSpPr>
+            <a:spLocks noGrp="1"/>
+          </p:cNvSpPr>
+          <p:nvPr>
+            <p:ph type="title"/>
+          </p:nvPr>
+        </p:nvSpPr>
+        <p:spPr/>
+        <p:txBody>
+          <a:bodyPr/>
+          <a:lstStyle/>
+          <a:p>
+            <a:r>
+              <a:rPr lang="en-US" dirty="0" smtClean="0"/>
+              <a:t>Creating a Video Player</a:t>
+            </a:r>
+            <a:endParaRPr lang="en-US" dirty="0"/>
+          </a:p>
+        </p:txBody>
+      </p:sp>
+    </p:spTree>
+    <p:extLst>
+      <p:ext uri="{BB962C8B-B14F-4D97-AF65-F5344CB8AC3E}">
+        <p14:creationId xmlns:p14="http://schemas.microsoft.com/office/powerpoint/2010/main" val="143510628"/>
+      </p:ext>
+    </p:extLst>
+  </p:cSld>
+  <p:clrMapOvr>
+    <a:masterClrMapping/>
+  </p:clrMapOvr>
+  <p:transition>
+    <p:fade/>
+  </p:transition>
+</p:sld>
+</file>
+
+<file path=ppt/slides/slide17.xml><?xml version="1.0" encoding="utf-8"?>
+<p:sld xmlns:a="http://schemas.openxmlformats.org/drawingml/2006/main" xmlns:r="http://schemas.openxmlformats.org/officeDocument/2006/relationships" xmlns:p="http://schemas.openxmlformats.org/presentationml/2006/main">
+  <p:cSld>
+    <p:spTree>
+      <p:nvGrpSpPr>
+        <p:cNvPr id="1" name=""/>
+        <p:cNvGrpSpPr/>
+        <p:nvPr/>
+      </p:nvGrpSpPr>
+      <p:grpSpPr>
+        <a:xfrm>
+          <a:off x="0" y="0"/>
+          <a:ext cx="0" cy="0"/>
+          <a:chOff x="0" y="0"/>
+          <a:chExt cx="0" cy="0"/>
+        </a:xfrm>
+      </p:grpSpPr>
+      <p:sp>
+        <p:nvSpPr>
+          <p:cNvPr id="2" name="Title 1"/>
+          <p:cNvSpPr>
+            <a:spLocks noGrp="1"/>
+          </p:cNvSpPr>
+          <p:nvPr>
+            <p:ph type="title"/>
+          </p:nvPr>
+        </p:nvSpPr>
+        <p:spPr/>
+        <p:txBody>
+          <a:bodyPr/>
+          <a:lstStyle/>
+          <a:p>
+            <a:r>
+              <a:rPr lang="en-US" dirty="0" smtClean="0"/>
+              <a:t>Testing the Player in the Debugger</a:t>
+            </a:r>
+            <a:endParaRPr lang="en-US" dirty="0"/>
+          </a:p>
+        </p:txBody>
+      </p:sp>
+      <p:sp>
+        <p:nvSpPr>
+          <p:cNvPr id="3" name="Slide Number Placeholder 2"/>
+          <p:cNvSpPr>
+            <a:spLocks noGrp="1"/>
+          </p:cNvSpPr>
+          <p:nvPr>
+            <p:ph type="sldNum" sz="quarter" idx="12"/>
+          </p:nvPr>
+        </p:nvSpPr>
+        <p:spPr/>
+        <p:txBody>
+          <a:bodyPr/>
+          <a:lstStyle/>
+          <a:p>
+            <a:fld id="{727B4C2D-45E2-4621-8491-2995EB46A674}" type="slidenum">
+              <a:rPr lang="en-US" smtClean="0"/>
+              <a:pPr/>
+              <a:t>17</a:t>
+            </a:fld>
+            <a:endParaRPr lang="en-US" dirty="0"/>
+          </a:p>
+        </p:txBody>
+      </p:sp>
+      <p:pic>
+        <p:nvPicPr>
+          <p:cNvPr id="5" name="Picture 4"/>
+          <p:cNvPicPr>
+            <a:picLocks noChangeAspect="1"/>
+          </p:cNvPicPr>
+          <p:nvPr/>
+        </p:nvPicPr>
+        <p:blipFill>
+          <a:blip r:embed="rId2"/>
+          <a:stretch>
+            <a:fillRect/>
+          </a:stretch>
+        </p:blipFill>
+        <p:spPr>
+          <a:xfrm>
+            <a:off x="1694985" y="1366311"/>
+            <a:ext cx="8550984" cy="4509409"/>
+          </a:xfrm>
+          <a:prstGeom prst="rect">
+            <a:avLst/>
+          </a:prstGeom>
+        </p:spPr>
+      </p:pic>
+    </p:spTree>
+    <p:extLst>
+      <p:ext uri="{BB962C8B-B14F-4D97-AF65-F5344CB8AC3E}">
+        <p14:creationId xmlns:p14="http://schemas.microsoft.com/office/powerpoint/2010/main" val="398837315"/>
+      </p:ext>
+    </p:extLst>
+  </p:cSld>
+  <p:clrMapOvr>
+    <a:masterClrMapping/>
+  </p:clrMapOvr>
+  <p:transition>
+    <p:fade/>
+  </p:transition>
+</p:sld>
+</file>
+
+<file path=ppt/slides/slide18.xml><?xml version="1.0" encoding="utf-8"?>
+<p:sld xmlns:a="http://schemas.openxmlformats.org/drawingml/2006/main" xmlns:r="http://schemas.openxmlformats.org/officeDocument/2006/relationships" xmlns:p="http://schemas.openxmlformats.org/presentationml/2006/main">
+  <p:cSld>
+    <p:spTree>
+      <p:nvGrpSpPr>
+        <p:cNvPr id="1" name=""/>
+        <p:cNvGrpSpPr/>
+        <p:nvPr/>
+      </p:nvGrpSpPr>
+      <p:grpSpPr>
+        <a:xfrm>
+          <a:off x="0" y="0"/>
+          <a:ext cx="0" cy="0"/>
+          <a:chOff x="0" y="0"/>
+          <a:chExt cx="0" cy="0"/>
+        </a:xfrm>
+      </p:grpSpPr>
+      <p:sp>
+        <p:nvSpPr>
+          <p:cNvPr id="2" name="Title 1"/>
+          <p:cNvSpPr>
+            <a:spLocks noGrp="1"/>
+          </p:cNvSpPr>
+          <p:nvPr>
+            <p:ph type="title"/>
+          </p:nvPr>
+        </p:nvSpPr>
+        <p:spPr/>
+        <p:txBody>
+          <a:bodyPr/>
+          <a:lstStyle/>
+          <a:p>
+            <a:r>
+              <a:rPr lang="en-US" dirty="0" smtClean="0"/>
+              <a:t>Adding in a Video Control Panel</a:t>
+            </a:r>
+            <a:endParaRPr lang="en-US" dirty="0"/>
+          </a:p>
+        </p:txBody>
+      </p:sp>
+      <p:sp>
+        <p:nvSpPr>
+          <p:cNvPr id="3" name="Slide Number Placeholder 2"/>
+          <p:cNvSpPr>
+            <a:spLocks noGrp="1"/>
+          </p:cNvSpPr>
+          <p:nvPr>
+            <p:ph type="sldNum" sz="quarter" idx="12"/>
+          </p:nvPr>
+        </p:nvSpPr>
+        <p:spPr/>
+        <p:txBody>
+          <a:bodyPr/>
+          <a:lstStyle/>
+          <a:p>
+            <a:fld id="{727B4C2D-45E2-4621-8491-2995EB46A674}" type="slidenum">
+              <a:rPr lang="en-US" smtClean="0"/>
+              <a:pPr/>
+              <a:t>18</a:t>
+            </a:fld>
+            <a:endParaRPr lang="en-US" dirty="0"/>
+          </a:p>
+        </p:txBody>
+      </p:sp>
+      <p:pic>
+        <p:nvPicPr>
+          <p:cNvPr id="4" name="Picture 3"/>
+          <p:cNvPicPr>
+            <a:picLocks noChangeAspect="1"/>
+          </p:cNvPicPr>
+          <p:nvPr/>
+        </p:nvPicPr>
+        <p:blipFill>
+          <a:blip r:embed="rId2"/>
+          <a:stretch>
+            <a:fillRect/>
+          </a:stretch>
+        </p:blipFill>
+        <p:spPr>
+          <a:xfrm>
+            <a:off x="625469" y="1352031"/>
+            <a:ext cx="5790476" cy="2752381"/>
+          </a:xfrm>
+          <a:prstGeom prst="rect">
+            <a:avLst/>
+          </a:prstGeom>
+        </p:spPr>
+      </p:pic>
+      <p:pic>
+        <p:nvPicPr>
+          <p:cNvPr id="6" name="Picture 5"/>
+          <p:cNvPicPr>
+            <a:picLocks noChangeAspect="1"/>
+          </p:cNvPicPr>
+          <p:nvPr/>
+        </p:nvPicPr>
+        <p:blipFill>
+          <a:blip r:embed="rId3"/>
+          <a:stretch>
+            <a:fillRect/>
+          </a:stretch>
+        </p:blipFill>
+        <p:spPr>
+          <a:xfrm>
+            <a:off x="6764969" y="1352031"/>
+            <a:ext cx="4345839" cy="2303819"/>
+          </a:xfrm>
+          <a:prstGeom prst="rect">
+            <a:avLst/>
+          </a:prstGeom>
+          <a:ln>
+            <a:solidFill>
+              <a:schemeClr val="bg1">
+                <a:lumMod val="65000"/>
+              </a:schemeClr>
+            </a:solidFill>
+          </a:ln>
+        </p:spPr>
+      </p:pic>
+      <p:pic>
+        <p:nvPicPr>
+          <p:cNvPr id="5" name="Picture 4"/>
+          <p:cNvPicPr>
+            <a:picLocks noChangeAspect="1"/>
+          </p:cNvPicPr>
+          <p:nvPr/>
+        </p:nvPicPr>
+        <p:blipFill>
+          <a:blip r:embed="rId4"/>
+          <a:stretch>
+            <a:fillRect/>
+          </a:stretch>
+        </p:blipFill>
+        <p:spPr>
+          <a:xfrm>
+            <a:off x="9173546" y="3042965"/>
+            <a:ext cx="1588238" cy="1719137"/>
+          </a:xfrm>
+          <a:prstGeom prst="rect">
+            <a:avLst/>
+          </a:prstGeom>
+          <a:ln>
+            <a:solidFill>
+              <a:schemeClr val="bg1">
+                <a:lumMod val="65000"/>
+              </a:schemeClr>
+            </a:solidFill>
+          </a:ln>
+        </p:spPr>
+      </p:pic>
+    </p:spTree>
+    <p:extLst>
+      <p:ext uri="{BB962C8B-B14F-4D97-AF65-F5344CB8AC3E}">
+        <p14:creationId xmlns:p14="http://schemas.microsoft.com/office/powerpoint/2010/main" val="2547148497"/>
+      </p:ext>
+    </p:extLst>
+  </p:cSld>
+  <p:clrMapOvr>
+    <a:masterClrMapping/>
+  </p:clrMapOvr>
+  <p:transition>
+    <p:fade/>
+  </p:transition>
+</p:sld>
+</file>
+
+<file path=ppt/slides/slide19.xml><?xml version="1.0" encoding="utf-8"?>
+<p:sld xmlns:a="http://schemas.openxmlformats.org/drawingml/2006/main" xmlns:r="http://schemas.openxmlformats.org/officeDocument/2006/relationships" xmlns:p="http://schemas.openxmlformats.org/presentationml/2006/main">
+  <p:cSld>
+    <p:spTree>
+      <p:nvGrpSpPr>
+        <p:cNvPr id="1" name=""/>
+        <p:cNvGrpSpPr/>
+        <p:nvPr/>
+      </p:nvGrpSpPr>
+      <p:grpSpPr>
+        <a:xfrm>
+          <a:off x="0" y="0"/>
+          <a:ext cx="0" cy="0"/>
+          <a:chOff x="0" y="0"/>
+          <a:chExt cx="0" cy="0"/>
+        </a:xfrm>
+      </p:grpSpPr>
+      <p:sp>
+        <p:nvSpPr>
+          <p:cNvPr id="2" name="Title 1"/>
+          <p:cNvSpPr>
+            <a:spLocks noGrp="1"/>
+          </p:cNvSpPr>
+          <p:nvPr>
+            <p:ph type="title"/>
+          </p:nvPr>
+        </p:nvSpPr>
+        <p:spPr/>
+        <p:txBody>
+          <a:bodyPr/>
+          <a:lstStyle/>
+          <a:p>
+            <a:r>
+              <a:rPr lang="en-US" dirty="0" smtClean="0"/>
+              <a:t>Using the YouTube Player API</a:t>
+            </a:r>
+            <a:endParaRPr lang="en-US" dirty="0"/>
+          </a:p>
+        </p:txBody>
+      </p:sp>
+      <p:sp>
+        <p:nvSpPr>
+          <p:cNvPr id="3" name="Slide Number Placeholder 2"/>
+          <p:cNvSpPr>
+            <a:spLocks noGrp="1"/>
+          </p:cNvSpPr>
+          <p:nvPr>
+            <p:ph type="sldNum" sz="quarter" idx="12"/>
+          </p:nvPr>
+        </p:nvSpPr>
+        <p:spPr>
+          <a:xfrm>
+            <a:off x="520700" y="6399557"/>
+            <a:ext cx="560686" cy="219456"/>
+          </a:xfrm>
+        </p:spPr>
+        <p:txBody>
+          <a:bodyPr/>
+          <a:lstStyle/>
+          <a:p>
+            <a:fld id="{727B4C2D-45E2-4621-8491-2995EB46A674}" type="slidenum">
+              <a:rPr lang="en-US" smtClean="0"/>
+              <a:pPr/>
+              <a:t>19</a:t>
+            </a:fld>
+            <a:endParaRPr lang="en-US" dirty="0"/>
+          </a:p>
+        </p:txBody>
+      </p:sp>
+      <p:pic>
+        <p:nvPicPr>
+          <p:cNvPr id="5" name="Picture 4"/>
+          <p:cNvPicPr>
+            <a:picLocks noChangeAspect="1"/>
+          </p:cNvPicPr>
+          <p:nvPr/>
+        </p:nvPicPr>
+        <p:blipFill>
+          <a:blip r:embed="rId2"/>
+          <a:stretch>
+            <a:fillRect/>
+          </a:stretch>
+        </p:blipFill>
+        <p:spPr>
+          <a:xfrm>
+            <a:off x="1081386" y="1329432"/>
+            <a:ext cx="3275138" cy="2644962"/>
+          </a:xfrm>
+          <a:prstGeom prst="rect">
+            <a:avLst/>
+          </a:prstGeom>
+          <a:ln>
+            <a:solidFill>
+              <a:schemeClr val="bg1">
+                <a:lumMod val="65000"/>
+              </a:schemeClr>
+            </a:solidFill>
+          </a:ln>
+        </p:spPr>
+      </p:pic>
+      <p:pic>
+        <p:nvPicPr>
+          <p:cNvPr id="6" name="Picture 5"/>
+          <p:cNvPicPr>
+            <a:picLocks noChangeAspect="1"/>
+          </p:cNvPicPr>
+          <p:nvPr/>
+        </p:nvPicPr>
+        <p:blipFill>
+          <a:blip r:embed="rId3"/>
+          <a:stretch>
+            <a:fillRect/>
+          </a:stretch>
+        </p:blipFill>
+        <p:spPr>
+          <a:xfrm>
+            <a:off x="5306456" y="1329432"/>
+            <a:ext cx="4686376" cy="5423060"/>
+          </a:xfrm>
+          <a:prstGeom prst="rect">
+            <a:avLst/>
+          </a:prstGeom>
+          <a:ln>
+            <a:solidFill>
+              <a:schemeClr val="bg1">
+                <a:lumMod val="65000"/>
+              </a:schemeClr>
+            </a:solidFill>
+          </a:ln>
+        </p:spPr>
+      </p:pic>
+    </p:spTree>
+    <p:extLst>
+      <p:ext uri="{BB962C8B-B14F-4D97-AF65-F5344CB8AC3E}">
+        <p14:creationId xmlns:p14="http://schemas.microsoft.com/office/powerpoint/2010/main" val="1666888214"/>
+      </p:ext>
+    </p:extLst>
+  </p:cSld>
+  <p:clrMapOvr>
+    <a:masterClrMapping/>
+  </p:clrMapOvr>
+  <p:transition>
+    <p:fade/>
+  </p:transition>
+</p:sld>
+</file>
+
 <file path=ppt/slides/slide2.xml><?xml version="1.0" encoding="utf-8"?>
 <p:sld xmlns:a="http://schemas.openxmlformats.org/drawingml/2006/main" xmlns:r="http://schemas.openxmlformats.org/officeDocument/2006/relationships" xmlns:p="http://schemas.openxmlformats.org/presentationml/2006/main">
   <p:cSld>
@@ -12251,7 +14582,7 @@
 </p:sld>
 </file>
 
-<file path=ppt/slides/slide3.xml><?xml version="1.0" encoding="utf-8"?>
+<file path=ppt/slides/slide20.xml><?xml version="1.0" encoding="utf-8"?>
 <p:sld xmlns:a="http://schemas.openxmlformats.org/drawingml/2006/main" xmlns:r="http://schemas.openxmlformats.org/officeDocument/2006/relationships" xmlns:p="http://schemas.openxmlformats.org/presentationml/2006/main">
   <p:cSld>
     <p:spTree>
@@ -12270,41 +14601,7 @@
       </p:grpSpPr>
       <p:sp>
         <p:nvSpPr>
-          <p:cNvPr id="4" name="Title 3"/>
-          <p:cNvSpPr>
-            <a:spLocks noGrp="1"/>
-          </p:cNvSpPr>
-          <p:nvPr>
-            <p:ph type="ctrTitle"/>
-          </p:nvPr>
-        </p:nvSpPr>
-        <p:spPr/>
-        <p:txBody>
-          <a:bodyPr/>
-          <a:lstStyle/>
-          <a:p>
-            <a:r>
-              <a:rPr lang="en-US" dirty="0" smtClean="0"/>
-              <a:t>Deep </a:t>
-            </a:r>
-            <a:r>
-              <a:rPr lang="en-US" dirty="0"/>
-              <a:t>Dive into </a:t>
-            </a:r>
-            <a:r>
-              <a:rPr lang="en-US" dirty="0" smtClean="0"/>
-              <a:t>SharePoint-Hosted </a:t>
-            </a:r>
-            <a:r>
-              <a:rPr lang="en-US" dirty="0"/>
-              <a:t>Apps</a:t>
-            </a:r>
-          </a:p>
-        </p:txBody>
-      </p:sp>
-      <p:sp>
-        <p:nvSpPr>
-          <p:cNvPr id="5" name="Subtitle 4"/>
+          <p:cNvPr id="4" name="Subtitle 3"/>
           <p:cNvSpPr>
             <a:spLocks noGrp="1"/>
           </p:cNvSpPr>
@@ -12312,28 +14609,44 @@
             <p:ph type="subTitle" idx="1"/>
           </p:nvPr>
         </p:nvSpPr>
-        <p:spPr>
-          <a:xfrm>
-            <a:off x="532265" y="4735249"/>
-            <a:ext cx="7640611" cy="1878025"/>
-          </a:xfrm>
-        </p:spPr>
+        <p:spPr/>
         <p:txBody>
           <a:bodyPr/>
           <a:lstStyle/>
           <a:p>
             <a:r>
               <a:rPr lang="en-US" dirty="0" smtClean="0"/>
-              <a:t>Speaker</a:t>
-            </a:r>
-          </a:p>
-          <a:p>
-            <a:endParaRPr lang="en-US" dirty="0" smtClean="0"/>
-          </a:p>
-          <a:p>
+              <a:t>Creating </a:t>
+            </a:r>
             <a:r>
               <a:rPr lang="en-US" dirty="0" smtClean="0"/>
-              <a:t>Speaker</a:t>
+              <a:t>a YouTube Video Player</a:t>
+            </a:r>
+            <a:endParaRPr lang="en-US" dirty="0"/>
+          </a:p>
+        </p:txBody>
+      </p:sp>
+      <p:sp>
+        <p:nvSpPr>
+          <p:cNvPr id="2" name="Text Placeholder 1"/>
+          <p:cNvSpPr>
+            <a:spLocks noGrp="1"/>
+          </p:cNvSpPr>
+          <p:nvPr>
+            <p:ph type="body" sz="quarter" idx="10"/>
+          </p:nvPr>
+        </p:nvSpPr>
+        <p:spPr/>
+        <p:txBody>
+          <a:bodyPr/>
+          <a:lstStyle/>
+          <a:p>
+            <a:pPr marL="0" indent="0">
+              <a:buNone/>
+            </a:pPr>
+            <a:r>
+              <a:rPr lang="en-US" dirty="0" smtClean="0"/>
+              <a:t>demo</a:t>
             </a:r>
             <a:endParaRPr lang="en-US" dirty="0"/>
           </a:p>
@@ -12342,7 +14655,7 @@
     </p:spTree>
     <p:extLst>
       <p:ext uri="{BB962C8B-B14F-4D97-AF65-F5344CB8AC3E}">
-        <p14:creationId xmlns:p14="http://schemas.microsoft.com/office/powerpoint/2010/main" val="1233982471"/>
+        <p14:creationId xmlns:p14="http://schemas.microsoft.com/office/powerpoint/2010/main" val="3361499360"/>
       </p:ext>
     </p:extLst>
   </p:cSld>
@@ -12362,7 +14675,7 @@
 </p:sld>
 </file>
 
-<file path=ppt/slides/slide4.xml><?xml version="1.0" encoding="utf-8"?>
+<file path=ppt/slides/slide21.xml><?xml version="1.0" encoding="utf-8"?>
 <p:sld xmlns:a="http://schemas.openxmlformats.org/drawingml/2006/main" xmlns:r="http://schemas.openxmlformats.org/officeDocument/2006/relationships" xmlns:p="http://schemas.openxmlformats.org/presentationml/2006/main">
   <p:cSld>
     <p:spTree>
@@ -12381,81 +14694,7 @@
       </p:grpSpPr>
       <p:sp>
         <p:nvSpPr>
-          <p:cNvPr id="2" name="Text Placeholder 1"/>
-          <p:cNvSpPr>
-            <a:spLocks noGrp="1"/>
-          </p:cNvSpPr>
-          <p:nvPr>
-            <p:ph type="body" sz="quarter" idx="15"/>
-          </p:nvPr>
-        </p:nvSpPr>
-        <p:spPr>
-          <a:xfrm>
-            <a:off x="4708937" y="1814048"/>
-            <a:ext cx="7169534" cy="2881519"/>
-          </a:xfrm>
-        </p:spPr>
-        <p:txBody>
-          <a:bodyPr/>
-          <a:lstStyle/>
-          <a:p>
-            <a:r>
-              <a:rPr lang="en-US" dirty="0" smtClean="0"/>
-              <a:t>Introduction</a:t>
-            </a:r>
-          </a:p>
-          <a:p>
-            <a:r>
-              <a:rPr lang="en-US" dirty="0" smtClean="0"/>
-              <a:t>Programming in JavaScript</a:t>
-            </a:r>
-          </a:p>
-          <a:p>
-            <a:r>
-              <a:rPr lang="en-US" dirty="0" smtClean="0"/>
-              <a:t>App Parts</a:t>
-            </a:r>
-          </a:p>
-          <a:p>
-            <a:r>
-              <a:rPr lang="en-US" dirty="0" smtClean="0"/>
-              <a:t>UI Custom Actions</a:t>
-            </a:r>
-          </a:p>
-        </p:txBody>
-      </p:sp>
-      <p:pic>
-        <p:nvPicPr>
-          <p:cNvPr id="4" name="Picture Placeholder 3"/>
-          <p:cNvPicPr>
-            <a:picLocks noGrp="1" noChangeAspect="1"/>
-          </p:cNvPicPr>
-          <p:nvPr>
-            <p:ph type="pic" sz="quarter" idx="16"/>
-          </p:nvPr>
-        </p:nvPicPr>
-        <p:blipFill>
-          <a:blip r:embed="rId3">
-            <a:extLst>
-              <a:ext uri="{28A0092B-C50C-407E-A947-70E740481C1C}">
-                <a14:useLocalDpi xmlns:a14="http://schemas.microsoft.com/office/drawing/2010/main" val="0"/>
-              </a:ext>
-            </a:extLst>
-          </a:blip>
-          <a:stretch>
-            <a:fillRect/>
-          </a:stretch>
-        </p:blipFill>
-        <p:spPr>
-          <a:xfrm>
-            <a:off x="269169" y="1905492"/>
-            <a:ext cx="4301734" cy="2865616"/>
-          </a:xfrm>
-        </p:spPr>
-      </p:pic>
-      <p:sp>
-        <p:nvSpPr>
-          <p:cNvPr id="5" name="Title 4"/>
+          <p:cNvPr id="2" name="Title 1"/>
           <p:cNvSpPr>
             <a:spLocks noGrp="1"/>
           </p:cNvSpPr>
@@ -12470,11 +14709,8 @@
           <a:p>
             <a:r>
               <a:rPr lang="en-US" dirty="0" smtClean="0"/>
-              <a:t>Agenda</a:t>
-            </a:r>
-            <a:br>
-              <a:rPr lang="en-US" dirty="0" smtClean="0"/>
-            </a:br>
+              <a:t>Adding a Web Service</a:t>
+            </a:r>
             <a:endParaRPr lang="en-US" dirty="0"/>
           </a:p>
         </p:txBody>
@@ -12482,36 +14718,20 @@
     </p:spTree>
     <p:extLst>
       <p:ext uri="{BB962C8B-B14F-4D97-AF65-F5344CB8AC3E}">
-        <p14:creationId xmlns:p14="http://schemas.microsoft.com/office/powerpoint/2010/main" val="2395946767"/>
+        <p14:creationId xmlns:p14="http://schemas.microsoft.com/office/powerpoint/2010/main" val="1575848940"/>
       </p:ext>
     </p:extLst>
   </p:cSld>
   <p:clrMapOvr>
     <a:masterClrMapping/>
   </p:clrMapOvr>
-  <mc:AlternateContent xmlns:mc="http://schemas.openxmlformats.org/markup-compatibility/2006" xmlns:p14="http://schemas.microsoft.com/office/powerpoint/2010/main">
-    <mc:Choice Requires="p14">
-      <p:transition spd="med" p14:dur="700">
-        <p:fade/>
-      </p:transition>
-    </mc:Choice>
-    <mc:Fallback xmlns="">
-      <p:transition spd="med">
-        <p:fade/>
-      </p:transition>
-    </mc:Fallback>
-  </mc:AlternateContent>
-  <p:timing>
-    <p:tnLst>
-      <p:par>
-        <p:cTn id="1" dur="indefinite" restart="never" nodeType="tmRoot"/>
-      </p:par>
-    </p:tnLst>
-  </p:timing>
+  <p:transition>
+    <p:fade/>
+  </p:transition>
 </p:sld>
 </file>
 
-<file path=ppt/slides/slide5.xml><?xml version="1.0" encoding="utf-8"?>
+<file path=ppt/slides/slide22.xml><?xml version="1.0" encoding="utf-8"?>
 <p:sld xmlns:a="http://schemas.openxmlformats.org/drawingml/2006/main" xmlns:r="http://schemas.openxmlformats.org/officeDocument/2006/relationships" xmlns:p="http://schemas.openxmlformats.org/presentationml/2006/main">
   <p:cSld>
     <p:spTree>
@@ -12530,6 +14750,117 @@
       </p:grpSpPr>
       <p:sp>
         <p:nvSpPr>
+          <p:cNvPr id="2" name="Title 1"/>
+          <p:cNvSpPr>
+            <a:spLocks noGrp="1"/>
+          </p:cNvSpPr>
+          <p:nvPr>
+            <p:ph type="title"/>
+          </p:nvPr>
+        </p:nvSpPr>
+        <p:spPr/>
+        <p:txBody>
+          <a:bodyPr/>
+          <a:lstStyle/>
+          <a:p>
+            <a:r>
+              <a:rPr lang="en-US" dirty="0" smtClean="0"/>
+              <a:t>Adding Web Service Support</a:t>
+            </a:r>
+            <a:endParaRPr lang="en-US" dirty="0"/>
+          </a:p>
+        </p:txBody>
+      </p:sp>
+      <p:sp>
+        <p:nvSpPr>
+          <p:cNvPr id="3" name="Slide Number Placeholder 2"/>
+          <p:cNvSpPr>
+            <a:spLocks noGrp="1"/>
+          </p:cNvSpPr>
+          <p:nvPr>
+            <p:ph type="sldNum" sz="quarter" idx="12"/>
+          </p:nvPr>
+        </p:nvSpPr>
+        <p:spPr/>
+        <p:txBody>
+          <a:bodyPr/>
+          <a:lstStyle/>
+          <a:p>
+            <a:fld id="{727B4C2D-45E2-4621-8491-2995EB46A674}" type="slidenum">
+              <a:rPr lang="en-US" smtClean="0"/>
+              <a:pPr/>
+              <a:t>22</a:t>
+            </a:fld>
+            <a:endParaRPr lang="en-US" dirty="0"/>
+          </a:p>
+        </p:txBody>
+      </p:sp>
+      <p:pic>
+        <p:nvPicPr>
+          <p:cNvPr id="4" name="Picture 3"/>
+          <p:cNvPicPr>
+            <a:picLocks noChangeAspect="1"/>
+          </p:cNvPicPr>
+          <p:nvPr/>
+        </p:nvPicPr>
+        <p:blipFill>
+          <a:blip r:embed="rId2"/>
+          <a:stretch>
+            <a:fillRect/>
+          </a:stretch>
+        </p:blipFill>
+        <p:spPr>
+          <a:xfrm>
+            <a:off x="519112" y="1262429"/>
+            <a:ext cx="10705124" cy="4506498"/>
+          </a:xfrm>
+          <a:prstGeom prst="rect">
+            <a:avLst/>
+          </a:prstGeom>
+          <a:ln>
+            <a:solidFill>
+              <a:schemeClr val="bg1">
+                <a:lumMod val="65000"/>
+              </a:schemeClr>
+            </a:solidFill>
+          </a:ln>
+        </p:spPr>
+      </p:pic>
+    </p:spTree>
+    <p:extLst>
+      <p:ext uri="{BB962C8B-B14F-4D97-AF65-F5344CB8AC3E}">
+        <p14:creationId xmlns:p14="http://schemas.microsoft.com/office/powerpoint/2010/main" val="2874920697"/>
+      </p:ext>
+    </p:extLst>
+  </p:cSld>
+  <p:clrMapOvr>
+    <a:masterClrMapping/>
+  </p:clrMapOvr>
+  <p:transition>
+    <p:fade/>
+  </p:transition>
+</p:sld>
+</file>
+
+<file path=ppt/slides/slide23.xml><?xml version="1.0" encoding="utf-8"?>
+<p:sld xmlns:a="http://schemas.openxmlformats.org/drawingml/2006/main" xmlns:r="http://schemas.openxmlformats.org/officeDocument/2006/relationships" xmlns:p="http://schemas.openxmlformats.org/presentationml/2006/main">
+  <p:cSld>
+    <p:spTree>
+      <p:nvGrpSpPr>
+        <p:cNvPr id="1" name=""/>
+        <p:cNvGrpSpPr/>
+        <p:nvPr/>
+      </p:nvGrpSpPr>
+      <p:grpSpPr>
+        <a:xfrm>
+          <a:off x="0" y="0"/>
+          <a:ext cx="0" cy="0"/>
+          <a:chOff x="0" y="0"/>
+          <a:chExt cx="0" cy="0"/>
+        </a:xfrm>
+      </p:grpSpPr>
+      <p:sp>
+        <p:nvSpPr>
           <p:cNvPr id="4" name="Subtitle 3"/>
           <p:cNvSpPr>
             <a:spLocks noGrp="1"/>
@@ -12545,7 +14876,7 @@
           <a:p>
             <a:r>
               <a:rPr lang="en-US" dirty="0" smtClean="0"/>
-              <a:t>Creating a SharePoint-Hosted App</a:t>
+              <a:t>Adding a Web Service to an App for Office</a:t>
             </a:r>
             <a:endParaRPr lang="en-US" dirty="0"/>
           </a:p>
@@ -12580,7 +14911,7 @@
     </p:spTree>
     <p:extLst>
       <p:ext uri="{BB962C8B-B14F-4D97-AF65-F5344CB8AC3E}">
-        <p14:creationId xmlns:p14="http://schemas.microsoft.com/office/powerpoint/2010/main" val="3974773602"/>
+        <p14:creationId xmlns:p14="http://schemas.microsoft.com/office/powerpoint/2010/main" val="4128912175"/>
       </p:ext>
     </p:extLst>
   </p:cSld>
@@ -12600,218 +14931,7 @@
 </p:sld>
 </file>
 
-<file path=ppt/slides/slide6.xml><?xml version="1.0" encoding="utf-8"?>
-<p:sld xmlns:a="http://schemas.openxmlformats.org/drawingml/2006/main" xmlns:r="http://schemas.openxmlformats.org/officeDocument/2006/relationships" xmlns:p="http://schemas.openxmlformats.org/presentationml/2006/main">
-  <p:cSld>
-    <p:spTree>
-      <p:nvGrpSpPr>
-        <p:cNvPr id="1" name=""/>
-        <p:cNvGrpSpPr/>
-        <p:nvPr/>
-      </p:nvGrpSpPr>
-      <p:grpSpPr>
-        <a:xfrm>
-          <a:off x="0" y="0"/>
-          <a:ext cx="0" cy="0"/>
-          <a:chOff x="0" y="0"/>
-          <a:chExt cx="0" cy="0"/>
-        </a:xfrm>
-      </p:grpSpPr>
-      <p:sp>
-        <p:nvSpPr>
-          <p:cNvPr id="4" name="Title 3"/>
-          <p:cNvSpPr>
-            <a:spLocks noGrp="1"/>
-          </p:cNvSpPr>
-          <p:nvPr>
-            <p:ph type="ctrTitle"/>
-          </p:nvPr>
-        </p:nvSpPr>
-        <p:spPr/>
-        <p:txBody>
-          <a:bodyPr/>
-          <a:lstStyle/>
-          <a:p>
-            <a:r>
-              <a:rPr lang="en-US" dirty="0" smtClean="0"/>
-              <a:t>Programming in JavaScript</a:t>
-            </a:r>
-            <a:endParaRPr lang="en-US" dirty="0"/>
-          </a:p>
-        </p:txBody>
-      </p:sp>
-      <p:sp>
-        <p:nvSpPr>
-          <p:cNvPr id="9" name="Subtitle 4"/>
-          <p:cNvSpPr>
-            <a:spLocks noGrp="1"/>
-          </p:cNvSpPr>
-          <p:nvPr>
-            <p:ph type="subTitle" idx="1"/>
-          </p:nvPr>
-        </p:nvSpPr>
-        <p:spPr/>
-        <p:txBody>
-          <a:bodyPr/>
-          <a:lstStyle/>
-          <a:p>
-            <a:pPr lvl="0"/>
-            <a:endParaRPr lang="en-US" dirty="0"/>
-          </a:p>
-        </p:txBody>
-      </p:sp>
-    </p:spTree>
-    <p:extLst>
-      <p:ext uri="{BB962C8B-B14F-4D97-AF65-F5344CB8AC3E}">
-        <p14:creationId xmlns:p14="http://schemas.microsoft.com/office/powerpoint/2010/main" val="4022113090"/>
-      </p:ext>
-    </p:extLst>
-  </p:cSld>
-  <p:clrMapOvr>
-    <a:masterClrMapping/>
-  </p:clrMapOvr>
-  <p:transition>
-    <p:fade/>
-  </p:transition>
-  <p:timing>
-    <p:tnLst>
-      <p:par>
-        <p:cTn id="1" dur="indefinite" restart="never" nodeType="tmRoot"/>
-      </p:par>
-    </p:tnLst>
-  </p:timing>
-</p:sld>
-</file>
-
-<file path=ppt/slides/slide7.xml><?xml version="1.0" encoding="utf-8"?>
-<p:sld xmlns:a="http://schemas.openxmlformats.org/drawingml/2006/main" xmlns:r="http://schemas.openxmlformats.org/officeDocument/2006/relationships" xmlns:p="http://schemas.openxmlformats.org/presentationml/2006/main">
-  <p:cSld>
-    <p:spTree>
-      <p:nvGrpSpPr>
-        <p:cNvPr id="1" name=""/>
-        <p:cNvGrpSpPr/>
-        <p:nvPr/>
-      </p:nvGrpSpPr>
-      <p:grpSpPr>
-        <a:xfrm>
-          <a:off x="0" y="0"/>
-          <a:ext cx="0" cy="0"/>
-          <a:chOff x="0" y="0"/>
-          <a:chExt cx="0" cy="0"/>
-        </a:xfrm>
-      </p:grpSpPr>
-      <p:sp>
-        <p:nvSpPr>
-          <p:cNvPr id="2" name="Text Placeholder 1"/>
-          <p:cNvSpPr>
-            <a:spLocks noGrp="1"/>
-          </p:cNvSpPr>
-          <p:nvPr>
-            <p:ph type="body" sz="quarter" idx="10"/>
-          </p:nvPr>
-        </p:nvSpPr>
-        <p:spPr>
-          <a:xfrm>
-            <a:off x="519112" y="1447798"/>
-            <a:ext cx="11149013" cy="4541020"/>
-          </a:xfrm>
-        </p:spPr>
-        <p:txBody>
-          <a:bodyPr/>
-          <a:lstStyle/>
-          <a:p>
-            <a:r>
-              <a:rPr lang="en-US" dirty="0"/>
-              <a:t>Introduction</a:t>
-            </a:r>
-          </a:p>
-          <a:p>
-            <a:r>
-              <a:rPr lang="en-US" dirty="0"/>
-              <a:t>Programming in JavaScript</a:t>
-            </a:r>
-          </a:p>
-          <a:p>
-            <a:r>
-              <a:rPr lang="en-US" dirty="0"/>
-              <a:t>App Parts</a:t>
-            </a:r>
-          </a:p>
-          <a:p>
-            <a:r>
-              <a:rPr lang="en-US" dirty="0"/>
-              <a:t>UI Custom Actions</a:t>
-            </a:r>
-          </a:p>
-          <a:p>
-            <a:endParaRPr lang="en-US" dirty="0"/>
-          </a:p>
-        </p:txBody>
-      </p:sp>
-      <p:sp>
-        <p:nvSpPr>
-          <p:cNvPr id="3" name="Title 2"/>
-          <p:cNvSpPr>
-            <a:spLocks noGrp="1"/>
-          </p:cNvSpPr>
-          <p:nvPr>
-            <p:ph type="title"/>
-          </p:nvPr>
-        </p:nvSpPr>
-        <p:spPr/>
-        <p:txBody>
-          <a:bodyPr/>
-          <a:lstStyle/>
-          <a:p>
-            <a:r>
-              <a:rPr lang="en-US" dirty="0" smtClean="0"/>
-              <a:t>Summary</a:t>
-            </a:r>
-            <a:endParaRPr lang="en-US" dirty="0"/>
-          </a:p>
-        </p:txBody>
-      </p:sp>
-      <p:sp>
-        <p:nvSpPr>
-          <p:cNvPr id="4" name="Slide Number Placeholder 3"/>
-          <p:cNvSpPr>
-            <a:spLocks noGrp="1"/>
-          </p:cNvSpPr>
-          <p:nvPr>
-            <p:ph type="sldNum" sz="quarter" idx="12"/>
-          </p:nvPr>
-        </p:nvSpPr>
-        <p:spPr/>
-        <p:txBody>
-          <a:bodyPr/>
-          <a:lstStyle/>
-          <a:p>
-            <a:fld id="{727B4C2D-45E2-4621-8491-2995EB46A674}" type="slidenum">
-              <a:rPr lang="en-US" smtClean="0"/>
-              <a:pPr/>
-              <a:t>7</a:t>
-            </a:fld>
-            <a:endParaRPr lang="en-US" dirty="0"/>
-          </a:p>
-        </p:txBody>
-      </p:sp>
-    </p:spTree>
-    <p:extLst>
-      <p:ext uri="{BB962C8B-B14F-4D97-AF65-F5344CB8AC3E}">
-        <p14:creationId xmlns:p14="http://schemas.microsoft.com/office/powerpoint/2010/main" val="1415403134"/>
-      </p:ext>
-    </p:extLst>
-  </p:cSld>
-  <p:clrMapOvr>
-    <a:masterClrMapping/>
-  </p:clrMapOvr>
-  <p:transition>
-    <p:fade/>
-  </p:transition>
-</p:sld>
-</file>
-
-<file path=ppt/slides/slide8.xml><?xml version="1.0" encoding="utf-8"?>
+<file path=ppt/slides/slide24.xml><?xml version="1.0" encoding="utf-8"?>
 <p:sld xmlns:a="http://schemas.openxmlformats.org/drawingml/2006/main" xmlns:r="http://schemas.openxmlformats.org/officeDocument/2006/relationships" xmlns:p="http://schemas.openxmlformats.org/presentationml/2006/main">
   <p:cSld>
     <p:spTree>
@@ -13193,6 +15313,1884 @@
       </p:par>
     </p:tnLst>
   </p:timing>
+</p:sld>
+</file>
+
+<file path=ppt/slides/slide3.xml><?xml version="1.0" encoding="utf-8"?>
+<p:sld xmlns:a="http://schemas.openxmlformats.org/drawingml/2006/main" xmlns:r="http://schemas.openxmlformats.org/officeDocument/2006/relationships" xmlns:p="http://schemas.openxmlformats.org/presentationml/2006/main">
+  <p:cSld>
+    <p:spTree>
+      <p:nvGrpSpPr>
+        <p:cNvPr id="1" name=""/>
+        <p:cNvGrpSpPr/>
+        <p:nvPr/>
+      </p:nvGrpSpPr>
+      <p:grpSpPr>
+        <a:xfrm>
+          <a:off x="0" y="0"/>
+          <a:ext cx="0" cy="0"/>
+          <a:chOff x="0" y="0"/>
+          <a:chExt cx="0" cy="0"/>
+        </a:xfrm>
+      </p:grpSpPr>
+      <p:sp>
+        <p:nvSpPr>
+          <p:cNvPr id="4" name="Title 3"/>
+          <p:cNvSpPr>
+            <a:spLocks noGrp="1"/>
+          </p:cNvSpPr>
+          <p:nvPr>
+            <p:ph type="ctrTitle"/>
+          </p:nvPr>
+        </p:nvSpPr>
+        <p:spPr/>
+        <p:txBody>
+          <a:bodyPr/>
+          <a:lstStyle/>
+          <a:p>
+            <a:r>
+              <a:rPr lang="en-US" dirty="0" smtClean="0"/>
+              <a:t>Deep </a:t>
+            </a:r>
+            <a:r>
+              <a:rPr lang="en-US" dirty="0"/>
+              <a:t>Dive into </a:t>
+            </a:r>
+            <a:r>
+              <a:rPr lang="en-US" dirty="0" smtClean="0"/>
+              <a:t>SharePoint-Hosted </a:t>
+            </a:r>
+            <a:r>
+              <a:rPr lang="en-US" dirty="0"/>
+              <a:t>Apps</a:t>
+            </a:r>
+          </a:p>
+        </p:txBody>
+      </p:sp>
+      <p:sp>
+        <p:nvSpPr>
+          <p:cNvPr id="5" name="Subtitle 4"/>
+          <p:cNvSpPr>
+            <a:spLocks noGrp="1"/>
+          </p:cNvSpPr>
+          <p:nvPr>
+            <p:ph type="subTitle" idx="1"/>
+          </p:nvPr>
+        </p:nvSpPr>
+        <p:spPr>
+          <a:xfrm>
+            <a:off x="532265" y="4735249"/>
+            <a:ext cx="7640611" cy="1878025"/>
+          </a:xfrm>
+        </p:spPr>
+        <p:txBody>
+          <a:bodyPr/>
+          <a:lstStyle/>
+          <a:p>
+            <a:r>
+              <a:rPr lang="en-US" dirty="0" smtClean="0"/>
+              <a:t>Speaker</a:t>
+            </a:r>
+          </a:p>
+          <a:p>
+            <a:endParaRPr lang="en-US" dirty="0" smtClean="0"/>
+          </a:p>
+          <a:p>
+            <a:r>
+              <a:rPr lang="en-US" dirty="0" smtClean="0"/>
+              <a:t>Speaker</a:t>
+            </a:r>
+            <a:endParaRPr lang="en-US" dirty="0"/>
+          </a:p>
+        </p:txBody>
+      </p:sp>
+    </p:spTree>
+    <p:extLst>
+      <p:ext uri="{BB962C8B-B14F-4D97-AF65-F5344CB8AC3E}">
+        <p14:creationId xmlns:p14="http://schemas.microsoft.com/office/powerpoint/2010/main" val="1233982471"/>
+      </p:ext>
+    </p:extLst>
+  </p:cSld>
+  <p:clrMapOvr>
+    <a:masterClrMapping/>
+  </p:clrMapOvr>
+  <p:transition>
+    <p:fade/>
+  </p:transition>
+  <p:timing>
+    <p:tnLst>
+      <p:par>
+        <p:cTn id="1" dur="indefinite" restart="never" nodeType="tmRoot"/>
+      </p:par>
+    </p:tnLst>
+  </p:timing>
+</p:sld>
+</file>
+
+<file path=ppt/slides/slide4.xml><?xml version="1.0" encoding="utf-8"?>
+<p:sld xmlns:a="http://schemas.openxmlformats.org/drawingml/2006/main" xmlns:r="http://schemas.openxmlformats.org/officeDocument/2006/relationships" xmlns:p="http://schemas.openxmlformats.org/presentationml/2006/main">
+  <p:cSld>
+    <p:spTree>
+      <p:nvGrpSpPr>
+        <p:cNvPr id="1" name=""/>
+        <p:cNvGrpSpPr/>
+        <p:nvPr/>
+      </p:nvGrpSpPr>
+      <p:grpSpPr>
+        <a:xfrm>
+          <a:off x="0" y="0"/>
+          <a:ext cx="0" cy="0"/>
+          <a:chOff x="0" y="0"/>
+          <a:chExt cx="0" cy="0"/>
+        </a:xfrm>
+      </p:grpSpPr>
+      <p:sp>
+        <p:nvSpPr>
+          <p:cNvPr id="2" name="Text Placeholder 1"/>
+          <p:cNvSpPr>
+            <a:spLocks noGrp="1"/>
+          </p:cNvSpPr>
+          <p:nvPr>
+            <p:ph type="body" sz="quarter" idx="15"/>
+          </p:nvPr>
+        </p:nvSpPr>
+        <p:spPr>
+          <a:xfrm>
+            <a:off x="4708937" y="1814048"/>
+            <a:ext cx="7169534" cy="2881519"/>
+          </a:xfrm>
+        </p:spPr>
+        <p:txBody>
+          <a:bodyPr/>
+          <a:lstStyle/>
+          <a:p>
+            <a:r>
+              <a:rPr lang="en-US" dirty="0"/>
+              <a:t>Introduction to Apps for </a:t>
+            </a:r>
+            <a:r>
+              <a:rPr lang="en-US" dirty="0" smtClean="0"/>
+              <a:t>PowerPoint</a:t>
+            </a:r>
+            <a:endParaRPr lang="en-US" dirty="0"/>
+          </a:p>
+          <a:p>
+            <a:r>
+              <a:rPr lang="en-US" dirty="0"/>
+              <a:t>Developing Apps for PowerPoint</a:t>
+            </a:r>
+          </a:p>
+          <a:p>
+            <a:r>
+              <a:rPr lang="en-US" dirty="0" smtClean="0"/>
+              <a:t>Creating a Video Player</a:t>
+            </a:r>
+          </a:p>
+          <a:p>
+            <a:r>
+              <a:rPr lang="en-US" dirty="0" smtClean="0"/>
+              <a:t>Adding a Web Service</a:t>
+            </a:r>
+            <a:endParaRPr lang="en-US" dirty="0"/>
+          </a:p>
+        </p:txBody>
+      </p:sp>
+      <p:pic>
+        <p:nvPicPr>
+          <p:cNvPr id="4" name="Picture Placeholder 3"/>
+          <p:cNvPicPr>
+            <a:picLocks noGrp="1" noChangeAspect="1"/>
+          </p:cNvPicPr>
+          <p:nvPr>
+            <p:ph type="pic" sz="quarter" idx="16"/>
+          </p:nvPr>
+        </p:nvPicPr>
+        <p:blipFill>
+          <a:blip r:embed="rId3">
+            <a:extLst>
+              <a:ext uri="{28A0092B-C50C-407E-A947-70E740481C1C}">
+                <a14:useLocalDpi xmlns:a14="http://schemas.microsoft.com/office/drawing/2010/main" val="0"/>
+              </a:ext>
+            </a:extLst>
+          </a:blip>
+          <a:stretch>
+            <a:fillRect/>
+          </a:stretch>
+        </p:blipFill>
+        <p:spPr>
+          <a:xfrm>
+            <a:off x="269169" y="1905492"/>
+            <a:ext cx="4301734" cy="2865616"/>
+          </a:xfrm>
+        </p:spPr>
+      </p:pic>
+      <p:sp>
+        <p:nvSpPr>
+          <p:cNvPr id="5" name="Title 4"/>
+          <p:cNvSpPr>
+            <a:spLocks noGrp="1"/>
+          </p:cNvSpPr>
+          <p:nvPr>
+            <p:ph type="title"/>
+          </p:nvPr>
+        </p:nvSpPr>
+        <p:spPr/>
+        <p:txBody>
+          <a:bodyPr/>
+          <a:lstStyle/>
+          <a:p>
+            <a:r>
+              <a:rPr lang="en-US" dirty="0" smtClean="0"/>
+              <a:t>Agenda</a:t>
+            </a:r>
+            <a:br>
+              <a:rPr lang="en-US" dirty="0" smtClean="0"/>
+            </a:br>
+            <a:endParaRPr lang="en-US" dirty="0"/>
+          </a:p>
+        </p:txBody>
+      </p:sp>
+    </p:spTree>
+    <p:extLst>
+      <p:ext uri="{BB962C8B-B14F-4D97-AF65-F5344CB8AC3E}">
+        <p14:creationId xmlns:p14="http://schemas.microsoft.com/office/powerpoint/2010/main" val="2395946767"/>
+      </p:ext>
+    </p:extLst>
+  </p:cSld>
+  <p:clrMapOvr>
+    <a:masterClrMapping/>
+  </p:clrMapOvr>
+  <mc:AlternateContent xmlns:mc="http://schemas.openxmlformats.org/markup-compatibility/2006" xmlns:p14="http://schemas.microsoft.com/office/powerpoint/2010/main">
+    <mc:Choice Requires="p14">
+      <p:transition spd="med" p14:dur="700">
+        <p:fade/>
+      </p:transition>
+    </mc:Choice>
+    <mc:Fallback xmlns="">
+      <p:transition spd="med">
+        <p:fade/>
+      </p:transition>
+    </mc:Fallback>
+  </mc:AlternateContent>
+  <p:timing>
+    <p:tnLst>
+      <p:par>
+        <p:cTn id="1" dur="indefinite" restart="never" nodeType="tmRoot"/>
+      </p:par>
+    </p:tnLst>
+  </p:timing>
+</p:sld>
+</file>
+
+<file path=ppt/slides/slide5.xml><?xml version="1.0" encoding="utf-8"?>
+<p:sld xmlns:a="http://schemas.openxmlformats.org/drawingml/2006/main" xmlns:r="http://schemas.openxmlformats.org/officeDocument/2006/relationships" xmlns:p="http://schemas.openxmlformats.org/presentationml/2006/main">
+  <p:cSld>
+    <p:spTree>
+      <p:nvGrpSpPr>
+        <p:cNvPr id="1" name=""/>
+        <p:cNvGrpSpPr/>
+        <p:nvPr/>
+      </p:nvGrpSpPr>
+      <p:grpSpPr>
+        <a:xfrm>
+          <a:off x="0" y="0"/>
+          <a:ext cx="0" cy="0"/>
+          <a:chOff x="0" y="0"/>
+          <a:chExt cx="0" cy="0"/>
+        </a:xfrm>
+      </p:grpSpPr>
+      <p:sp>
+        <p:nvSpPr>
+          <p:cNvPr id="3" name="Title 2"/>
+          <p:cNvSpPr>
+            <a:spLocks noGrp="1"/>
+          </p:cNvSpPr>
+          <p:nvPr>
+            <p:ph type="title"/>
+          </p:nvPr>
+        </p:nvSpPr>
+        <p:spPr/>
+        <p:txBody>
+          <a:bodyPr/>
+          <a:lstStyle/>
+          <a:p>
+            <a:r>
+              <a:rPr lang="en-US" dirty="0" smtClean="0"/>
+              <a:t>What is an App for Office?</a:t>
+            </a:r>
+            <a:endParaRPr lang="en-US" dirty="0"/>
+          </a:p>
+        </p:txBody>
+      </p:sp>
+      <p:sp>
+        <p:nvSpPr>
+          <p:cNvPr id="5" name="Content Placeholder 4"/>
+          <p:cNvSpPr>
+            <a:spLocks noGrp="1"/>
+          </p:cNvSpPr>
+          <p:nvPr>
+            <p:ph type="body" sz="quarter" idx="10"/>
+          </p:nvPr>
+        </p:nvSpPr>
+        <p:spPr/>
+        <p:txBody>
+          <a:bodyPr/>
+          <a:lstStyle/>
+          <a:p>
+            <a:r>
+              <a:rPr lang="en-US" dirty="0" smtClean="0"/>
+              <a:t>A Web page loaded inside an Office Application</a:t>
+            </a:r>
+          </a:p>
+          <a:p>
+            <a:pPr lvl="1"/>
+            <a:r>
+              <a:rPr lang="en-US" dirty="0" smtClean="0"/>
+              <a:t>Embedded inline </a:t>
+            </a:r>
+            <a:r>
+              <a:rPr lang="en-US" dirty="0"/>
+              <a:t>or as </a:t>
+            </a:r>
+            <a:r>
+              <a:rPr lang="en-US" dirty="0" smtClean="0"/>
+              <a:t>task </a:t>
+            </a:r>
+            <a:r>
+              <a:rPr lang="en-US" dirty="0"/>
+              <a:t>pane within documents, mails or appointments.</a:t>
+            </a:r>
+          </a:p>
+          <a:p>
+            <a:pPr lvl="1"/>
+            <a:r>
+              <a:rPr lang="en-US" dirty="0" smtClean="0"/>
+              <a:t>Works in both Office </a:t>
+            </a:r>
+            <a:r>
+              <a:rPr lang="en-US" dirty="0"/>
+              <a:t>A</a:t>
+            </a:r>
+            <a:r>
+              <a:rPr lang="en-US" dirty="0" smtClean="0"/>
+              <a:t>pplications </a:t>
+            </a:r>
+            <a:r>
+              <a:rPr lang="en-US" dirty="0"/>
+              <a:t>and Office </a:t>
+            </a:r>
+            <a:r>
+              <a:rPr lang="en-US" dirty="0" smtClean="0"/>
+              <a:t>Web Applications</a:t>
+            </a:r>
+          </a:p>
+          <a:p>
+            <a:pPr lvl="1"/>
+            <a:endParaRPr lang="en-US" dirty="0"/>
+          </a:p>
+          <a:p>
+            <a:r>
+              <a:rPr lang="en-US" dirty="0" smtClean="0"/>
+              <a:t>Office application extensions using Web technologies</a:t>
+            </a:r>
+          </a:p>
+          <a:p>
+            <a:pPr lvl="1"/>
+            <a:r>
+              <a:rPr lang="en-US" dirty="0" smtClean="0"/>
+              <a:t>HTML 5 and CSS used to construct user interface</a:t>
+            </a:r>
+          </a:p>
+          <a:p>
+            <a:pPr lvl="1"/>
+            <a:r>
+              <a:rPr lang="en-US" dirty="0" smtClean="0"/>
+              <a:t>JavaScript and jQuery used to add executable logic and event handlers</a:t>
+            </a:r>
+          </a:p>
+          <a:p>
+            <a:pPr lvl="1"/>
+            <a:r>
+              <a:rPr lang="en-US" dirty="0" smtClean="0"/>
+              <a:t>App can provided code to read/write content to/from Office documents</a:t>
+            </a:r>
+          </a:p>
+          <a:p>
+            <a:pPr lvl="1"/>
+            <a:r>
+              <a:rPr lang="en-US" dirty="0" smtClean="0"/>
+              <a:t>App can call Web services hosted over Internet or running within local network</a:t>
+            </a:r>
+          </a:p>
+        </p:txBody>
+      </p:sp>
+    </p:spTree>
+    <p:extLst>
+      <p:ext uri="{BB962C8B-B14F-4D97-AF65-F5344CB8AC3E}">
+        <p14:creationId xmlns:p14="http://schemas.microsoft.com/office/powerpoint/2010/main" val="1059591932"/>
+      </p:ext>
+    </p:extLst>
+  </p:cSld>
+  <p:clrMapOvr>
+    <a:masterClrMapping/>
+  </p:clrMapOvr>
+  <mc:AlternateContent xmlns:mc="http://schemas.openxmlformats.org/markup-compatibility/2006" xmlns:p14="http://schemas.microsoft.com/office/powerpoint/2010/main">
+    <mc:Choice Requires="p14">
+      <p:transition p14:dur="0"/>
+    </mc:Choice>
+    <mc:Fallback xmlns="">
+      <p:transition/>
+    </mc:Fallback>
+  </mc:AlternateContent>
+  <p:timing>
+    <p:tnLst>
+      <p:par>
+        <p:cTn id="1" dur="indefinite" restart="never" nodeType="tmRoot"/>
+      </p:par>
+    </p:tnLst>
+  </p:timing>
+</p:sld>
+</file>
+
+<file path=ppt/slides/slide6.xml><?xml version="1.0" encoding="utf-8"?>
+<p:sld xmlns:a="http://schemas.openxmlformats.org/drawingml/2006/main" xmlns:r="http://schemas.openxmlformats.org/officeDocument/2006/relationships" xmlns:p="http://schemas.openxmlformats.org/presentationml/2006/main">
+  <p:cSld>
+    <p:spTree>
+      <p:nvGrpSpPr>
+        <p:cNvPr id="1" name=""/>
+        <p:cNvGrpSpPr/>
+        <p:nvPr/>
+      </p:nvGrpSpPr>
+      <p:grpSpPr>
+        <a:xfrm>
+          <a:off x="0" y="0"/>
+          <a:ext cx="0" cy="0"/>
+          <a:chOff x="0" y="0"/>
+          <a:chExt cx="0" cy="0"/>
+        </a:xfrm>
+      </p:grpSpPr>
+      <p:sp>
+        <p:nvSpPr>
+          <p:cNvPr id="3" name="Title 2"/>
+          <p:cNvSpPr>
+            <a:spLocks noGrp="1"/>
+          </p:cNvSpPr>
+          <p:nvPr>
+            <p:ph type="title"/>
+          </p:nvPr>
+        </p:nvSpPr>
+        <p:spPr/>
+        <p:txBody>
+          <a:bodyPr/>
+          <a:lstStyle/>
+          <a:p>
+            <a:r>
+              <a:rPr lang="en-US" smtClean="0"/>
+              <a:t>Designing Apps for Office - Shapes</a:t>
+            </a:r>
+            <a:endParaRPr lang="en-US" dirty="0"/>
+          </a:p>
+        </p:txBody>
+      </p:sp>
+      <p:sp>
+        <p:nvSpPr>
+          <p:cNvPr id="5" name="Content Placeholder 4"/>
+          <p:cNvSpPr>
+            <a:spLocks noGrp="1"/>
+          </p:cNvSpPr>
+          <p:nvPr>
+            <p:ph type="body" sz="quarter" idx="10"/>
+          </p:nvPr>
+        </p:nvSpPr>
+        <p:spPr/>
+        <p:txBody>
+          <a:bodyPr/>
+          <a:lstStyle/>
+          <a:p>
+            <a:r>
+              <a:rPr lang="en-US" dirty="0" smtClean="0"/>
+              <a:t>Apps for Office come in three different shapes</a:t>
+            </a:r>
+          </a:p>
+          <a:p>
+            <a:pPr lvl="1"/>
+            <a:r>
+              <a:rPr lang="en-US" dirty="0" smtClean="0"/>
+              <a:t>Task Pane App </a:t>
+            </a:r>
+            <a:r>
+              <a:rPr lang="en-US" sz="2000" i="1" dirty="0" smtClean="0">
+                <a:solidFill>
+                  <a:schemeClr val="tx2">
+                    <a:lumMod val="50000"/>
+                  </a:schemeClr>
+                </a:solidFill>
+              </a:rPr>
+              <a:t>(supported by Microsoft PowerPoint)</a:t>
+            </a:r>
+            <a:endParaRPr lang="en-US" i="1" dirty="0" smtClean="0">
+              <a:solidFill>
+                <a:schemeClr val="tx2">
+                  <a:lumMod val="50000"/>
+                </a:schemeClr>
+              </a:solidFill>
+            </a:endParaRPr>
+          </a:p>
+          <a:p>
+            <a:pPr lvl="1"/>
+            <a:r>
+              <a:rPr lang="en-US" dirty="0" smtClean="0"/>
+              <a:t>Content </a:t>
+            </a:r>
+            <a:r>
+              <a:rPr lang="en-US" dirty="0"/>
+              <a:t>App </a:t>
+            </a:r>
+            <a:r>
+              <a:rPr lang="en-US" sz="2000" i="1" dirty="0">
+                <a:solidFill>
+                  <a:schemeClr val="tx2">
+                    <a:lumMod val="50000"/>
+                  </a:schemeClr>
+                </a:solidFill>
+              </a:rPr>
+              <a:t>(supported by Microsoft PowerPoint)</a:t>
+            </a:r>
+            <a:endParaRPr lang="en-US" dirty="0" smtClean="0"/>
+          </a:p>
+          <a:p>
+            <a:pPr lvl="1"/>
+            <a:r>
+              <a:rPr lang="en-US" dirty="0" smtClean="0"/>
+              <a:t>Mail App</a:t>
+            </a:r>
+          </a:p>
+        </p:txBody>
+      </p:sp>
+      <p:sp>
+        <p:nvSpPr>
+          <p:cNvPr id="7" name="Rectangle 2"/>
+          <p:cNvSpPr>
+            <a:spLocks noChangeArrowheads="1"/>
+          </p:cNvSpPr>
+          <p:nvPr/>
+        </p:nvSpPr>
+        <p:spPr bwMode="auto">
+          <a:xfrm>
+            <a:off x="1588" y="-196732"/>
+            <a:ext cx="12185651" cy="395249"/>
+          </a:xfrm>
+          <a:prstGeom prst="rect">
+            <a:avLst/>
+          </a:prstGeom>
+          <a:noFill/>
+          <a:ln>
+            <a:noFill/>
+          </a:ln>
+          <a:effectLst/>
+          <a:extLst>
+            <a:ext uri="{909E8E84-426E-40DD-AFC4-6F175D3DCCD1}">
+              <a14:hiddenFill xmlns:a14="http://schemas.microsoft.com/office/drawing/2010/main">
+                <a:solidFill>
+                  <a:schemeClr val="accent1"/>
+                </a:solidFill>
+              </a14:hiddenFill>
+            </a:ext>
+            <a:ext uri="{91240B29-F687-4F45-9708-019B960494DF}">
+              <a14:hiddenLine xmlns:a14="http://schemas.microsoft.com/office/drawing/2010/main" w="9525">
+                <a:solidFill>
+                  <a:schemeClr val="tx1"/>
+                </a:solidFill>
+                <a:miter lim="800000"/>
+                <a:headEnd/>
+                <a:tailEnd/>
+              </a14:hiddenLine>
+            </a:ext>
+            <a:ext uri="{AF507438-7753-43E0-B8FC-AC1667EBCBE1}">
+              <a14:hiddenEffects xmlns:a14="http://schemas.microsoft.com/office/drawing/2010/main">
+                <a:effectLst>
+                  <a:outerShdw dist="35921" dir="2700000" algn="ctr" rotWithShape="0">
+                    <a:schemeClr val="bg2"/>
+                  </a:outerShdw>
+                </a:effectLst>
+              </a14:hiddenEffects>
+            </a:ext>
+          </a:extLst>
+        </p:spPr>
+        <p:txBody>
+          <a:bodyPr vert="horz" wrap="square" lIns="117177" tIns="58589" rIns="117177" bIns="58589" numCol="1" anchor="ctr" anchorCtr="0" compatLnSpc="1">
+            <a:prstTxWarp prst="textNoShape">
+              <a:avLst/>
+            </a:prstTxWarp>
+            <a:spAutoFit/>
+          </a:bodyPr>
+          <a:lstStyle/>
+          <a:p>
+            <a:endParaRPr lang="en-US" sz="1799"/>
+          </a:p>
+        </p:txBody>
+      </p:sp>
+      <p:sp>
+        <p:nvSpPr>
+          <p:cNvPr id="9" name="Rectangle 4"/>
+          <p:cNvSpPr>
+            <a:spLocks noChangeArrowheads="1"/>
+          </p:cNvSpPr>
+          <p:nvPr/>
+        </p:nvSpPr>
+        <p:spPr bwMode="auto">
+          <a:xfrm>
+            <a:off x="1587" y="-196732"/>
+            <a:ext cx="236708" cy="395249"/>
+          </a:xfrm>
+          <a:prstGeom prst="rect">
+            <a:avLst/>
+          </a:prstGeom>
+          <a:noFill/>
+          <a:ln>
+            <a:noFill/>
+          </a:ln>
+          <a:effectLst/>
+          <a:extLst>
+            <a:ext uri="{909E8E84-426E-40DD-AFC4-6F175D3DCCD1}">
+              <a14:hiddenFill xmlns:a14="http://schemas.microsoft.com/office/drawing/2010/main">
+                <a:solidFill>
+                  <a:schemeClr val="accent1"/>
+                </a:solidFill>
+              </a14:hiddenFill>
+            </a:ext>
+            <a:ext uri="{91240B29-F687-4F45-9708-019B960494DF}">
+              <a14:hiddenLine xmlns:a14="http://schemas.microsoft.com/office/drawing/2010/main" w="9525">
+                <a:solidFill>
+                  <a:schemeClr val="tx1"/>
+                </a:solidFill>
+                <a:miter lim="800000"/>
+                <a:headEnd/>
+                <a:tailEnd/>
+              </a14:hiddenLine>
+            </a:ext>
+            <a:ext uri="{AF507438-7753-43E0-B8FC-AC1667EBCBE1}">
+              <a14:hiddenEffects xmlns:a14="http://schemas.microsoft.com/office/drawing/2010/main">
+                <a:effectLst>
+                  <a:outerShdw dist="35921" dir="2700000" algn="ctr" rotWithShape="0">
+                    <a:schemeClr val="bg2"/>
+                  </a:outerShdw>
+                </a:effectLst>
+              </a14:hiddenEffects>
+            </a:ext>
+          </a:extLst>
+        </p:spPr>
+        <p:txBody>
+          <a:bodyPr vert="horz" wrap="none" lIns="117177" tIns="58589" rIns="117177" bIns="58589" numCol="1" anchor="ctr" anchorCtr="0" compatLnSpc="1">
+            <a:prstTxWarp prst="textNoShape">
+              <a:avLst/>
+            </a:prstTxWarp>
+            <a:spAutoFit/>
+          </a:bodyPr>
+          <a:lstStyle/>
+          <a:p>
+            <a:endParaRPr lang="en-US" sz="1799"/>
+          </a:p>
+        </p:txBody>
+      </p:sp>
+      <p:grpSp>
+        <p:nvGrpSpPr>
+          <p:cNvPr id="4" name="Group 3"/>
+          <p:cNvGrpSpPr/>
+          <p:nvPr/>
+        </p:nvGrpSpPr>
+        <p:grpSpPr>
+          <a:xfrm>
+            <a:off x="1074686" y="3535108"/>
+            <a:ext cx="9831548" cy="2548920"/>
+            <a:chOff x="659720" y="3937907"/>
+            <a:chExt cx="8670472" cy="2247900"/>
+          </a:xfrm>
+        </p:grpSpPr>
+        <p:pic>
+          <p:nvPicPr>
+            <p:cNvPr id="3074" name="Picture 2"/>
+            <p:cNvPicPr>
+              <a:picLocks noChangeAspect="1" noChangeArrowheads="1"/>
+            </p:cNvPicPr>
+            <p:nvPr/>
+          </p:nvPicPr>
+          <p:blipFill>
+            <a:blip r:embed="rId3">
+              <a:extLst>
+                <a:ext uri="{28A0092B-C50C-407E-A947-70E740481C1C}">
+                  <a14:useLocalDpi xmlns:a14="http://schemas.microsoft.com/office/drawing/2010/main" val="0"/>
+                </a:ext>
+              </a:extLst>
+            </a:blip>
+            <a:srcRect/>
+            <a:stretch>
+              <a:fillRect/>
+            </a:stretch>
+          </p:blipFill>
+          <p:spPr bwMode="auto">
+            <a:xfrm>
+              <a:off x="659720" y="3937907"/>
+              <a:ext cx="2705100" cy="2247900"/>
+            </a:xfrm>
+            <a:prstGeom prst="rect">
+              <a:avLst/>
+            </a:prstGeom>
+            <a:noFill/>
+            <a:ln>
+              <a:noFill/>
+            </a:ln>
+            <a:effectLst/>
+            <a:extLst>
+              <a:ext uri="{909E8E84-426E-40DD-AFC4-6F175D3DCCD1}">
+                <a14:hiddenFill xmlns:a14="http://schemas.microsoft.com/office/drawing/2010/main">
+                  <a:solidFill>
+                    <a:schemeClr val="accent1"/>
+                  </a:solidFill>
+                </a14:hiddenFill>
+              </a:ext>
+              <a:ext uri="{91240B29-F687-4F45-9708-019B960494DF}">
+                <a14:hiddenLine xmlns:a14="http://schemas.microsoft.com/office/drawing/2010/main" w="9525">
+                  <a:solidFill>
+                    <a:schemeClr val="tx1"/>
+                  </a:solidFill>
+                  <a:miter lim="800000"/>
+                  <a:headEnd/>
+                  <a:tailEnd/>
+                </a14:hiddenLine>
+              </a:ext>
+              <a:ext uri="{AF507438-7753-43E0-B8FC-AC1667EBCBE1}">
+                <a14:hiddenEffects xmlns:a14="http://schemas.microsoft.com/office/drawing/2010/main">
+                  <a:effectLst>
+                    <a:outerShdw dist="35921" dir="2700000" algn="ctr" rotWithShape="0">
+                      <a:schemeClr val="bg2"/>
+                    </a:outerShdw>
+                  </a:effectLst>
+                </a14:hiddenEffects>
+              </a:ext>
+            </a:extLst>
+          </p:spPr>
+        </p:pic>
+        <p:pic>
+          <p:nvPicPr>
+            <p:cNvPr id="3075" name="Picture 3"/>
+            <p:cNvPicPr>
+              <a:picLocks noChangeAspect="1" noChangeArrowheads="1"/>
+            </p:cNvPicPr>
+            <p:nvPr/>
+          </p:nvPicPr>
+          <p:blipFill>
+            <a:blip r:embed="rId4">
+              <a:extLst>
+                <a:ext uri="{28A0092B-C50C-407E-A947-70E740481C1C}">
+                  <a14:useLocalDpi xmlns:a14="http://schemas.microsoft.com/office/drawing/2010/main" val="0"/>
+                </a:ext>
+              </a:extLst>
+            </a:blip>
+            <a:srcRect/>
+            <a:stretch>
+              <a:fillRect/>
+            </a:stretch>
+          </p:blipFill>
+          <p:spPr bwMode="auto">
+            <a:xfrm>
+              <a:off x="3664178" y="3937907"/>
+              <a:ext cx="2705100" cy="2247900"/>
+            </a:xfrm>
+            <a:prstGeom prst="rect">
+              <a:avLst/>
+            </a:prstGeom>
+            <a:noFill/>
+            <a:ln>
+              <a:noFill/>
+            </a:ln>
+            <a:effectLst/>
+            <a:extLst>
+              <a:ext uri="{909E8E84-426E-40DD-AFC4-6F175D3DCCD1}">
+                <a14:hiddenFill xmlns:a14="http://schemas.microsoft.com/office/drawing/2010/main">
+                  <a:solidFill>
+                    <a:schemeClr val="accent1"/>
+                  </a:solidFill>
+                </a14:hiddenFill>
+              </a:ext>
+              <a:ext uri="{91240B29-F687-4F45-9708-019B960494DF}">
+                <a14:hiddenLine xmlns:a14="http://schemas.microsoft.com/office/drawing/2010/main" w="9525">
+                  <a:solidFill>
+                    <a:schemeClr val="tx1"/>
+                  </a:solidFill>
+                  <a:miter lim="800000"/>
+                  <a:headEnd/>
+                  <a:tailEnd/>
+                </a14:hiddenLine>
+              </a:ext>
+              <a:ext uri="{AF507438-7753-43E0-B8FC-AC1667EBCBE1}">
+                <a14:hiddenEffects xmlns:a14="http://schemas.microsoft.com/office/drawing/2010/main">
+                  <a:effectLst>
+                    <a:outerShdw dist="35921" dir="2700000" algn="ctr" rotWithShape="0">
+                      <a:schemeClr val="bg2"/>
+                    </a:outerShdw>
+                  </a:effectLst>
+                </a14:hiddenEffects>
+              </a:ext>
+            </a:extLst>
+          </p:spPr>
+        </p:pic>
+        <p:pic>
+          <p:nvPicPr>
+            <p:cNvPr id="3076" name="Picture 4"/>
+            <p:cNvPicPr>
+              <a:picLocks noChangeAspect="1" noChangeArrowheads="1"/>
+            </p:cNvPicPr>
+            <p:nvPr/>
+          </p:nvPicPr>
+          <p:blipFill>
+            <a:blip r:embed="rId5">
+              <a:extLst>
+                <a:ext uri="{28A0092B-C50C-407E-A947-70E740481C1C}">
+                  <a14:useLocalDpi xmlns:a14="http://schemas.microsoft.com/office/drawing/2010/main" val="0"/>
+                </a:ext>
+              </a:extLst>
+            </a:blip>
+            <a:srcRect/>
+            <a:stretch>
+              <a:fillRect/>
+            </a:stretch>
+          </p:blipFill>
+          <p:spPr bwMode="auto">
+            <a:xfrm>
+              <a:off x="6625092" y="3937907"/>
+              <a:ext cx="2705100" cy="2247900"/>
+            </a:xfrm>
+            <a:prstGeom prst="rect">
+              <a:avLst/>
+            </a:prstGeom>
+            <a:noFill/>
+            <a:ln>
+              <a:noFill/>
+            </a:ln>
+            <a:effectLst/>
+            <a:extLst>
+              <a:ext uri="{909E8E84-426E-40DD-AFC4-6F175D3DCCD1}">
+                <a14:hiddenFill xmlns:a14="http://schemas.microsoft.com/office/drawing/2010/main">
+                  <a:solidFill>
+                    <a:schemeClr val="accent1"/>
+                  </a:solidFill>
+                </a14:hiddenFill>
+              </a:ext>
+              <a:ext uri="{91240B29-F687-4F45-9708-019B960494DF}">
+                <a14:hiddenLine xmlns:a14="http://schemas.microsoft.com/office/drawing/2010/main" w="9525">
+                  <a:solidFill>
+                    <a:schemeClr val="tx1"/>
+                  </a:solidFill>
+                  <a:miter lim="800000"/>
+                  <a:headEnd/>
+                  <a:tailEnd/>
+                </a14:hiddenLine>
+              </a:ext>
+              <a:ext uri="{AF507438-7753-43E0-B8FC-AC1667EBCBE1}">
+                <a14:hiddenEffects xmlns:a14="http://schemas.microsoft.com/office/drawing/2010/main">
+                  <a:effectLst>
+                    <a:outerShdw dist="35921" dir="2700000" algn="ctr" rotWithShape="0">
+                      <a:schemeClr val="bg2"/>
+                    </a:outerShdw>
+                  </a:effectLst>
+                </a14:hiddenEffects>
+              </a:ext>
+            </a:extLst>
+          </p:spPr>
+        </p:pic>
+      </p:grpSp>
+    </p:spTree>
+    <p:extLst>
+      <p:ext uri="{BB962C8B-B14F-4D97-AF65-F5344CB8AC3E}">
+        <p14:creationId xmlns:p14="http://schemas.microsoft.com/office/powerpoint/2010/main" val="1841409729"/>
+      </p:ext>
+    </p:extLst>
+  </p:cSld>
+  <p:clrMapOvr>
+    <a:masterClrMapping/>
+  </p:clrMapOvr>
+  <mc:AlternateContent xmlns:mc="http://schemas.openxmlformats.org/markup-compatibility/2006" xmlns:p14="http://schemas.microsoft.com/office/powerpoint/2010/main">
+    <mc:Choice Requires="p14">
+      <p:transition p14:dur="0"/>
+    </mc:Choice>
+    <mc:Fallback xmlns="">
+      <p:transition/>
+    </mc:Fallback>
+  </mc:AlternateContent>
+  <p:timing>
+    <p:tnLst>
+      <p:par>
+        <p:cTn id="1" dur="indefinite" restart="never" nodeType="tmRoot"/>
+      </p:par>
+    </p:tnLst>
+  </p:timing>
+</p:sld>
+</file>
+
+<file path=ppt/slides/slide7.xml><?xml version="1.0" encoding="utf-8"?>
+<p:sld xmlns:a="http://schemas.openxmlformats.org/drawingml/2006/main" xmlns:r="http://schemas.openxmlformats.org/officeDocument/2006/relationships" xmlns:p="http://schemas.openxmlformats.org/presentationml/2006/main">
+  <p:cSld>
+    <p:spTree>
+      <p:nvGrpSpPr>
+        <p:cNvPr id="1" name=""/>
+        <p:cNvGrpSpPr/>
+        <p:nvPr/>
+      </p:nvGrpSpPr>
+      <p:grpSpPr>
+        <a:xfrm>
+          <a:off x="0" y="0"/>
+          <a:ext cx="0" cy="0"/>
+          <a:chOff x="0" y="0"/>
+          <a:chExt cx="0" cy="0"/>
+        </a:xfrm>
+      </p:grpSpPr>
+      <p:sp>
+        <p:nvSpPr>
+          <p:cNvPr id="3" name="Title 2"/>
+          <p:cNvSpPr>
+            <a:spLocks noGrp="1"/>
+          </p:cNvSpPr>
+          <p:nvPr>
+            <p:ph type="title"/>
+          </p:nvPr>
+        </p:nvSpPr>
+        <p:spPr>
+          <a:xfrm>
+            <a:off x="520565" y="229435"/>
+            <a:ext cx="11666674" cy="747702"/>
+          </a:xfrm>
+        </p:spPr>
+        <p:txBody>
+          <a:bodyPr/>
+          <a:lstStyle/>
+          <a:p>
+            <a:r>
+              <a:rPr lang="en-US" dirty="0" smtClean="0"/>
+              <a:t>App for Office Runtime Environment</a:t>
+            </a:r>
+            <a:endParaRPr lang="en-US" dirty="0"/>
+          </a:p>
+        </p:txBody>
+      </p:sp>
+      <p:sp>
+        <p:nvSpPr>
+          <p:cNvPr id="5" name="Content Placeholder 4"/>
+          <p:cNvSpPr>
+            <a:spLocks noGrp="1"/>
+          </p:cNvSpPr>
+          <p:nvPr>
+            <p:ph type="body" sz="quarter" idx="10"/>
+          </p:nvPr>
+        </p:nvSpPr>
+        <p:spPr/>
+        <p:txBody>
+          <a:bodyPr/>
+          <a:lstStyle/>
+          <a:p>
+            <a:r>
+              <a:rPr lang="en-US" sz="3599" dirty="0"/>
+              <a:t>Web Extensibility Framework (</a:t>
+            </a:r>
+            <a:r>
+              <a:rPr lang="en-US" sz="3599" dirty="0" smtClean="0"/>
+              <a:t>WEF</a:t>
+            </a:r>
+            <a:r>
+              <a:rPr lang="en-US" sz="3599" dirty="0"/>
+              <a:t>)</a:t>
+            </a:r>
+          </a:p>
+          <a:p>
+            <a:pPr lvl="1"/>
+            <a:r>
+              <a:rPr lang="en-US" sz="1999" dirty="0"/>
+              <a:t>Allows Web page content to render inside Office Application</a:t>
+            </a:r>
+          </a:p>
+          <a:p>
+            <a:pPr lvl="1"/>
+            <a:r>
+              <a:rPr lang="en-US" sz="1999" dirty="0"/>
+              <a:t>Allows Web page code to run within a set of constraints</a:t>
+            </a:r>
+          </a:p>
+          <a:p>
+            <a:pPr lvl="1"/>
+            <a:r>
+              <a:rPr lang="en-US" sz="1999" dirty="0"/>
+              <a:t>Allows Web page code to interact with Office documents</a:t>
+            </a:r>
+          </a:p>
+          <a:p>
+            <a:pPr lvl="1"/>
+            <a:r>
+              <a:rPr lang="en-US" sz="1999" dirty="0"/>
+              <a:t>Allows Web page code to interact with Exchange items</a:t>
+            </a:r>
+          </a:p>
+          <a:p>
+            <a:pPr lvl="1"/>
+            <a:endParaRPr lang="en-US" sz="1999" dirty="0"/>
+          </a:p>
+          <a:p>
+            <a:r>
+              <a:rPr lang="en-US" sz="3599" dirty="0"/>
+              <a:t>WEF </a:t>
+            </a:r>
+            <a:r>
+              <a:rPr lang="en-US" sz="3599" dirty="0" smtClean="0"/>
+              <a:t>provides runtime environment for Apps for Office</a:t>
+            </a:r>
+            <a:endParaRPr lang="en-US" sz="3599" b="1" dirty="0">
+              <a:solidFill>
+                <a:schemeClr val="bg2">
+                  <a:lumMod val="75000"/>
+                </a:schemeClr>
+              </a:solidFill>
+            </a:endParaRPr>
+          </a:p>
+          <a:p>
+            <a:pPr lvl="1"/>
+            <a:r>
+              <a:rPr lang="en-US" sz="1999" dirty="0"/>
+              <a:t>Apps for Office provide basis for a component architecture</a:t>
+            </a:r>
+          </a:p>
+          <a:p>
+            <a:pPr lvl="1"/>
+            <a:r>
+              <a:rPr lang="en-US" sz="1999" dirty="0"/>
+              <a:t>Apps for Office provide </a:t>
+            </a:r>
+            <a:r>
+              <a:rPr lang="en-US" sz="1999" dirty="0" smtClean="0"/>
+              <a:t>ability to publish to App Catalogs and/or Office Store</a:t>
+            </a:r>
+            <a:endParaRPr lang="en-US" sz="1999" dirty="0"/>
+          </a:p>
+          <a:p>
+            <a:pPr lvl="1"/>
+            <a:r>
+              <a:rPr lang="en-US" sz="1999" dirty="0"/>
+              <a:t>Apps for Office can be deployed in private networks</a:t>
+            </a:r>
+          </a:p>
+        </p:txBody>
+      </p:sp>
+    </p:spTree>
+    <p:extLst>
+      <p:ext uri="{BB962C8B-B14F-4D97-AF65-F5344CB8AC3E}">
+        <p14:creationId xmlns:p14="http://schemas.microsoft.com/office/powerpoint/2010/main" val="2496069545"/>
+      </p:ext>
+    </p:extLst>
+  </p:cSld>
+  <p:clrMapOvr>
+    <a:masterClrMapping/>
+  </p:clrMapOvr>
+  <mc:AlternateContent xmlns:mc="http://schemas.openxmlformats.org/markup-compatibility/2006" xmlns:p14="http://schemas.microsoft.com/office/powerpoint/2010/main">
+    <mc:Choice Requires="p14">
+      <p:transition p14:dur="0"/>
+    </mc:Choice>
+    <mc:Fallback xmlns="">
+      <p:transition/>
+    </mc:Fallback>
+  </mc:AlternateContent>
+  <p:timing>
+    <p:tnLst>
+      <p:par>
+        <p:cTn id="1" dur="indefinite" restart="never" nodeType="tmRoot"/>
+      </p:par>
+    </p:tnLst>
+  </p:timing>
+</p:sld>
+</file>
+
+<file path=ppt/slides/slide8.xml><?xml version="1.0" encoding="utf-8"?>
+<p:sld xmlns:a="http://schemas.openxmlformats.org/drawingml/2006/main" xmlns:r="http://schemas.openxmlformats.org/officeDocument/2006/relationships" xmlns:p="http://schemas.openxmlformats.org/presentationml/2006/main">
+  <p:cSld>
+    <p:spTree>
+      <p:nvGrpSpPr>
+        <p:cNvPr id="1" name=""/>
+        <p:cNvGrpSpPr/>
+        <p:nvPr/>
+      </p:nvGrpSpPr>
+      <p:grpSpPr>
+        <a:xfrm>
+          <a:off x="0" y="0"/>
+          <a:ext cx="0" cy="0"/>
+          <a:chOff x="0" y="0"/>
+          <a:chExt cx="0" cy="0"/>
+        </a:xfrm>
+      </p:grpSpPr>
+      <p:sp>
+        <p:nvSpPr>
+          <p:cNvPr id="3" name="Title 2"/>
+          <p:cNvSpPr>
+            <a:spLocks noGrp="1"/>
+          </p:cNvSpPr>
+          <p:nvPr>
+            <p:ph type="title"/>
+          </p:nvPr>
+        </p:nvSpPr>
+        <p:spPr/>
+        <p:txBody>
+          <a:bodyPr/>
+          <a:lstStyle/>
+          <a:p>
+            <a:r>
+              <a:rPr lang="en-US" dirty="0" smtClean="0"/>
+              <a:t>Anatomy </a:t>
+            </a:r>
+            <a:r>
+              <a:rPr lang="en-US" smtClean="0"/>
+              <a:t>of an </a:t>
+            </a:r>
+            <a:r>
+              <a:rPr lang="en-US" dirty="0" smtClean="0"/>
+              <a:t>App for Office</a:t>
+            </a:r>
+            <a:endParaRPr lang="en-US" dirty="0"/>
+          </a:p>
+        </p:txBody>
+      </p:sp>
+      <p:sp>
+        <p:nvSpPr>
+          <p:cNvPr id="5" name="Content Placeholder 4"/>
+          <p:cNvSpPr>
+            <a:spLocks noGrp="1"/>
+          </p:cNvSpPr>
+          <p:nvPr>
+            <p:ph type="body" sz="quarter" idx="10"/>
+          </p:nvPr>
+        </p:nvSpPr>
+        <p:spPr/>
+        <p:txBody>
+          <a:bodyPr/>
+          <a:lstStyle/>
+          <a:p>
+            <a:r>
+              <a:rPr lang="en-US" sz="3599" dirty="0"/>
+              <a:t>Each App for Office is based on XML-based manifest</a:t>
+            </a:r>
+          </a:p>
+          <a:p>
+            <a:pPr lvl="1"/>
+            <a:r>
+              <a:rPr lang="en-US" sz="1999" dirty="0"/>
+              <a:t>Manifest points to a Web page</a:t>
+            </a:r>
+          </a:p>
+          <a:p>
+            <a:pPr lvl="1"/>
+            <a:r>
+              <a:rPr lang="en-US" sz="1999" dirty="0"/>
+              <a:t>Manifest defines the type of the App for Office</a:t>
+            </a:r>
+          </a:p>
+          <a:p>
+            <a:pPr lvl="1"/>
+            <a:r>
+              <a:rPr lang="en-US" sz="1999" dirty="0"/>
+              <a:t>Manifest defines which Office applications it supports</a:t>
+            </a:r>
+          </a:p>
+          <a:p>
+            <a:pPr lvl="1"/>
+            <a:r>
+              <a:rPr lang="en-US" sz="1999" dirty="0"/>
+              <a:t>Manifest defines required capabilities</a:t>
+            </a:r>
+          </a:p>
+        </p:txBody>
+      </p:sp>
+      <p:grpSp>
+        <p:nvGrpSpPr>
+          <p:cNvPr id="8" name="Group 7"/>
+          <p:cNvGrpSpPr/>
+          <p:nvPr/>
+        </p:nvGrpSpPr>
+        <p:grpSpPr>
+          <a:xfrm>
+            <a:off x="2296070" y="3488761"/>
+            <a:ext cx="7596685" cy="2811349"/>
+            <a:chOff x="-204092" y="2267256"/>
+            <a:chExt cx="7598664" cy="2812081"/>
+          </a:xfrm>
+        </p:grpSpPr>
+        <p:pic>
+          <p:nvPicPr>
+            <p:cNvPr id="9" name="Picture 8"/>
+            <p:cNvPicPr>
+              <a:picLocks noChangeAspect="1"/>
+            </p:cNvPicPr>
+            <p:nvPr/>
+          </p:nvPicPr>
+          <p:blipFill>
+            <a:blip r:embed="rId3" cstate="print">
+              <a:duotone>
+                <a:schemeClr val="bg2">
+                  <a:shade val="45000"/>
+                  <a:satMod val="135000"/>
+                </a:schemeClr>
+                <a:prstClr val="white"/>
+              </a:duotone>
+              <a:extLst>
+                <a:ext uri="{28A0092B-C50C-407E-A947-70E740481C1C}">
+                  <a14:useLocalDpi xmlns:a14="http://schemas.microsoft.com/office/drawing/2010/main" val="0"/>
+                </a:ext>
+              </a:extLst>
+            </a:blip>
+            <a:stretch>
+              <a:fillRect/>
+            </a:stretch>
+          </p:blipFill>
+          <p:spPr>
+            <a:xfrm>
+              <a:off x="-204092" y="2744309"/>
+              <a:ext cx="4859653" cy="2095224"/>
+            </a:xfrm>
+            <a:prstGeom prst="rect">
+              <a:avLst/>
+            </a:prstGeom>
+          </p:spPr>
+        </p:pic>
+        <p:grpSp>
+          <p:nvGrpSpPr>
+            <p:cNvPr id="10" name="Group 9"/>
+            <p:cNvGrpSpPr/>
+            <p:nvPr/>
+          </p:nvGrpSpPr>
+          <p:grpSpPr>
+            <a:xfrm>
+              <a:off x="4496652" y="2698032"/>
+              <a:ext cx="2897920" cy="2381305"/>
+              <a:chOff x="8415338" y="3969071"/>
+              <a:chExt cx="3516163" cy="2594233"/>
+            </a:xfrm>
+          </p:grpSpPr>
+          <p:sp>
+            <p:nvSpPr>
+              <p:cNvPr id="21" name="Rectangle 20"/>
+              <p:cNvSpPr/>
+              <p:nvPr/>
+            </p:nvSpPr>
+            <p:spPr>
+              <a:xfrm>
+                <a:off x="8428642" y="3969071"/>
+                <a:ext cx="3502859" cy="2594233"/>
+              </a:xfrm>
+              <a:prstGeom prst="rect">
+                <a:avLst/>
+              </a:prstGeom>
+              <a:solidFill>
+                <a:srgbClr val="FFFFFF"/>
+              </a:solidFill>
+              <a:ln w="28575" cap="flat" cmpd="sng" algn="ctr">
+                <a:solidFill>
+                  <a:srgbClr val="262626">
+                    <a:lumMod val="40000"/>
+                    <a:lumOff val="60000"/>
+                  </a:srgbClr>
+                </a:solidFill>
+                <a:prstDash val="solid"/>
+              </a:ln>
+              <a:effectLst>
+                <a:outerShdw blurRad="50800" dist="38100" dir="2700000" algn="tl" rotWithShape="0">
+                  <a:prstClr val="black">
+                    <a:alpha val="40000"/>
+                  </a:prstClr>
+                </a:outerShdw>
+              </a:effectLst>
+            </p:spPr>
+            <p:txBody>
+              <a:bodyPr rtlCol="0" anchor="ctr"/>
+              <a:lstStyle/>
+              <a:p>
+                <a:pPr algn="ctr" defTabSz="760955"/>
+                <a:endParaRPr lang="en-US" sz="1500" kern="0">
+                  <a:solidFill>
+                    <a:srgbClr val="1B1B1B"/>
+                  </a:solidFill>
+                  <a:latin typeface="Segoe UI"/>
+                </a:endParaRPr>
+              </a:p>
+            </p:txBody>
+          </p:sp>
+          <p:sp>
+            <p:nvSpPr>
+              <p:cNvPr id="22" name="Rectangle 21"/>
+              <p:cNvSpPr/>
+              <p:nvPr/>
+            </p:nvSpPr>
+            <p:spPr>
+              <a:xfrm>
+                <a:off x="8415338" y="3969071"/>
+                <a:ext cx="3502859" cy="529025"/>
+              </a:xfrm>
+              <a:prstGeom prst="rect">
+                <a:avLst/>
+              </a:prstGeom>
+              <a:solidFill>
+                <a:srgbClr val="FFFFFF"/>
+              </a:solidFill>
+              <a:ln w="28575" cap="flat" cmpd="sng" algn="ctr">
+                <a:solidFill>
+                  <a:srgbClr val="262626">
+                    <a:lumMod val="40000"/>
+                    <a:lumOff val="60000"/>
+                  </a:srgbClr>
+                </a:solidFill>
+                <a:prstDash val="solid"/>
+              </a:ln>
+              <a:effectLst/>
+            </p:spPr>
+            <p:txBody>
+              <a:bodyPr rtlCol="0" anchor="ctr"/>
+              <a:lstStyle/>
+              <a:p>
+                <a:pPr algn="ctr" defTabSz="760955"/>
+                <a:endParaRPr lang="en-US" sz="1166" kern="0" dirty="0">
+                  <a:solidFill>
+                    <a:srgbClr val="262626">
+                      <a:lumMod val="60000"/>
+                      <a:lumOff val="40000"/>
+                    </a:srgbClr>
+                  </a:solidFill>
+                  <a:latin typeface="Segoe UI"/>
+                </a:endParaRPr>
+              </a:p>
+            </p:txBody>
+          </p:sp>
+        </p:grpSp>
+        <p:sp>
+          <p:nvSpPr>
+            <p:cNvPr id="11" name="Rectangle 10"/>
+            <p:cNvSpPr/>
+            <p:nvPr/>
+          </p:nvSpPr>
+          <p:spPr>
+            <a:xfrm>
+              <a:off x="702700" y="3651879"/>
+              <a:ext cx="1254847" cy="1004702"/>
+            </a:xfrm>
+            <a:prstGeom prst="rect">
+              <a:avLst/>
+            </a:prstGeom>
+            <a:solidFill>
+              <a:srgbClr val="FFFFFF"/>
+            </a:solidFill>
+            <a:ln w="28575" cap="flat" cmpd="sng" algn="ctr">
+              <a:solidFill>
+                <a:srgbClr val="595959"/>
+              </a:solidFill>
+              <a:prstDash val="solid"/>
+            </a:ln>
+            <a:effectLst/>
+          </p:spPr>
+          <p:txBody>
+            <a:bodyPr lIns="47566" tIns="23782" rIns="47566" bIns="23782" rtlCol="0" anchor="ctr"/>
+            <a:lstStyle/>
+            <a:p>
+              <a:pPr algn="ctr" defTabSz="760955"/>
+              <a:r>
+                <a:rPr lang="en-US" sz="1166" kern="0" dirty="0">
+                  <a:solidFill>
+                    <a:srgbClr val="1B1B1B"/>
+                  </a:solidFill>
+                  <a:latin typeface="Segoe UI"/>
+                </a:rPr>
+                <a:t>App for Office</a:t>
+              </a:r>
+            </a:p>
+            <a:p>
+              <a:pPr algn="ctr" defTabSz="760955"/>
+              <a:r>
+                <a:rPr lang="en-US" sz="1166" kern="0" dirty="0">
+                  <a:solidFill>
+                    <a:srgbClr val="1B1B1B"/>
+                  </a:solidFill>
+                  <a:latin typeface="Segoe UI"/>
+                </a:rPr>
+                <a:t>Manifest</a:t>
+              </a:r>
+            </a:p>
+            <a:p>
+              <a:pPr algn="ctr" defTabSz="760955"/>
+              <a:endParaRPr lang="en-US" sz="1166" kern="0" dirty="0">
+                <a:solidFill>
+                  <a:srgbClr val="1B1B1B"/>
+                </a:solidFill>
+                <a:latin typeface="Segoe UI"/>
+              </a:endParaRPr>
+            </a:p>
+            <a:p>
+              <a:pPr algn="ctr" defTabSz="760955"/>
+              <a:r>
+                <a:rPr lang="en-US" sz="833" b="1" kern="0" dirty="0">
+                  <a:solidFill>
+                    <a:srgbClr val="FF7401"/>
+                  </a:solidFill>
+                  <a:latin typeface="Segoe UI"/>
+                </a:rPr>
+                <a:t>&lt;XML&gt;</a:t>
+              </a:r>
+            </a:p>
+          </p:txBody>
+        </p:sp>
+        <p:sp>
+          <p:nvSpPr>
+            <p:cNvPr id="12" name="Rectangle 11"/>
+            <p:cNvSpPr/>
+            <p:nvPr/>
+          </p:nvSpPr>
+          <p:spPr>
+            <a:xfrm>
+              <a:off x="2512338" y="3643151"/>
+              <a:ext cx="1263048" cy="1004702"/>
+            </a:xfrm>
+            <a:prstGeom prst="rect">
+              <a:avLst/>
+            </a:prstGeom>
+            <a:solidFill>
+              <a:srgbClr val="FFFFFF"/>
+            </a:solidFill>
+            <a:ln w="28575" cap="flat" cmpd="sng" algn="ctr">
+              <a:solidFill>
+                <a:srgbClr val="595959"/>
+              </a:solidFill>
+              <a:prstDash val="solid"/>
+            </a:ln>
+            <a:effectLst/>
+          </p:spPr>
+          <p:txBody>
+            <a:bodyPr lIns="47566" tIns="23782" rIns="47566" bIns="23782" rtlCol="0" anchor="ctr"/>
+            <a:lstStyle/>
+            <a:p>
+              <a:pPr algn="ctr" defTabSz="760955"/>
+              <a:r>
+                <a:rPr lang="en-US" sz="1166" kern="0" dirty="0">
+                  <a:solidFill>
+                    <a:srgbClr val="1B1B1B"/>
+                  </a:solidFill>
+                  <a:latin typeface="Segoe UI"/>
+                </a:rPr>
+                <a:t>Web</a:t>
+              </a:r>
+            </a:p>
+            <a:p>
+              <a:pPr algn="ctr" defTabSz="760955"/>
+              <a:r>
+                <a:rPr lang="en-US" sz="1166" kern="0" dirty="0">
+                  <a:solidFill>
+                    <a:srgbClr val="1B1B1B"/>
+                  </a:solidFill>
+                  <a:latin typeface="Segoe UI"/>
+                </a:rPr>
+                <a:t>Page</a:t>
+              </a:r>
+            </a:p>
+            <a:p>
+              <a:pPr algn="ctr" defTabSz="760955"/>
+              <a:endParaRPr lang="en-US" sz="833" b="1" kern="0" dirty="0">
+                <a:solidFill>
+                  <a:srgbClr val="FF7401"/>
+                </a:solidFill>
+                <a:latin typeface="Segoe UI"/>
+              </a:endParaRPr>
+            </a:p>
+            <a:p>
+              <a:pPr algn="ctr" defTabSz="760955"/>
+              <a:r>
+                <a:rPr lang="en-US" sz="833" b="1" kern="0" dirty="0">
+                  <a:solidFill>
+                    <a:srgbClr val="FF7401"/>
+                  </a:solidFill>
+                  <a:latin typeface="Segoe UI"/>
+                </a:rPr>
+                <a:t>HTML+JS</a:t>
+              </a:r>
+            </a:p>
+          </p:txBody>
+        </p:sp>
+        <p:sp>
+          <p:nvSpPr>
+            <p:cNvPr id="13" name="Cross 12"/>
+            <p:cNvSpPr/>
+            <p:nvPr/>
+          </p:nvSpPr>
+          <p:spPr>
+            <a:xfrm>
+              <a:off x="2066282" y="3970428"/>
+              <a:ext cx="343078" cy="325209"/>
+            </a:xfrm>
+            <a:prstGeom prst="plus">
+              <a:avLst>
+                <a:gd name="adj" fmla="val 33488"/>
+              </a:avLst>
+            </a:prstGeom>
+            <a:solidFill>
+              <a:srgbClr val="595959"/>
+            </a:solidFill>
+            <a:ln w="28575" cap="flat" cmpd="sng" algn="ctr">
+              <a:noFill/>
+              <a:prstDash val="solid"/>
+            </a:ln>
+            <a:effectLst/>
+          </p:spPr>
+          <p:txBody>
+            <a:bodyPr lIns="47566" tIns="23782" rIns="47566" bIns="23782" rtlCol="0" anchor="ctr"/>
+            <a:lstStyle/>
+            <a:p>
+              <a:pPr algn="ctr" defTabSz="760955"/>
+              <a:endParaRPr lang="en-US" sz="1500" kern="0">
+                <a:solidFill>
+                  <a:srgbClr val="FFFFFF"/>
+                </a:solidFill>
+                <a:latin typeface="Segoe UI"/>
+              </a:endParaRPr>
+            </a:p>
+          </p:txBody>
+        </p:sp>
+        <p:sp>
+          <p:nvSpPr>
+            <p:cNvPr id="14" name="Equal 13"/>
+            <p:cNvSpPr/>
+            <p:nvPr/>
+          </p:nvSpPr>
+          <p:spPr>
+            <a:xfrm>
+              <a:off x="3906291" y="3931025"/>
+              <a:ext cx="500549" cy="342326"/>
+            </a:xfrm>
+            <a:prstGeom prst="mathEqual">
+              <a:avLst>
+                <a:gd name="adj1" fmla="val 14949"/>
+                <a:gd name="adj2" fmla="val 17475"/>
+              </a:avLst>
+            </a:prstGeom>
+            <a:solidFill>
+              <a:srgbClr val="595959"/>
+            </a:solidFill>
+            <a:ln w="28575" cap="flat" cmpd="sng" algn="ctr">
+              <a:solidFill>
+                <a:srgbClr val="595959"/>
+              </a:solidFill>
+              <a:prstDash val="solid"/>
+            </a:ln>
+            <a:effectLst/>
+          </p:spPr>
+          <p:txBody>
+            <a:bodyPr lIns="47566" tIns="23782" rIns="47566" bIns="23782" rtlCol="0" anchor="ctr"/>
+            <a:lstStyle/>
+            <a:p>
+              <a:pPr algn="ctr" defTabSz="760955"/>
+              <a:endParaRPr lang="en-US" sz="1500" kern="0">
+                <a:solidFill>
+                  <a:srgbClr val="1B1B1B"/>
+                </a:solidFill>
+                <a:latin typeface="Segoe UI"/>
+              </a:endParaRPr>
+            </a:p>
+          </p:txBody>
+        </p:sp>
+        <p:pic>
+          <p:nvPicPr>
+            <p:cNvPr id="15" name="Picture 14"/>
+            <p:cNvPicPr>
+              <a:picLocks noChangeAspect="1"/>
+            </p:cNvPicPr>
+            <p:nvPr/>
+          </p:nvPicPr>
+          <p:blipFill>
+            <a:blip r:embed="rId4" cstate="print">
+              <a:extLst>
+                <a:ext uri="{28A0092B-C50C-407E-A947-70E740481C1C}">
+                  <a14:useLocalDpi xmlns:a14="http://schemas.microsoft.com/office/drawing/2010/main" val="0"/>
+                </a:ext>
+              </a:extLst>
+            </a:blip>
+            <a:stretch>
+              <a:fillRect/>
+            </a:stretch>
+          </p:blipFill>
+          <p:spPr>
+            <a:xfrm>
+              <a:off x="2803761" y="2775126"/>
+              <a:ext cx="663059" cy="781743"/>
+            </a:xfrm>
+            <a:prstGeom prst="rect">
+              <a:avLst/>
+            </a:prstGeom>
+          </p:spPr>
+        </p:pic>
+        <p:pic>
+          <p:nvPicPr>
+            <p:cNvPr id="16" name="Picture 15"/>
+            <p:cNvPicPr>
+              <a:picLocks noChangeAspect="1"/>
+            </p:cNvPicPr>
+            <p:nvPr/>
+          </p:nvPicPr>
+          <p:blipFill>
+            <a:blip r:embed="rId5" cstate="print">
+              <a:extLst>
+                <a:ext uri="{28A0092B-C50C-407E-A947-70E740481C1C}">
+                  <a14:useLocalDpi xmlns:a14="http://schemas.microsoft.com/office/drawing/2010/main" val="0"/>
+                </a:ext>
+              </a:extLst>
+            </a:blip>
+            <a:stretch>
+              <a:fillRect/>
+            </a:stretch>
+          </p:blipFill>
+          <p:spPr>
+            <a:xfrm>
+              <a:off x="1006267" y="2739053"/>
+              <a:ext cx="676500" cy="799632"/>
+            </a:xfrm>
+            <a:prstGeom prst="rect">
+              <a:avLst/>
+            </a:prstGeom>
+          </p:spPr>
+        </p:pic>
+        <p:sp>
+          <p:nvSpPr>
+            <p:cNvPr id="17" name="TextBox 16"/>
+            <p:cNvSpPr txBox="1"/>
+            <p:nvPr/>
+          </p:nvSpPr>
+          <p:spPr>
+            <a:xfrm>
+              <a:off x="587206" y="2267256"/>
+              <a:ext cx="1645202" cy="435669"/>
+            </a:xfrm>
+            <a:prstGeom prst="rect">
+              <a:avLst/>
+            </a:prstGeom>
+            <a:noFill/>
+          </p:spPr>
+          <p:txBody>
+            <a:bodyPr wrap="square" lIns="76099" tIns="38045" rIns="76099" bIns="38045" rtlCol="0">
+              <a:spAutoFit/>
+            </a:bodyPr>
+            <a:lstStyle/>
+            <a:p>
+              <a:pPr algn="ctr" defTabSz="760955"/>
+              <a:r>
+                <a:rPr lang="en-US" sz="1166" kern="0" dirty="0">
+                  <a:solidFill>
+                    <a:srgbClr val="595959"/>
+                  </a:solidFill>
+                </a:rPr>
+                <a:t>App for Office </a:t>
+              </a:r>
+            </a:p>
+            <a:p>
+              <a:pPr algn="ctr" defTabSz="760955"/>
+              <a:r>
+                <a:rPr lang="en-US" sz="1166" kern="0" dirty="0">
+                  <a:solidFill>
+                    <a:srgbClr val="595959"/>
+                  </a:solidFill>
+                </a:rPr>
+                <a:t>Catalog Server</a:t>
+              </a:r>
+            </a:p>
+          </p:txBody>
+        </p:sp>
+        <p:sp>
+          <p:nvSpPr>
+            <p:cNvPr id="18" name="TextBox 17"/>
+            <p:cNvSpPr txBox="1"/>
+            <p:nvPr/>
+          </p:nvSpPr>
+          <p:spPr>
+            <a:xfrm>
+              <a:off x="2712836" y="2457706"/>
+              <a:ext cx="1360592" cy="256261"/>
+            </a:xfrm>
+            <a:prstGeom prst="rect">
+              <a:avLst/>
+            </a:prstGeom>
+            <a:noFill/>
+          </p:spPr>
+          <p:txBody>
+            <a:bodyPr wrap="square" lIns="76099" tIns="38045" rIns="76099" bIns="38045" rtlCol="0">
+              <a:spAutoFit/>
+            </a:bodyPr>
+            <a:lstStyle/>
+            <a:p>
+              <a:pPr defTabSz="760955"/>
+              <a:r>
+                <a:rPr lang="en-US" sz="1166" kern="0" dirty="0">
+                  <a:solidFill>
+                    <a:srgbClr val="595959"/>
+                  </a:solidFill>
+                </a:rPr>
+                <a:t>Web Server</a:t>
+              </a:r>
+            </a:p>
+          </p:txBody>
+        </p:sp>
+        <p:pic>
+          <p:nvPicPr>
+            <p:cNvPr id="19" name="Picture 18"/>
+            <p:cNvPicPr>
+              <a:picLocks noChangeAspect="1"/>
+            </p:cNvPicPr>
+            <p:nvPr/>
+          </p:nvPicPr>
+          <p:blipFill rotWithShape="1">
+            <a:blip r:embed="rId6" cstate="print">
+              <a:extLst>
+                <a:ext uri="{28A0092B-C50C-407E-A947-70E740481C1C}">
+                  <a14:useLocalDpi xmlns:a14="http://schemas.microsoft.com/office/drawing/2010/main" val="0"/>
+                </a:ext>
+              </a:extLst>
+            </a:blip>
+            <a:srcRect/>
+            <a:stretch/>
+          </p:blipFill>
+          <p:spPr>
+            <a:xfrm>
+              <a:off x="5299470" y="2735748"/>
+              <a:ext cx="1281318" cy="416356"/>
+            </a:xfrm>
+            <a:prstGeom prst="rect">
+              <a:avLst/>
+            </a:prstGeom>
+          </p:spPr>
+        </p:pic>
+        <p:sp>
+          <p:nvSpPr>
+            <p:cNvPr id="20" name="Rectangle 19"/>
+            <p:cNvSpPr/>
+            <p:nvPr/>
+          </p:nvSpPr>
+          <p:spPr>
+            <a:xfrm>
+              <a:off x="4910820" y="3300516"/>
+              <a:ext cx="2094863" cy="1471580"/>
+            </a:xfrm>
+            <a:prstGeom prst="rect">
+              <a:avLst/>
+            </a:prstGeom>
+            <a:ln w="19050">
+              <a:solidFill>
+                <a:srgbClr val="4D4D4D">
+                  <a:lumMod val="40000"/>
+                  <a:lumOff val="60000"/>
+                </a:srgbClr>
+              </a:solidFill>
+            </a:ln>
+          </p:spPr>
+          <p:txBody>
+            <a:bodyPr vert="horz" lIns="0" tIns="0" rIns="0" bIns="0" rtlCol="0" anchor="ctr">
+              <a:noAutofit/>
+            </a:bodyPr>
+            <a:lstStyle/>
+            <a:p>
+              <a:pPr algn="ctr" defTabSz="760955">
+                <a:spcBef>
+                  <a:spcPct val="20000"/>
+                </a:spcBef>
+              </a:pPr>
+              <a:r>
+                <a:rPr lang="en-US" sz="2332" kern="0" spc="-67" dirty="0">
+                  <a:solidFill>
+                    <a:srgbClr val="FF7401"/>
+                  </a:solidFill>
+                  <a:latin typeface="Segoe UI Light"/>
+                  <a:ea typeface="Segoe UI" pitchFamily="34" charset="0"/>
+                  <a:cs typeface="Segoe UI" pitchFamily="34" charset="0"/>
+                </a:rPr>
+                <a:t>App for Office</a:t>
+              </a:r>
+            </a:p>
+          </p:txBody>
+        </p:sp>
+      </p:grpSp>
+    </p:spTree>
+    <p:extLst>
+      <p:ext uri="{BB962C8B-B14F-4D97-AF65-F5344CB8AC3E}">
+        <p14:creationId xmlns:p14="http://schemas.microsoft.com/office/powerpoint/2010/main" val="941028999"/>
+      </p:ext>
+    </p:extLst>
+  </p:cSld>
+  <p:clrMapOvr>
+    <a:masterClrMapping/>
+  </p:clrMapOvr>
+  <mc:AlternateContent xmlns:mc="http://schemas.openxmlformats.org/markup-compatibility/2006" xmlns:p14="http://schemas.microsoft.com/office/powerpoint/2010/main">
+    <mc:Choice Requires="p14">
+      <p:transition p14:dur="0"/>
+    </mc:Choice>
+    <mc:Fallback xmlns="">
+      <p:transition/>
+    </mc:Fallback>
+  </mc:AlternateContent>
+  <p:timing>
+    <p:tnLst>
+      <p:par>
+        <p:cTn id="1" dur="indefinite" restart="never" nodeType="tmRoot"/>
+      </p:par>
+    </p:tnLst>
+  </p:timing>
+</p:sld>
+</file>
+
+<file path=ppt/slides/slide9.xml><?xml version="1.0" encoding="utf-8"?>
+<p:sld xmlns:a="http://schemas.openxmlformats.org/drawingml/2006/main" xmlns:r="http://schemas.openxmlformats.org/officeDocument/2006/relationships" xmlns:p="http://schemas.openxmlformats.org/presentationml/2006/main">
+  <p:cSld>
+    <p:spTree>
+      <p:nvGrpSpPr>
+        <p:cNvPr id="1" name=""/>
+        <p:cNvGrpSpPr/>
+        <p:nvPr/>
+      </p:nvGrpSpPr>
+      <p:grpSpPr>
+        <a:xfrm>
+          <a:off x="0" y="0"/>
+          <a:ext cx="0" cy="0"/>
+          <a:chOff x="0" y="0"/>
+          <a:chExt cx="0" cy="0"/>
+        </a:xfrm>
+      </p:grpSpPr>
+      <p:sp>
+        <p:nvSpPr>
+          <p:cNvPr id="2" name="Title 1"/>
+          <p:cNvSpPr>
+            <a:spLocks noGrp="1"/>
+          </p:cNvSpPr>
+          <p:nvPr>
+            <p:ph type="title"/>
+          </p:nvPr>
+        </p:nvSpPr>
+        <p:spPr/>
+        <p:txBody>
+          <a:bodyPr/>
+          <a:lstStyle/>
+          <a:p>
+            <a:r>
+              <a:rPr lang="en-US" dirty="0"/>
+              <a:t>Developing Apps for PowerPoint</a:t>
+            </a:r>
+          </a:p>
+        </p:txBody>
+      </p:sp>
+    </p:spTree>
+    <p:extLst>
+      <p:ext uri="{BB962C8B-B14F-4D97-AF65-F5344CB8AC3E}">
+        <p14:creationId xmlns:p14="http://schemas.microsoft.com/office/powerpoint/2010/main" val="3549133653"/>
+      </p:ext>
+    </p:extLst>
+  </p:cSld>
+  <p:clrMapOvr>
+    <a:masterClrMapping/>
+  </p:clrMapOvr>
+  <p:transition>
+    <p:fade/>
+  </p:transition>
 </p:sld>
 </file>
 
@@ -14349,21 +18347,6 @@
 </file>
 
 <file path=customXml/item1.xml><?xml version="1.0" encoding="utf-8"?>
-<?mso-contentType ?>
-<FormTemplates xmlns="http://schemas.microsoft.com/sharepoint/v3/contenttype/forms">
-  <Display>DocumentLibraryForm</Display>
-  <Edit>DocumentLibraryForm</Edit>
-  <New>DocumentLibraryForm</New>
-</FormTemplates>
-</file>
-
-<file path=customXml/item2.xml><?xml version="1.0" encoding="utf-8"?>
-<p:properties xmlns:p="http://schemas.microsoft.com/office/2006/metadata/properties" xmlns:xsi="http://www.w3.org/2001/XMLSchema-instance" xmlns:pc="http://schemas.microsoft.com/office/infopath/2007/PartnerControls">
-  <documentManagement/>
-</p:properties>
-</file>
-
-<file path=customXml/item3.xml><?xml version="1.0" encoding="utf-8"?>
 <ct:contentTypeSchema xmlns:ct="http://schemas.microsoft.com/office/2006/metadata/contentType" xmlns:ma="http://schemas.microsoft.com/office/2006/metadata/properties/metaAttributes" ct:_="" ma:_="" ma:contentTypeName="Document" ma:contentTypeID="0x010100A2E4C90AA7333249A7DBC8CC6F49919B" ma:contentTypeVersion="1" ma:contentTypeDescription="Create a new document." ma:contentTypeScope="" ma:versionID="e7b09f0f38d7ed30c7da14951e97abcc">
   <xsd:schema xmlns:xsd="http://www.w3.org/2001/XMLSchema" xmlns:xs="http://www.w3.org/2001/XMLSchema" xmlns:p="http://schemas.microsoft.com/office/2006/metadata/properties" xmlns:ns2="5fad15d0-477e-40da-a20d-40d4ca777cbd" targetNamespace="http://schemas.microsoft.com/office/2006/metadata/properties" ma:root="true" ma:fieldsID="0cee24db179c30c5ebec40b677cadf70" ns2:_="">
     <xsd:import namespace="5fad15d0-477e-40da-a20d-40d4ca777cbd"/>
@@ -14503,31 +18486,22 @@
 </ct:contentTypeSchema>
 </file>
 
-<file path=customXml/itemProps1.xml><?xml version="1.0" encoding="utf-8"?>
-<ds:datastoreItem xmlns:ds="http://schemas.openxmlformats.org/officeDocument/2006/customXml" ds:itemID="{E1E0CE18-CA03-4891-9CD8-3448778E3D53}">
-  <ds:schemaRefs>
-    <ds:schemaRef ds:uri="http://schemas.microsoft.com/sharepoint/v3/contenttype/forms"/>
-  </ds:schemaRefs>
-</ds:datastoreItem>
+<file path=customXml/item2.xml><?xml version="1.0" encoding="utf-8"?>
+<?mso-contentType ?>
+<FormTemplates xmlns="http://schemas.microsoft.com/sharepoint/v3/contenttype/forms">
+  <Display>DocumentLibraryForm</Display>
+  <Edit>DocumentLibraryForm</Edit>
+  <New>DocumentLibraryForm</New>
+</FormTemplates>
 </file>
 
-<file path=customXml/itemProps2.xml><?xml version="1.0" encoding="utf-8"?>
-<ds:datastoreItem xmlns:ds="http://schemas.openxmlformats.org/officeDocument/2006/customXml" ds:itemID="{DA593625-DB14-4FB0-B5A9-3269FA9C120B}">
-  <ds:schemaRefs>
-    <ds:schemaRef ds:uri="5fad15d0-477e-40da-a20d-40d4ca777cbd"/>
-    <ds:schemaRef ds:uri="http://schemas.microsoft.com/office/2006/documentManagement/types"/>
-    <ds:schemaRef ds:uri="http://purl.org/dc/elements/1.1/"/>
-    <ds:schemaRef ds:uri="http://www.w3.org/XML/1998/namespace"/>
-    <ds:schemaRef ds:uri="http://schemas.microsoft.com/office/2006/metadata/properties"/>
-    <ds:schemaRef ds:uri="http://schemas.openxmlformats.org/package/2006/metadata/core-properties"/>
-    <ds:schemaRef ds:uri="http://purl.org/dc/dcmitype/"/>
-    <ds:schemaRef ds:uri="http://schemas.microsoft.com/office/infopath/2007/PartnerControls"/>
-    <ds:schemaRef ds:uri="http://purl.org/dc/terms/"/>
-  </ds:schemaRefs>
-</ds:datastoreItem>
+<file path=customXml/item3.xml><?xml version="1.0" encoding="utf-8"?>
+<p:properties xmlns:p="http://schemas.microsoft.com/office/2006/metadata/properties" xmlns:xsi="http://www.w3.org/2001/XMLSchema-instance" xmlns:pc="http://schemas.microsoft.com/office/infopath/2007/PartnerControls">
+  <documentManagement/>
+</p:properties>
 </file>
 
-<file path=customXml/itemProps3.xml><?xml version="1.0" encoding="utf-8"?>
+<file path=customXml/itemProps1.xml><?xml version="1.0" encoding="utf-8"?>
 <ds:datastoreItem xmlns:ds="http://schemas.openxmlformats.org/officeDocument/2006/customXml" ds:itemID="{F17DCE38-6787-497B-B958-75817420EB1E}">
   <ds:schemaRefs>
     <ds:schemaRef ds:uri="http://schemas.microsoft.com/office/2006/metadata/contentType"/>
@@ -14543,4 +18517,28 @@
     <ds:schemaRef ds:uri="http://schemas.microsoft.com/internal/obd"/>
   </ds:schemaRefs>
 </ds:datastoreItem>
+</file>
+
+<file path=customXml/itemProps2.xml><?xml version="1.0" encoding="utf-8"?>
+<ds:datastoreItem xmlns:ds="http://schemas.openxmlformats.org/officeDocument/2006/customXml" ds:itemID="{E1E0CE18-CA03-4891-9CD8-3448778E3D53}">
+  <ds:schemaRefs>
+    <ds:schemaRef ds:uri="http://schemas.microsoft.com/sharepoint/v3/contenttype/forms"/>
+  </ds:schemaRefs>
+</ds:datastoreItem>
+</file>
+
+<file path=customXml/itemProps3.xml><?xml version="1.0" encoding="utf-8"?>
+<ds:datastoreItem xmlns:ds="http://schemas.openxmlformats.org/officeDocument/2006/customXml" ds:itemID="{DA593625-DB14-4FB0-B5A9-3269FA9C120B}">
+  <ds:schemaRefs>
+    <ds:schemaRef ds:uri="http://purl.org/dc/elements/1.1/"/>
+    <ds:schemaRef ds:uri="http://schemas.microsoft.com/office/2006/metadata/properties"/>
+    <ds:schemaRef ds:uri="http://schemas.microsoft.com/office/2006/documentManagement/types"/>
+    <ds:schemaRef ds:uri="http://purl.org/dc/dcmitype/"/>
+    <ds:schemaRef ds:uri="http://schemas.microsoft.com/office/infopath/2007/PartnerControls"/>
+    <ds:schemaRef ds:uri="5fad15d0-477e-40da-a20d-40d4ca777cbd"/>
+    <ds:schemaRef ds:uri="http://schemas.openxmlformats.org/package/2006/metadata/core-properties"/>
+    <ds:schemaRef ds:uri="http://www.w3.org/XML/1998/namespace"/>
+    <ds:schemaRef ds:uri="http://purl.org/dc/terms/"/>
+  </ds:schemaRefs>
+</ds:datastoreItem>
 </file>
--- a/O3652-3 Deep Dive Apps for Office in PowerPoint/O3652-3 Deep Dive into Apps for Office in PowerPoint.pptx
+++ b/O3652-3 Deep Dive Apps for Office in PowerPoint/O3652-3 Deep Dive into Apps for Office in PowerPoint.pptx
@@ -338,7 +338,7 @@
           <a:p>
             <a:fld id="{DE219B1A-AE41-483B-A766-69B9363DDA6A}" type="datetimeFigureOut">
               <a:rPr lang="en-US" smtClean="0"/>
-              <a:t>9/5/2014</a:t>
+              <a:t>9/12/2014</a:t>
             </a:fld>
             <a:endParaRPr lang="en-US"/>
           </a:p>
@@ -620,7 +620,7 @@
           <a:p>
             <a:fld id="{D51B1278-D92B-4AF3-A9C1-71DD298190CE}" type="datetimeFigureOut">
               <a:rPr lang="en-US" smtClean="0"/>
-              <a:t>9/5/2014</a:t>
+              <a:t>9/12/2014</a:t>
             </a:fld>
             <a:endParaRPr lang="en-US"/>
           </a:p>
@@ -1420,7 +1420,7 @@
           <a:p>
             <a:fld id="{0BB6559B-C68D-49B4-97AE-9BB74C417927}" type="datetime1">
               <a:rPr lang="en-US" smtClean="0"/>
-              <a:t>9/5/2014</a:t>
+              <a:t>9/12/2014</a:t>
             </a:fld>
             <a:endParaRPr lang="en-US"/>
           </a:p>
@@ -1581,7 +1581,7 @@
           <a:p>
             <a:fld id="{B079C3B8-7366-4A44-A34B-3977080C19E7}" type="datetime1">
               <a:rPr lang="en-US" smtClean="0"/>
-              <a:t>9/5/2014</a:t>
+              <a:t>9/12/2014</a:t>
             </a:fld>
             <a:endParaRPr lang="en-US" dirty="0"/>
           </a:p>
@@ -1768,7 +1768,7 @@
           <a:p>
             <a:fld id="{015232D4-6E30-4A26-A2CA-8531DCB72EA6}" type="datetime1">
               <a:rPr lang="en-US" smtClean="0"/>
-              <a:t>9/5/2014</a:t>
+              <a:t>9/12/2014</a:t>
             </a:fld>
             <a:endParaRPr lang="en-US"/>
           </a:p>
@@ -2148,7 +2148,7 @@
           <a:p>
             <a:fld id="{9FEEF74C-1007-402E-B0A6-22E0FEB3AB9E}" type="datetime1">
               <a:rPr lang="en-US" smtClean="0"/>
-              <a:t>9/5/2014</a:t>
+              <a:t>9/12/2014</a:t>
             </a:fld>
             <a:endParaRPr lang="en-US"/>
           </a:p>
@@ -2381,7 +2381,7 @@
           <a:p>
             <a:fld id="{0963315D-FADD-47D1-B04E-85DCA5AF53D6}" type="datetime1">
               <a:rPr lang="en-US" smtClean="0"/>
-              <a:t>9/5/2014</a:t>
+              <a:t>9/12/2014</a:t>
             </a:fld>
             <a:endParaRPr lang="en-US"/>
           </a:p>
@@ -2699,7 +2699,7 @@
           <a:p>
             <a:fld id="{F520EA6B-12B9-470C-8032-CF7B89111BB8}" type="datetime1">
               <a:rPr lang="en-US" smtClean="0"/>
-              <a:t>9/5/2014</a:t>
+              <a:t>9/12/2014</a:t>
             </a:fld>
             <a:endParaRPr lang="en-US"/>
           </a:p>
@@ -2921,7 +2921,7 @@
           <a:p>
             <a:fld id="{FC5F0E7A-DD5F-4903-B380-98FDBDD8F972}" type="datetime1">
               <a:rPr lang="en-US" smtClean="0"/>
-              <a:t>9/5/2014</a:t>
+              <a:t>9/12/2014</a:t>
             </a:fld>
             <a:endParaRPr lang="en-US"/>
           </a:p>
@@ -13654,11 +13654,7 @@
           <a:p>
             <a:r>
               <a:rPr lang="en-US" dirty="0" smtClean="0"/>
-              <a:t>Creating </a:t>
-            </a:r>
-            <a:r>
-              <a:rPr lang="en-US" dirty="0" smtClean="0"/>
-              <a:t>an Content App for PowerPoint</a:t>
+              <a:t>Creating an Content App for PowerPoint</a:t>
             </a:r>
             <a:endParaRPr lang="en-US" dirty="0"/>
           </a:p>
@@ -14255,7 +14251,7 @@
                 <a:gridCol w="11225057">
                   <a:extLst>
                     <a:ext uri="{9D8B030D-6E8A-4147-A177-3AD203B41FA5}">
-                      <a16:colId xmlns="" xmlns:a16="http://schemas.microsoft.com/office/drawing/2014/main" val="1253488153"/>
+                      <a16:colId xmlns:a16="http://schemas.microsoft.com/office/drawing/2014/main" xmlns="" val="1253488153"/>
                     </a:ext>
                   </a:extLst>
                 </a:gridCol>
@@ -14285,7 +14281,7 @@
                 </a:tc>
                 <a:extLst>
                   <a:ext uri="{0D108BD9-81ED-4DB2-BD59-A6C34878D82A}">
-                    <a16:rowId xmlns="" xmlns:a16="http://schemas.microsoft.com/office/drawing/2014/main" val="829859176"/>
+                    <a16:rowId xmlns:a16="http://schemas.microsoft.com/office/drawing/2014/main" xmlns="" val="829859176"/>
                   </a:ext>
                 </a:extLst>
               </a:tr>
@@ -14306,7 +14302,7 @@
                 </a:tc>
                 <a:extLst>
                   <a:ext uri="{0D108BD9-81ED-4DB2-BD59-A6C34878D82A}">
-                    <a16:rowId xmlns="" xmlns:a16="http://schemas.microsoft.com/office/drawing/2014/main" val="1946132611"/>
+                    <a16:rowId xmlns:a16="http://schemas.microsoft.com/office/drawing/2014/main" xmlns="" val="1946132611"/>
                   </a:ext>
                 </a:extLst>
               </a:tr>
@@ -14343,7 +14339,7 @@
                 </a:tc>
                 <a:extLst>
                   <a:ext uri="{0D108BD9-81ED-4DB2-BD59-A6C34878D82A}">
-                    <a16:rowId xmlns="" xmlns:a16="http://schemas.microsoft.com/office/drawing/2014/main" val="3204002662"/>
+                    <a16:rowId xmlns:a16="http://schemas.microsoft.com/office/drawing/2014/main" xmlns="" val="3204002662"/>
                   </a:ext>
                 </a:extLst>
               </a:tr>
@@ -14380,7 +14376,7 @@
                 </a:tc>
                 <a:extLst>
                   <a:ext uri="{0D108BD9-81ED-4DB2-BD59-A6C34878D82A}">
-                    <a16:rowId xmlns="" xmlns:a16="http://schemas.microsoft.com/office/drawing/2014/main" val="4266278162"/>
+                    <a16:rowId xmlns:a16="http://schemas.microsoft.com/office/drawing/2014/main" xmlns="" val="4266278162"/>
                   </a:ext>
                 </a:extLst>
               </a:tr>
@@ -14616,11 +14612,7 @@
           <a:p>
             <a:r>
               <a:rPr lang="en-US" dirty="0" smtClean="0"/>
-              <a:t>Creating </a:t>
-            </a:r>
-            <a:r>
-              <a:rPr lang="en-US" dirty="0" smtClean="0"/>
-              <a:t>a YouTube Video Player</a:t>
+              <a:t>Creating a YouTube Video Player</a:t>
             </a:r>
             <a:endParaRPr lang="en-US" dirty="0"/>
           </a:p>
@@ -15995,27 +15987,2163 @@
       </p:sp>
       <p:grpSp>
         <p:nvGrpSpPr>
-          <p:cNvPr id="4" name="Group 3"/>
+          <p:cNvPr id="10" name="Group 9"/>
           <p:cNvGrpSpPr/>
           <p:nvPr/>
         </p:nvGrpSpPr>
         <p:grpSpPr>
           <a:xfrm>
-            <a:off x="1074686" y="3535108"/>
-            <a:ext cx="9831548" cy="2548920"/>
-            <a:chOff x="659720" y="3937907"/>
-            <a:chExt cx="8670472" cy="2247900"/>
+            <a:off x="1116998" y="3491435"/>
+            <a:ext cx="9594435" cy="2442792"/>
+            <a:chOff x="1163890" y="3052077"/>
+            <a:chExt cx="9594435" cy="2442792"/>
           </a:xfrm>
         </p:grpSpPr>
+        <p:grpSp>
+          <p:nvGrpSpPr>
+            <p:cNvPr id="11" name="Group 10"/>
+            <p:cNvGrpSpPr/>
+            <p:nvPr/>
+          </p:nvGrpSpPr>
+          <p:grpSpPr>
+            <a:xfrm>
+              <a:off x="4502991" y="3113564"/>
+              <a:ext cx="2897920" cy="2381305"/>
+              <a:chOff x="8415338" y="3969071"/>
+              <a:chExt cx="3516163" cy="2594233"/>
+            </a:xfrm>
+          </p:grpSpPr>
+          <p:sp>
+            <p:nvSpPr>
+              <p:cNvPr id="61" name="Rectangle 60"/>
+              <p:cNvSpPr/>
+              <p:nvPr/>
+            </p:nvSpPr>
+            <p:spPr>
+              <a:xfrm>
+                <a:off x="8428642" y="3969071"/>
+                <a:ext cx="3502859" cy="2594233"/>
+              </a:xfrm>
+              <a:prstGeom prst="rect">
+                <a:avLst/>
+              </a:prstGeom>
+              <a:solidFill>
+                <a:srgbClr val="FFFFFF"/>
+              </a:solidFill>
+              <a:ln w="28575" cap="flat" cmpd="sng" algn="ctr">
+                <a:solidFill>
+                  <a:srgbClr val="262626">
+                    <a:lumMod val="40000"/>
+                    <a:lumOff val="60000"/>
+                  </a:srgbClr>
+                </a:solidFill>
+                <a:prstDash val="solid"/>
+              </a:ln>
+              <a:effectLst>
+                <a:outerShdw blurRad="50800" dist="38100" dir="2700000" algn="tl" rotWithShape="0">
+                  <a:prstClr val="black">
+                    <a:alpha val="40000"/>
+                  </a:prstClr>
+                </a:outerShdw>
+              </a:effectLst>
+            </p:spPr>
+            <p:txBody>
+              <a:bodyPr rtlCol="0" anchor="ctr"/>
+              <a:lstStyle/>
+              <a:p>
+                <a:pPr algn="ctr" defTabSz="761183"/>
+                <a:endParaRPr lang="en-US" sz="1500" kern="0">
+                  <a:solidFill>
+                    <a:srgbClr val="1B1B1B"/>
+                  </a:solidFill>
+                  <a:latin typeface="Segoe UI"/>
+                </a:endParaRPr>
+              </a:p>
+            </p:txBody>
+          </p:sp>
+          <p:sp>
+            <p:nvSpPr>
+              <p:cNvPr id="62" name="Rectangle 61"/>
+              <p:cNvSpPr/>
+              <p:nvPr/>
+            </p:nvSpPr>
+            <p:spPr>
+              <a:xfrm>
+                <a:off x="8415338" y="3969071"/>
+                <a:ext cx="3516163" cy="529025"/>
+              </a:xfrm>
+              <a:prstGeom prst="rect">
+                <a:avLst/>
+              </a:prstGeom>
+              <a:solidFill>
+                <a:srgbClr val="FFFFFF"/>
+              </a:solidFill>
+              <a:ln w="28575" cap="flat" cmpd="sng" algn="ctr">
+                <a:solidFill>
+                  <a:srgbClr val="262626">
+                    <a:lumMod val="40000"/>
+                    <a:lumOff val="60000"/>
+                  </a:srgbClr>
+                </a:solidFill>
+                <a:prstDash val="solid"/>
+              </a:ln>
+              <a:effectLst/>
+            </p:spPr>
+            <p:txBody>
+              <a:bodyPr rtlCol="0" anchor="ctr"/>
+              <a:lstStyle/>
+              <a:p>
+                <a:pPr algn="ctr" defTabSz="761183"/>
+                <a:r>
+                  <a:rPr lang="en-US" sz="1400" b="1" kern="0" dirty="0" smtClean="0">
+                    <a:solidFill>
+                      <a:schemeClr val="tx1">
+                        <a:lumMod val="50000"/>
+                        <a:lumOff val="50000"/>
+                      </a:schemeClr>
+                    </a:solidFill>
+                  </a:rPr>
+                  <a:t>Excel Application</a:t>
+                </a:r>
+                <a:endParaRPr lang="en-US" sz="1400" b="1" kern="0" dirty="0">
+                  <a:solidFill>
+                    <a:schemeClr val="tx1">
+                      <a:lumMod val="50000"/>
+                      <a:lumOff val="50000"/>
+                    </a:schemeClr>
+                  </a:solidFill>
+                </a:endParaRPr>
+              </a:p>
+            </p:txBody>
+          </p:sp>
+        </p:grpSp>
+        <p:grpSp>
+          <p:nvGrpSpPr>
+            <p:cNvPr id="12" name="Group 11"/>
+            <p:cNvGrpSpPr/>
+            <p:nvPr/>
+          </p:nvGrpSpPr>
+          <p:grpSpPr>
+            <a:xfrm>
+              <a:off x="1163890" y="3113564"/>
+              <a:ext cx="2897920" cy="2381305"/>
+              <a:chOff x="8415338" y="3969071"/>
+              <a:chExt cx="3516163" cy="2594233"/>
+            </a:xfrm>
+          </p:grpSpPr>
+          <p:sp>
+            <p:nvSpPr>
+              <p:cNvPr id="59" name="Rectangle 58"/>
+              <p:cNvSpPr/>
+              <p:nvPr/>
+            </p:nvSpPr>
+            <p:spPr>
+              <a:xfrm>
+                <a:off x="8428642" y="3969071"/>
+                <a:ext cx="3502859" cy="2594233"/>
+              </a:xfrm>
+              <a:prstGeom prst="rect">
+                <a:avLst/>
+              </a:prstGeom>
+              <a:solidFill>
+                <a:srgbClr val="FFFFFF"/>
+              </a:solidFill>
+              <a:ln w="28575" cap="flat" cmpd="sng" algn="ctr">
+                <a:solidFill>
+                  <a:srgbClr val="262626">
+                    <a:lumMod val="40000"/>
+                    <a:lumOff val="60000"/>
+                  </a:srgbClr>
+                </a:solidFill>
+                <a:prstDash val="solid"/>
+              </a:ln>
+              <a:effectLst>
+                <a:outerShdw blurRad="50800" dist="38100" dir="2700000" algn="tl" rotWithShape="0">
+                  <a:prstClr val="black">
+                    <a:alpha val="40000"/>
+                  </a:prstClr>
+                </a:outerShdw>
+              </a:effectLst>
+            </p:spPr>
+            <p:txBody>
+              <a:bodyPr rtlCol="0" anchor="ctr"/>
+              <a:lstStyle/>
+              <a:p>
+                <a:pPr algn="ctr" defTabSz="761183"/>
+                <a:endParaRPr lang="en-US" sz="1500" kern="0">
+                  <a:solidFill>
+                    <a:srgbClr val="1B1B1B"/>
+                  </a:solidFill>
+                  <a:latin typeface="Segoe UI"/>
+                </a:endParaRPr>
+              </a:p>
+            </p:txBody>
+          </p:sp>
+          <p:sp>
+            <p:nvSpPr>
+              <p:cNvPr id="60" name="Rectangle 59"/>
+              <p:cNvSpPr/>
+              <p:nvPr/>
+            </p:nvSpPr>
+            <p:spPr>
+              <a:xfrm>
+                <a:off x="8415338" y="3969071"/>
+                <a:ext cx="3516163" cy="529025"/>
+              </a:xfrm>
+              <a:prstGeom prst="rect">
+                <a:avLst/>
+              </a:prstGeom>
+              <a:solidFill>
+                <a:srgbClr val="FFFFFF"/>
+              </a:solidFill>
+              <a:ln w="28575" cap="flat" cmpd="sng" algn="ctr">
+                <a:solidFill>
+                  <a:srgbClr val="262626">
+                    <a:lumMod val="40000"/>
+                    <a:lumOff val="60000"/>
+                  </a:srgbClr>
+                </a:solidFill>
+                <a:prstDash val="solid"/>
+              </a:ln>
+              <a:effectLst/>
+            </p:spPr>
+            <p:txBody>
+              <a:bodyPr rtlCol="0" anchor="ctr"/>
+              <a:lstStyle/>
+              <a:p>
+                <a:pPr algn="ctr" defTabSz="761183"/>
+                <a:r>
+                  <a:rPr lang="en-US" sz="1400" b="1" kern="0" dirty="0" smtClean="0">
+                    <a:solidFill>
+                      <a:schemeClr val="tx1">
+                        <a:lumMod val="50000"/>
+                        <a:lumOff val="50000"/>
+                      </a:schemeClr>
+                    </a:solidFill>
+                    <a:latin typeface="Segoe UI"/>
+                  </a:rPr>
+                  <a:t>Word Application</a:t>
+                </a:r>
+                <a:endParaRPr lang="en-US" sz="1400" b="1" kern="0" dirty="0">
+                  <a:solidFill>
+                    <a:schemeClr val="tx1">
+                      <a:lumMod val="50000"/>
+                      <a:lumOff val="50000"/>
+                    </a:schemeClr>
+                  </a:solidFill>
+                  <a:latin typeface="Segoe UI"/>
+                </a:endParaRPr>
+              </a:p>
+            </p:txBody>
+          </p:sp>
+        </p:grpSp>
+        <p:sp>
+          <p:nvSpPr>
+            <p:cNvPr id="13" name="Rectangle 12"/>
+            <p:cNvSpPr/>
+            <p:nvPr/>
+          </p:nvSpPr>
+          <p:spPr>
+            <a:xfrm>
+              <a:off x="1253594" y="3686551"/>
+              <a:ext cx="1882896" cy="1716274"/>
+            </a:xfrm>
+            <a:prstGeom prst="rect">
+              <a:avLst/>
+            </a:prstGeom>
+            <a:ln w="19050">
+              <a:solidFill>
+                <a:srgbClr val="4D4D4D">
+                  <a:lumMod val="40000"/>
+                  <a:lumOff val="60000"/>
+                </a:srgbClr>
+              </a:solidFill>
+            </a:ln>
+          </p:spPr>
+          <p:txBody>
+            <a:bodyPr vert="horz" lIns="0" tIns="0" rIns="0" bIns="0" rtlCol="0" anchor="ctr">
+              <a:noAutofit/>
+            </a:bodyPr>
+            <a:lstStyle/>
+            <a:p>
+              <a:pPr algn="ctr" defTabSz="761183">
+                <a:spcBef>
+                  <a:spcPct val="20000"/>
+                </a:spcBef>
+              </a:pPr>
+              <a:r>
+                <a:rPr lang="en-US" sz="2000" kern="0" spc="-67" dirty="0" smtClean="0">
+                  <a:solidFill>
+                    <a:schemeClr val="tx2"/>
+                  </a:solidFill>
+                  <a:latin typeface="Segoe UI Light"/>
+                  <a:ea typeface="Segoe UI" pitchFamily="34" charset="0"/>
+                  <a:cs typeface="Segoe UI" pitchFamily="34" charset="0"/>
+                </a:rPr>
+                <a:t>Document</a:t>
+              </a:r>
+              <a:endParaRPr lang="en-US" sz="2000" kern="0" spc="-67" dirty="0">
+                <a:solidFill>
+                  <a:schemeClr val="tx2"/>
+                </a:solidFill>
+                <a:latin typeface="Segoe UI Light"/>
+                <a:ea typeface="Segoe UI" pitchFamily="34" charset="0"/>
+                <a:cs typeface="Segoe UI" pitchFamily="34" charset="0"/>
+              </a:endParaRPr>
+            </a:p>
+          </p:txBody>
+        </p:sp>
+        <p:grpSp>
+          <p:nvGrpSpPr>
+            <p:cNvPr id="14" name="Group 13"/>
+            <p:cNvGrpSpPr/>
+            <p:nvPr/>
+          </p:nvGrpSpPr>
+          <p:grpSpPr>
+            <a:xfrm>
+              <a:off x="7860405" y="3113563"/>
+              <a:ext cx="2897920" cy="2381305"/>
+              <a:chOff x="8415338" y="3969071"/>
+              <a:chExt cx="3516163" cy="2594233"/>
+            </a:xfrm>
+          </p:grpSpPr>
+          <p:sp>
+            <p:nvSpPr>
+              <p:cNvPr id="57" name="Rectangle 56"/>
+              <p:cNvSpPr/>
+              <p:nvPr/>
+            </p:nvSpPr>
+            <p:spPr>
+              <a:xfrm>
+                <a:off x="8428642" y="3969071"/>
+                <a:ext cx="3502859" cy="2594233"/>
+              </a:xfrm>
+              <a:prstGeom prst="rect">
+                <a:avLst/>
+              </a:prstGeom>
+              <a:solidFill>
+                <a:srgbClr val="FFFFFF"/>
+              </a:solidFill>
+              <a:ln w="28575" cap="flat" cmpd="sng" algn="ctr">
+                <a:solidFill>
+                  <a:srgbClr val="262626">
+                    <a:lumMod val="40000"/>
+                    <a:lumOff val="60000"/>
+                  </a:srgbClr>
+                </a:solidFill>
+                <a:prstDash val="solid"/>
+              </a:ln>
+              <a:effectLst>
+                <a:outerShdw blurRad="50800" dist="38100" dir="2700000" algn="tl" rotWithShape="0">
+                  <a:prstClr val="black">
+                    <a:alpha val="40000"/>
+                  </a:prstClr>
+                </a:outerShdw>
+              </a:effectLst>
+            </p:spPr>
+            <p:txBody>
+              <a:bodyPr rtlCol="0" anchor="ctr"/>
+              <a:lstStyle/>
+              <a:p>
+                <a:pPr algn="ctr" defTabSz="761183"/>
+                <a:endParaRPr lang="en-US" sz="1500" kern="0" dirty="0">
+                  <a:solidFill>
+                    <a:srgbClr val="1B1B1B"/>
+                  </a:solidFill>
+                  <a:latin typeface="Segoe UI"/>
+                </a:endParaRPr>
+              </a:p>
+            </p:txBody>
+          </p:sp>
+          <p:sp>
+            <p:nvSpPr>
+              <p:cNvPr id="58" name="Rectangle 57"/>
+              <p:cNvSpPr/>
+              <p:nvPr/>
+            </p:nvSpPr>
+            <p:spPr>
+              <a:xfrm>
+                <a:off x="8415338" y="3969071"/>
+                <a:ext cx="3516163" cy="529025"/>
+              </a:xfrm>
+              <a:prstGeom prst="rect">
+                <a:avLst/>
+              </a:prstGeom>
+              <a:solidFill>
+                <a:srgbClr val="FFFFFF"/>
+              </a:solidFill>
+              <a:ln w="28575" cap="flat" cmpd="sng" algn="ctr">
+                <a:solidFill>
+                  <a:srgbClr val="262626">
+                    <a:lumMod val="40000"/>
+                    <a:lumOff val="60000"/>
+                  </a:srgbClr>
+                </a:solidFill>
+                <a:prstDash val="solid"/>
+              </a:ln>
+              <a:effectLst/>
+            </p:spPr>
+            <p:txBody>
+              <a:bodyPr rtlCol="0" anchor="ctr"/>
+              <a:lstStyle/>
+              <a:p>
+                <a:pPr algn="ctr" defTabSz="761183"/>
+                <a:r>
+                  <a:rPr lang="en-US" sz="1400" b="1" kern="0" dirty="0" smtClean="0">
+                    <a:solidFill>
+                      <a:schemeClr val="tx1">
+                        <a:lumMod val="50000"/>
+                        <a:lumOff val="50000"/>
+                      </a:schemeClr>
+                    </a:solidFill>
+                  </a:rPr>
+                  <a:t>Outlook Application</a:t>
+                </a:r>
+                <a:endParaRPr lang="en-US" sz="1400" b="1" kern="0" dirty="0">
+                  <a:solidFill>
+                    <a:schemeClr val="tx1">
+                      <a:lumMod val="50000"/>
+                      <a:lumOff val="50000"/>
+                    </a:schemeClr>
+                  </a:solidFill>
+                </a:endParaRPr>
+              </a:p>
+            </p:txBody>
+          </p:sp>
+        </p:grpSp>
+        <p:sp>
+          <p:nvSpPr>
+            <p:cNvPr id="15" name="Rectangle 14"/>
+            <p:cNvSpPr/>
+            <p:nvPr/>
+          </p:nvSpPr>
+          <p:spPr>
+            <a:xfrm>
+              <a:off x="4630974" y="3686551"/>
+              <a:ext cx="2625231" cy="1716274"/>
+            </a:xfrm>
+            <a:prstGeom prst="rect">
+              <a:avLst/>
+            </a:prstGeom>
+            <a:ln w="19050">
+              <a:solidFill>
+                <a:srgbClr val="4D4D4D">
+                  <a:lumMod val="40000"/>
+                  <a:lumOff val="60000"/>
+                </a:srgbClr>
+              </a:solidFill>
+            </a:ln>
+          </p:spPr>
+          <p:txBody>
+            <a:bodyPr vert="horz" lIns="0" tIns="0" rIns="0" bIns="0" rtlCol="0" anchor="t">
+              <a:noAutofit/>
+            </a:bodyPr>
+            <a:lstStyle/>
+            <a:p>
+              <a:pPr algn="ctr" defTabSz="761183">
+                <a:spcBef>
+                  <a:spcPct val="20000"/>
+                </a:spcBef>
+              </a:pPr>
+              <a:r>
+                <a:rPr lang="en-US" sz="2000" kern="0" spc="-67" dirty="0" smtClean="0">
+                  <a:solidFill>
+                    <a:schemeClr val="tx2"/>
+                  </a:solidFill>
+                  <a:latin typeface="Segoe UI Light"/>
+                  <a:ea typeface="Segoe UI" pitchFamily="34" charset="0"/>
+                  <a:cs typeface="Segoe UI" pitchFamily="34" charset="0"/>
+                </a:rPr>
+                <a:t>Document</a:t>
+              </a:r>
+              <a:endParaRPr lang="en-US" sz="2000" kern="0" spc="-67" dirty="0">
+                <a:solidFill>
+                  <a:schemeClr val="tx2"/>
+                </a:solidFill>
+                <a:latin typeface="Segoe UI Light"/>
+                <a:ea typeface="Segoe UI" pitchFamily="34" charset="0"/>
+                <a:cs typeface="Segoe UI" pitchFamily="34" charset="0"/>
+              </a:endParaRPr>
+            </a:p>
+          </p:txBody>
+        </p:sp>
+        <p:sp>
+          <p:nvSpPr>
+            <p:cNvPr id="16" name="Rectangle 15"/>
+            <p:cNvSpPr/>
+            <p:nvPr/>
+          </p:nvSpPr>
+          <p:spPr>
+            <a:xfrm>
+              <a:off x="7996750" y="3686551"/>
+              <a:ext cx="1196412" cy="1716274"/>
+            </a:xfrm>
+            <a:prstGeom prst="rect">
+              <a:avLst/>
+            </a:prstGeom>
+            <a:ln w="19050">
+              <a:solidFill>
+                <a:srgbClr val="4D4D4D">
+                  <a:lumMod val="40000"/>
+                  <a:lumOff val="60000"/>
+                </a:srgbClr>
+              </a:solidFill>
+            </a:ln>
+          </p:spPr>
+          <p:txBody>
+            <a:bodyPr vert="horz" lIns="0" tIns="0" rIns="0" bIns="0" rtlCol="0" anchor="t">
+              <a:noAutofit/>
+            </a:bodyPr>
+            <a:lstStyle/>
+            <a:p>
+              <a:pPr algn="ctr" defTabSz="761183">
+                <a:spcBef>
+                  <a:spcPct val="20000"/>
+                </a:spcBef>
+              </a:pPr>
+              <a:r>
+                <a:rPr lang="en-US" sz="1400" kern="0" spc="-67" dirty="0" smtClean="0">
+                  <a:solidFill>
+                    <a:schemeClr val="tx2"/>
+                  </a:solidFill>
+                  <a:latin typeface="Segoe UI Light"/>
+                  <a:ea typeface="Segoe UI" pitchFamily="34" charset="0"/>
+                  <a:cs typeface="Segoe UI" pitchFamily="34" charset="0"/>
+                </a:rPr>
+                <a:t>Inbox</a:t>
+              </a:r>
+              <a:endParaRPr lang="en-US" sz="1400" kern="0" spc="-67" dirty="0">
+                <a:solidFill>
+                  <a:schemeClr val="tx2"/>
+                </a:solidFill>
+                <a:latin typeface="Segoe UI Light"/>
+                <a:ea typeface="Segoe UI" pitchFamily="34" charset="0"/>
+                <a:cs typeface="Segoe UI" pitchFamily="34" charset="0"/>
+              </a:endParaRPr>
+            </a:p>
+          </p:txBody>
+        </p:sp>
+        <p:sp>
+          <p:nvSpPr>
+            <p:cNvPr id="17" name="Rectangle 16"/>
+            <p:cNvSpPr/>
+            <p:nvPr/>
+          </p:nvSpPr>
+          <p:spPr>
+            <a:xfrm>
+              <a:off x="9306926" y="3686551"/>
+              <a:ext cx="1302080" cy="1716274"/>
+            </a:xfrm>
+            <a:prstGeom prst="rect">
+              <a:avLst/>
+            </a:prstGeom>
+            <a:ln w="19050">
+              <a:solidFill>
+                <a:srgbClr val="4D4D4D">
+                  <a:lumMod val="40000"/>
+                  <a:lumOff val="60000"/>
+                </a:srgbClr>
+              </a:solidFill>
+            </a:ln>
+          </p:spPr>
+          <p:txBody>
+            <a:bodyPr vert="horz" lIns="0" tIns="0" rIns="0" bIns="0" rtlCol="0" anchor="t">
+              <a:noAutofit/>
+            </a:bodyPr>
+            <a:lstStyle/>
+            <a:p>
+              <a:pPr algn="ctr" defTabSz="761183">
+                <a:spcBef>
+                  <a:spcPct val="20000"/>
+                </a:spcBef>
+              </a:pPr>
+              <a:r>
+                <a:rPr lang="en-US" sz="1400" kern="0" spc="-67" dirty="0" smtClean="0">
+                  <a:solidFill>
+                    <a:schemeClr val="tx2"/>
+                  </a:solidFill>
+                  <a:latin typeface="Segoe UI Light"/>
+                  <a:ea typeface="Segoe UI" pitchFamily="34" charset="0"/>
+                  <a:cs typeface="Segoe UI" pitchFamily="34" charset="0"/>
+                </a:rPr>
+                <a:t>Selected Message</a:t>
+              </a:r>
+              <a:endParaRPr lang="en-US" sz="1400" kern="0" spc="-67" dirty="0">
+                <a:solidFill>
+                  <a:schemeClr val="tx2"/>
+                </a:solidFill>
+                <a:latin typeface="Segoe UI Light"/>
+                <a:ea typeface="Segoe UI" pitchFamily="34" charset="0"/>
+                <a:cs typeface="Segoe UI" pitchFamily="34" charset="0"/>
+              </a:endParaRPr>
+            </a:p>
+          </p:txBody>
+        </p:sp>
+        <p:sp>
+          <p:nvSpPr>
+            <p:cNvPr id="18" name="Rectangle 17"/>
+            <p:cNvSpPr/>
+            <p:nvPr/>
+          </p:nvSpPr>
+          <p:spPr>
+            <a:xfrm>
+              <a:off x="3245742" y="3599166"/>
+              <a:ext cx="827033" cy="1895701"/>
+            </a:xfrm>
+            <a:prstGeom prst="rect">
+              <a:avLst/>
+            </a:prstGeom>
+            <a:gradFill>
+              <a:gsLst>
+                <a:gs pos="0">
+                  <a:schemeClr val="accent1">
+                    <a:lumMod val="5000"/>
+                    <a:lumOff val="95000"/>
+                  </a:schemeClr>
+                </a:gs>
+                <a:gs pos="74000">
+                  <a:schemeClr val="accent1">
+                    <a:lumMod val="45000"/>
+                    <a:lumOff val="55000"/>
+                  </a:schemeClr>
+                </a:gs>
+                <a:gs pos="83000">
+                  <a:schemeClr val="accent1">
+                    <a:lumMod val="45000"/>
+                    <a:lumOff val="55000"/>
+                  </a:schemeClr>
+                </a:gs>
+                <a:gs pos="100000">
+                  <a:schemeClr val="accent1">
+                    <a:lumMod val="30000"/>
+                    <a:lumOff val="70000"/>
+                  </a:schemeClr>
+                </a:gs>
+              </a:gsLst>
+              <a:lin ang="5400000" scaled="1"/>
+            </a:gradFill>
+            <a:ln w="19050">
+              <a:solidFill>
+                <a:srgbClr val="4D4D4D">
+                  <a:lumMod val="40000"/>
+                  <a:lumOff val="60000"/>
+                </a:srgbClr>
+              </a:solidFill>
+            </a:ln>
+          </p:spPr>
+          <p:txBody>
+            <a:bodyPr vert="horz" lIns="0" tIns="0" rIns="0" bIns="0" rtlCol="0" anchor="ctr">
+              <a:noAutofit/>
+            </a:bodyPr>
+            <a:lstStyle/>
+            <a:p>
+              <a:pPr algn="ctr" defTabSz="761183">
+                <a:spcBef>
+                  <a:spcPct val="20000"/>
+                </a:spcBef>
+              </a:pPr>
+              <a:r>
+                <a:rPr lang="en-US" sz="1400" kern="0" spc="-67" dirty="0" smtClean="0">
+                  <a:latin typeface="Segoe UI Light"/>
+                  <a:ea typeface="Segoe UI" pitchFamily="34" charset="0"/>
+                  <a:cs typeface="Segoe UI" pitchFamily="34" charset="0"/>
+                </a:rPr>
+                <a:t>Task Pane App</a:t>
+              </a:r>
+              <a:endParaRPr lang="en-US" sz="1400" kern="0" spc="-67" dirty="0">
+                <a:latin typeface="Segoe UI Light"/>
+                <a:ea typeface="Segoe UI" pitchFamily="34" charset="0"/>
+                <a:cs typeface="Segoe UI" pitchFamily="34" charset="0"/>
+              </a:endParaRPr>
+            </a:p>
+          </p:txBody>
+        </p:sp>
+        <p:sp>
+          <p:nvSpPr>
+            <p:cNvPr id="19" name="Rectangle 18"/>
+            <p:cNvSpPr/>
+            <p:nvPr/>
+          </p:nvSpPr>
+          <p:spPr>
+            <a:xfrm>
+              <a:off x="6217244" y="4705295"/>
+              <a:ext cx="930808" cy="613957"/>
+            </a:xfrm>
+            <a:prstGeom prst="rect">
+              <a:avLst/>
+            </a:prstGeom>
+            <a:gradFill>
+              <a:gsLst>
+                <a:gs pos="0">
+                  <a:schemeClr val="accent1">
+                    <a:lumMod val="5000"/>
+                    <a:lumOff val="95000"/>
+                  </a:schemeClr>
+                </a:gs>
+                <a:gs pos="74000">
+                  <a:schemeClr val="accent1">
+                    <a:lumMod val="45000"/>
+                    <a:lumOff val="55000"/>
+                  </a:schemeClr>
+                </a:gs>
+                <a:gs pos="83000">
+                  <a:schemeClr val="accent1">
+                    <a:lumMod val="45000"/>
+                    <a:lumOff val="55000"/>
+                  </a:schemeClr>
+                </a:gs>
+                <a:gs pos="100000">
+                  <a:schemeClr val="accent1">
+                    <a:lumMod val="30000"/>
+                    <a:lumOff val="70000"/>
+                  </a:schemeClr>
+                </a:gs>
+              </a:gsLst>
+              <a:lin ang="5400000" scaled="1"/>
+            </a:gradFill>
+            <a:ln w="19050">
+              <a:solidFill>
+                <a:srgbClr val="4D4D4D">
+                  <a:lumMod val="40000"/>
+                  <a:lumOff val="60000"/>
+                </a:srgbClr>
+              </a:solidFill>
+            </a:ln>
+          </p:spPr>
+          <p:txBody>
+            <a:bodyPr vert="horz" lIns="0" tIns="0" rIns="0" bIns="0" rtlCol="0" anchor="ctr">
+              <a:noAutofit/>
+            </a:bodyPr>
+            <a:lstStyle/>
+            <a:p>
+              <a:pPr algn="ctr" defTabSz="761183">
+                <a:spcBef>
+                  <a:spcPct val="20000"/>
+                </a:spcBef>
+              </a:pPr>
+              <a:r>
+                <a:rPr lang="en-US" sz="1400" kern="0" spc="-67" dirty="0" smtClean="0">
+                  <a:latin typeface="Segoe UI Light"/>
+                  <a:ea typeface="Segoe UI" pitchFamily="34" charset="0"/>
+                  <a:cs typeface="Segoe UI" pitchFamily="34" charset="0"/>
+                </a:rPr>
+                <a:t>Content </a:t>
+              </a:r>
+              <a:br>
+                <a:rPr lang="en-US" sz="1400" kern="0" spc="-67" dirty="0" smtClean="0">
+                  <a:latin typeface="Segoe UI Light"/>
+                  <a:ea typeface="Segoe UI" pitchFamily="34" charset="0"/>
+                  <a:cs typeface="Segoe UI" pitchFamily="34" charset="0"/>
+                </a:rPr>
+              </a:br>
+              <a:r>
+                <a:rPr lang="en-US" sz="1400" kern="0" spc="-67" dirty="0" smtClean="0">
+                  <a:latin typeface="Segoe UI Light"/>
+                  <a:ea typeface="Segoe UI" pitchFamily="34" charset="0"/>
+                  <a:cs typeface="Segoe UI" pitchFamily="34" charset="0"/>
+                </a:rPr>
+                <a:t>App</a:t>
+              </a:r>
+              <a:endParaRPr lang="en-US" sz="1400" kern="0" spc="-67" dirty="0">
+                <a:latin typeface="Segoe UI Light"/>
+                <a:ea typeface="Segoe UI" pitchFamily="34" charset="0"/>
+                <a:cs typeface="Segoe UI" pitchFamily="34" charset="0"/>
+              </a:endParaRPr>
+            </a:p>
+          </p:txBody>
+        </p:sp>
+        <p:sp>
+          <p:nvSpPr>
+            <p:cNvPr id="20" name="Rectangle 19"/>
+            <p:cNvSpPr/>
+            <p:nvPr/>
+          </p:nvSpPr>
+          <p:spPr>
+            <a:xfrm>
+              <a:off x="9418994" y="4168749"/>
+              <a:ext cx="1091689" cy="413084"/>
+            </a:xfrm>
+            <a:prstGeom prst="rect">
+              <a:avLst/>
+            </a:prstGeom>
+            <a:gradFill>
+              <a:gsLst>
+                <a:gs pos="0">
+                  <a:schemeClr val="accent1">
+                    <a:lumMod val="5000"/>
+                    <a:lumOff val="95000"/>
+                  </a:schemeClr>
+                </a:gs>
+                <a:gs pos="74000">
+                  <a:schemeClr val="accent1">
+                    <a:lumMod val="45000"/>
+                    <a:lumOff val="55000"/>
+                  </a:schemeClr>
+                </a:gs>
+                <a:gs pos="83000">
+                  <a:schemeClr val="accent1">
+                    <a:lumMod val="45000"/>
+                    <a:lumOff val="55000"/>
+                  </a:schemeClr>
+                </a:gs>
+                <a:gs pos="100000">
+                  <a:schemeClr val="accent1">
+                    <a:lumMod val="30000"/>
+                    <a:lumOff val="70000"/>
+                  </a:schemeClr>
+                </a:gs>
+              </a:gsLst>
+              <a:lin ang="5400000" scaled="1"/>
+            </a:gradFill>
+            <a:ln w="19050">
+              <a:solidFill>
+                <a:srgbClr val="4D4D4D">
+                  <a:lumMod val="40000"/>
+                  <a:lumOff val="60000"/>
+                </a:srgbClr>
+              </a:solidFill>
+            </a:ln>
+          </p:spPr>
+          <p:txBody>
+            <a:bodyPr vert="horz" lIns="0" tIns="0" rIns="0" bIns="0" rtlCol="0" anchor="ctr">
+              <a:noAutofit/>
+            </a:bodyPr>
+            <a:lstStyle/>
+            <a:p>
+              <a:pPr algn="ctr" defTabSz="761183">
+                <a:spcBef>
+                  <a:spcPct val="20000"/>
+                </a:spcBef>
+              </a:pPr>
+              <a:r>
+                <a:rPr lang="en-US" sz="1400" kern="0" spc="-67" dirty="0" smtClean="0">
+                  <a:latin typeface="Segoe UI Light"/>
+                  <a:ea typeface="Segoe UI" pitchFamily="34" charset="0"/>
+                  <a:cs typeface="Segoe UI" pitchFamily="34" charset="0"/>
+                </a:rPr>
+                <a:t>Mail App</a:t>
+              </a:r>
+              <a:endParaRPr lang="en-US" sz="1400" kern="0" spc="-67" dirty="0">
+                <a:latin typeface="Segoe UI Light"/>
+                <a:ea typeface="Segoe UI" pitchFamily="34" charset="0"/>
+                <a:cs typeface="Segoe UI" pitchFamily="34" charset="0"/>
+              </a:endParaRPr>
+            </a:p>
+          </p:txBody>
+        </p:sp>
+        <p:cxnSp>
+          <p:nvCxnSpPr>
+            <p:cNvPr id="21" name="Straight Connector 20"/>
+            <p:cNvCxnSpPr/>
+            <p:nvPr/>
+          </p:nvCxnSpPr>
+          <p:spPr>
+            <a:xfrm>
+              <a:off x="1337187" y="3836890"/>
+              <a:ext cx="1651819" cy="0"/>
+            </a:xfrm>
+            <a:prstGeom prst="line">
+              <a:avLst/>
+            </a:prstGeom>
+            <a:ln>
+              <a:solidFill>
+                <a:schemeClr val="bg1">
+                  <a:lumMod val="65000"/>
+                </a:schemeClr>
+              </a:solidFill>
+              <a:headEnd type="none"/>
+              <a:tailEnd type="none"/>
+            </a:ln>
+          </p:spPr>
+          <p:style>
+            <a:lnRef idx="1">
+              <a:schemeClr val="accent1"/>
+            </a:lnRef>
+            <a:fillRef idx="0">
+              <a:schemeClr val="accent1"/>
+            </a:fillRef>
+            <a:effectRef idx="0">
+              <a:schemeClr val="accent1"/>
+            </a:effectRef>
+            <a:fontRef idx="minor">
+              <a:schemeClr val="tx1"/>
+            </a:fontRef>
+          </p:style>
+        </p:cxnSp>
+        <p:cxnSp>
+          <p:nvCxnSpPr>
+            <p:cNvPr id="22" name="Straight Connector 21"/>
+            <p:cNvCxnSpPr/>
+            <p:nvPr/>
+          </p:nvCxnSpPr>
+          <p:spPr>
+            <a:xfrm>
+              <a:off x="1337187" y="3993019"/>
+              <a:ext cx="1651819" cy="0"/>
+            </a:xfrm>
+            <a:prstGeom prst="line">
+              <a:avLst/>
+            </a:prstGeom>
+            <a:ln>
+              <a:solidFill>
+                <a:schemeClr val="bg1">
+                  <a:lumMod val="65000"/>
+                </a:schemeClr>
+              </a:solidFill>
+              <a:headEnd type="none"/>
+              <a:tailEnd type="none"/>
+            </a:ln>
+          </p:spPr>
+          <p:style>
+            <a:lnRef idx="1">
+              <a:schemeClr val="accent1"/>
+            </a:lnRef>
+            <a:fillRef idx="0">
+              <a:schemeClr val="accent1"/>
+            </a:fillRef>
+            <a:effectRef idx="0">
+              <a:schemeClr val="accent1"/>
+            </a:effectRef>
+            <a:fontRef idx="minor">
+              <a:schemeClr val="tx1"/>
+            </a:fontRef>
+          </p:style>
+        </p:cxnSp>
+        <p:cxnSp>
+          <p:nvCxnSpPr>
+            <p:cNvPr id="23" name="Straight Connector 22"/>
+            <p:cNvCxnSpPr/>
+            <p:nvPr/>
+          </p:nvCxnSpPr>
+          <p:spPr>
+            <a:xfrm>
+              <a:off x="1337187" y="4155251"/>
+              <a:ext cx="1651819" cy="0"/>
+            </a:xfrm>
+            <a:prstGeom prst="line">
+              <a:avLst/>
+            </a:prstGeom>
+            <a:ln>
+              <a:solidFill>
+                <a:schemeClr val="bg1">
+                  <a:lumMod val="65000"/>
+                </a:schemeClr>
+              </a:solidFill>
+              <a:headEnd type="none"/>
+              <a:tailEnd type="none"/>
+            </a:ln>
+          </p:spPr>
+          <p:style>
+            <a:lnRef idx="1">
+              <a:schemeClr val="accent1"/>
+            </a:lnRef>
+            <a:fillRef idx="0">
+              <a:schemeClr val="accent1"/>
+            </a:fillRef>
+            <a:effectRef idx="0">
+              <a:schemeClr val="accent1"/>
+            </a:effectRef>
+            <a:fontRef idx="minor">
+              <a:schemeClr val="tx1"/>
+            </a:fontRef>
+          </p:style>
+        </p:cxnSp>
+        <p:cxnSp>
+          <p:nvCxnSpPr>
+            <p:cNvPr id="24" name="Straight Connector 23"/>
+            <p:cNvCxnSpPr/>
+            <p:nvPr/>
+          </p:nvCxnSpPr>
+          <p:spPr>
+            <a:xfrm>
+              <a:off x="1337187" y="4337147"/>
+              <a:ext cx="1651819" cy="0"/>
+            </a:xfrm>
+            <a:prstGeom prst="line">
+              <a:avLst/>
+            </a:prstGeom>
+            <a:ln>
+              <a:solidFill>
+                <a:schemeClr val="bg1">
+                  <a:lumMod val="65000"/>
+                </a:schemeClr>
+              </a:solidFill>
+              <a:headEnd type="none"/>
+              <a:tailEnd type="none"/>
+            </a:ln>
+          </p:spPr>
+          <p:style>
+            <a:lnRef idx="1">
+              <a:schemeClr val="accent1"/>
+            </a:lnRef>
+            <a:fillRef idx="0">
+              <a:schemeClr val="accent1"/>
+            </a:fillRef>
+            <a:effectRef idx="0">
+              <a:schemeClr val="accent1"/>
+            </a:effectRef>
+            <a:fontRef idx="minor">
+              <a:schemeClr val="tx1"/>
+            </a:fontRef>
+          </p:style>
+        </p:cxnSp>
+        <p:cxnSp>
+          <p:nvCxnSpPr>
+            <p:cNvPr id="25" name="Straight Connector 24"/>
+            <p:cNvCxnSpPr/>
+            <p:nvPr/>
+          </p:nvCxnSpPr>
+          <p:spPr>
+            <a:xfrm>
+              <a:off x="1337187" y="4705295"/>
+              <a:ext cx="1651819" cy="0"/>
+            </a:xfrm>
+            <a:prstGeom prst="line">
+              <a:avLst/>
+            </a:prstGeom>
+            <a:ln>
+              <a:solidFill>
+                <a:schemeClr val="bg1">
+                  <a:lumMod val="65000"/>
+                </a:schemeClr>
+              </a:solidFill>
+              <a:headEnd type="none"/>
+              <a:tailEnd type="none"/>
+            </a:ln>
+          </p:spPr>
+          <p:style>
+            <a:lnRef idx="1">
+              <a:schemeClr val="accent1"/>
+            </a:lnRef>
+            <a:fillRef idx="0">
+              <a:schemeClr val="accent1"/>
+            </a:fillRef>
+            <a:effectRef idx="0">
+              <a:schemeClr val="accent1"/>
+            </a:effectRef>
+            <a:fontRef idx="minor">
+              <a:schemeClr val="tx1"/>
+            </a:fontRef>
+          </p:style>
+        </p:cxnSp>
+        <p:cxnSp>
+          <p:nvCxnSpPr>
+            <p:cNvPr id="26" name="Straight Connector 25"/>
+            <p:cNvCxnSpPr/>
+            <p:nvPr/>
+          </p:nvCxnSpPr>
+          <p:spPr>
+            <a:xfrm>
+              <a:off x="1337187" y="4897024"/>
+              <a:ext cx="1651819" cy="0"/>
+            </a:xfrm>
+            <a:prstGeom prst="line">
+              <a:avLst/>
+            </a:prstGeom>
+            <a:ln>
+              <a:solidFill>
+                <a:schemeClr val="bg1">
+                  <a:lumMod val="65000"/>
+                </a:schemeClr>
+              </a:solidFill>
+              <a:headEnd type="none"/>
+              <a:tailEnd type="none"/>
+            </a:ln>
+          </p:spPr>
+          <p:style>
+            <a:lnRef idx="1">
+              <a:schemeClr val="accent1"/>
+            </a:lnRef>
+            <a:fillRef idx="0">
+              <a:schemeClr val="accent1"/>
+            </a:fillRef>
+            <a:effectRef idx="0">
+              <a:schemeClr val="accent1"/>
+            </a:effectRef>
+            <a:fontRef idx="minor">
+              <a:schemeClr val="tx1"/>
+            </a:fontRef>
+          </p:style>
+        </p:cxnSp>
+        <p:cxnSp>
+          <p:nvCxnSpPr>
+            <p:cNvPr id="27" name="Straight Connector 26"/>
+            <p:cNvCxnSpPr/>
+            <p:nvPr/>
+          </p:nvCxnSpPr>
+          <p:spPr>
+            <a:xfrm>
+              <a:off x="1337187" y="5078921"/>
+              <a:ext cx="1651819" cy="0"/>
+            </a:xfrm>
+            <a:prstGeom prst="line">
+              <a:avLst/>
+            </a:prstGeom>
+            <a:ln>
+              <a:solidFill>
+                <a:schemeClr val="bg1">
+                  <a:lumMod val="65000"/>
+                </a:schemeClr>
+              </a:solidFill>
+              <a:headEnd type="none"/>
+              <a:tailEnd type="none"/>
+            </a:ln>
+          </p:spPr>
+          <p:style>
+            <a:lnRef idx="1">
+              <a:schemeClr val="accent1"/>
+            </a:lnRef>
+            <a:fillRef idx="0">
+              <a:schemeClr val="accent1"/>
+            </a:fillRef>
+            <a:effectRef idx="0">
+              <a:schemeClr val="accent1"/>
+            </a:effectRef>
+            <a:fontRef idx="minor">
+              <a:schemeClr val="tx1"/>
+            </a:fontRef>
+          </p:style>
+        </p:cxnSp>
+        <p:cxnSp>
+          <p:nvCxnSpPr>
+            <p:cNvPr id="28" name="Straight Connector 27"/>
+            <p:cNvCxnSpPr/>
+            <p:nvPr/>
+          </p:nvCxnSpPr>
+          <p:spPr>
+            <a:xfrm>
+              <a:off x="1337187" y="5241153"/>
+              <a:ext cx="1651819" cy="0"/>
+            </a:xfrm>
+            <a:prstGeom prst="line">
+              <a:avLst/>
+            </a:prstGeom>
+            <a:ln>
+              <a:solidFill>
+                <a:schemeClr val="bg1">
+                  <a:lumMod val="65000"/>
+                </a:schemeClr>
+              </a:solidFill>
+              <a:headEnd type="none"/>
+              <a:tailEnd type="none"/>
+            </a:ln>
+          </p:spPr>
+          <p:style>
+            <a:lnRef idx="1">
+              <a:schemeClr val="accent1"/>
+            </a:lnRef>
+            <a:fillRef idx="0">
+              <a:schemeClr val="accent1"/>
+            </a:fillRef>
+            <a:effectRef idx="0">
+              <a:schemeClr val="accent1"/>
+            </a:effectRef>
+            <a:fontRef idx="minor">
+              <a:schemeClr val="tx1"/>
+            </a:fontRef>
+          </p:style>
+        </p:cxnSp>
+        <p:cxnSp>
+          <p:nvCxnSpPr>
+            <p:cNvPr id="29" name="Straight Connector 28"/>
+            <p:cNvCxnSpPr/>
+            <p:nvPr/>
+          </p:nvCxnSpPr>
+          <p:spPr>
+            <a:xfrm>
+              <a:off x="4768645" y="3993019"/>
+              <a:ext cx="2379407" cy="0"/>
+            </a:xfrm>
+            <a:prstGeom prst="line">
+              <a:avLst/>
+            </a:prstGeom>
+            <a:ln>
+              <a:solidFill>
+                <a:schemeClr val="bg1">
+                  <a:lumMod val="65000"/>
+                </a:schemeClr>
+              </a:solidFill>
+              <a:headEnd type="none"/>
+              <a:tailEnd type="none"/>
+            </a:ln>
+          </p:spPr>
+          <p:style>
+            <a:lnRef idx="1">
+              <a:schemeClr val="accent1"/>
+            </a:lnRef>
+            <a:fillRef idx="0">
+              <a:schemeClr val="accent1"/>
+            </a:fillRef>
+            <a:effectRef idx="0">
+              <a:schemeClr val="accent1"/>
+            </a:effectRef>
+            <a:fontRef idx="minor">
+              <a:schemeClr val="tx1"/>
+            </a:fontRef>
+          </p:style>
+        </p:cxnSp>
+        <p:cxnSp>
+          <p:nvCxnSpPr>
+            <p:cNvPr id="30" name="Straight Connector 29"/>
+            <p:cNvCxnSpPr/>
+            <p:nvPr/>
+          </p:nvCxnSpPr>
+          <p:spPr>
+            <a:xfrm>
+              <a:off x="4768645" y="4155251"/>
+              <a:ext cx="2379407" cy="0"/>
+            </a:xfrm>
+            <a:prstGeom prst="line">
+              <a:avLst/>
+            </a:prstGeom>
+            <a:ln>
+              <a:solidFill>
+                <a:schemeClr val="bg1">
+                  <a:lumMod val="65000"/>
+                </a:schemeClr>
+              </a:solidFill>
+              <a:headEnd type="none"/>
+              <a:tailEnd type="none"/>
+            </a:ln>
+          </p:spPr>
+          <p:style>
+            <a:lnRef idx="1">
+              <a:schemeClr val="accent1"/>
+            </a:lnRef>
+            <a:fillRef idx="0">
+              <a:schemeClr val="accent1"/>
+            </a:fillRef>
+            <a:effectRef idx="0">
+              <a:schemeClr val="accent1"/>
+            </a:effectRef>
+            <a:fontRef idx="minor">
+              <a:schemeClr val="tx1"/>
+            </a:fontRef>
+          </p:style>
+        </p:cxnSp>
+        <p:cxnSp>
+          <p:nvCxnSpPr>
+            <p:cNvPr id="31" name="Straight Connector 30"/>
+            <p:cNvCxnSpPr/>
+            <p:nvPr/>
+          </p:nvCxnSpPr>
+          <p:spPr>
+            <a:xfrm>
+              <a:off x="4768645" y="4337147"/>
+              <a:ext cx="2379407" cy="0"/>
+            </a:xfrm>
+            <a:prstGeom prst="line">
+              <a:avLst/>
+            </a:prstGeom>
+            <a:ln>
+              <a:solidFill>
+                <a:schemeClr val="bg1">
+                  <a:lumMod val="65000"/>
+                </a:schemeClr>
+              </a:solidFill>
+              <a:headEnd type="none"/>
+              <a:tailEnd type="none"/>
+            </a:ln>
+          </p:spPr>
+          <p:style>
+            <a:lnRef idx="1">
+              <a:schemeClr val="accent1"/>
+            </a:lnRef>
+            <a:fillRef idx="0">
+              <a:schemeClr val="accent1"/>
+            </a:fillRef>
+            <a:effectRef idx="0">
+              <a:schemeClr val="accent1"/>
+            </a:effectRef>
+            <a:fontRef idx="minor">
+              <a:schemeClr val="tx1"/>
+            </a:fontRef>
+          </p:style>
+        </p:cxnSp>
+        <p:cxnSp>
+          <p:nvCxnSpPr>
+            <p:cNvPr id="32" name="Straight Connector 31"/>
+            <p:cNvCxnSpPr/>
+            <p:nvPr/>
+          </p:nvCxnSpPr>
+          <p:spPr>
+            <a:xfrm>
+              <a:off x="4768645" y="4484631"/>
+              <a:ext cx="2379407" cy="0"/>
+            </a:xfrm>
+            <a:prstGeom prst="line">
+              <a:avLst/>
+            </a:prstGeom>
+            <a:ln>
+              <a:solidFill>
+                <a:schemeClr val="bg1">
+                  <a:lumMod val="65000"/>
+                </a:schemeClr>
+              </a:solidFill>
+              <a:headEnd type="none"/>
+              <a:tailEnd type="none"/>
+            </a:ln>
+          </p:spPr>
+          <p:style>
+            <a:lnRef idx="1">
+              <a:schemeClr val="accent1"/>
+            </a:lnRef>
+            <a:fillRef idx="0">
+              <a:schemeClr val="accent1"/>
+            </a:fillRef>
+            <a:effectRef idx="0">
+              <a:schemeClr val="accent1"/>
+            </a:effectRef>
+            <a:fontRef idx="minor">
+              <a:schemeClr val="tx1"/>
+            </a:fontRef>
+          </p:style>
+        </p:cxnSp>
+        <p:cxnSp>
+          <p:nvCxnSpPr>
+            <p:cNvPr id="33" name="Straight Connector 32"/>
+            <p:cNvCxnSpPr/>
+            <p:nvPr/>
+          </p:nvCxnSpPr>
+          <p:spPr>
+            <a:xfrm>
+              <a:off x="4768645" y="4640825"/>
+              <a:ext cx="2379407" cy="0"/>
+            </a:xfrm>
+            <a:prstGeom prst="line">
+              <a:avLst/>
+            </a:prstGeom>
+            <a:ln>
+              <a:solidFill>
+                <a:schemeClr val="bg1">
+                  <a:lumMod val="65000"/>
+                </a:schemeClr>
+              </a:solidFill>
+              <a:headEnd type="none"/>
+              <a:tailEnd type="none"/>
+            </a:ln>
+          </p:spPr>
+          <p:style>
+            <a:lnRef idx="1">
+              <a:schemeClr val="accent1"/>
+            </a:lnRef>
+            <a:fillRef idx="0">
+              <a:schemeClr val="accent1"/>
+            </a:fillRef>
+            <a:effectRef idx="0">
+              <a:schemeClr val="accent1"/>
+            </a:effectRef>
+            <a:fontRef idx="minor">
+              <a:schemeClr val="tx1"/>
+            </a:fontRef>
+          </p:style>
+        </p:cxnSp>
+        <p:cxnSp>
+          <p:nvCxnSpPr>
+            <p:cNvPr id="34" name="Straight Connector 33"/>
+            <p:cNvCxnSpPr/>
+            <p:nvPr/>
+          </p:nvCxnSpPr>
+          <p:spPr>
+            <a:xfrm>
+              <a:off x="4768645" y="4804179"/>
+              <a:ext cx="1337187" cy="13627"/>
+            </a:xfrm>
+            <a:prstGeom prst="line">
+              <a:avLst/>
+            </a:prstGeom>
+            <a:ln>
+              <a:solidFill>
+                <a:schemeClr val="bg1">
+                  <a:lumMod val="65000"/>
+                </a:schemeClr>
+              </a:solidFill>
+              <a:headEnd type="none"/>
+              <a:tailEnd type="none"/>
+            </a:ln>
+          </p:spPr>
+          <p:style>
+            <a:lnRef idx="1">
+              <a:schemeClr val="accent1"/>
+            </a:lnRef>
+            <a:fillRef idx="0">
+              <a:schemeClr val="accent1"/>
+            </a:fillRef>
+            <a:effectRef idx="0">
+              <a:schemeClr val="accent1"/>
+            </a:effectRef>
+            <a:fontRef idx="minor">
+              <a:schemeClr val="tx1"/>
+            </a:fontRef>
+          </p:style>
+        </p:cxnSp>
+        <p:cxnSp>
+          <p:nvCxnSpPr>
+            <p:cNvPr id="35" name="Straight Connector 34"/>
+            <p:cNvCxnSpPr/>
+            <p:nvPr/>
+          </p:nvCxnSpPr>
+          <p:spPr>
+            <a:xfrm>
+              <a:off x="4766293" y="4963243"/>
+              <a:ext cx="1337187" cy="13627"/>
+            </a:xfrm>
+            <a:prstGeom prst="line">
+              <a:avLst/>
+            </a:prstGeom>
+            <a:ln>
+              <a:solidFill>
+                <a:schemeClr val="bg1">
+                  <a:lumMod val="65000"/>
+                </a:schemeClr>
+              </a:solidFill>
+              <a:headEnd type="none"/>
+              <a:tailEnd type="none"/>
+            </a:ln>
+          </p:spPr>
+          <p:style>
+            <a:lnRef idx="1">
+              <a:schemeClr val="accent1"/>
+            </a:lnRef>
+            <a:fillRef idx="0">
+              <a:schemeClr val="accent1"/>
+            </a:fillRef>
+            <a:effectRef idx="0">
+              <a:schemeClr val="accent1"/>
+            </a:effectRef>
+            <a:fontRef idx="minor">
+              <a:schemeClr val="tx1"/>
+            </a:fontRef>
+          </p:style>
+        </p:cxnSp>
+        <p:cxnSp>
+          <p:nvCxnSpPr>
+            <p:cNvPr id="36" name="Straight Connector 35"/>
+            <p:cNvCxnSpPr/>
+            <p:nvPr/>
+          </p:nvCxnSpPr>
+          <p:spPr>
+            <a:xfrm>
+              <a:off x="4766293" y="5133409"/>
+              <a:ext cx="1337187" cy="13627"/>
+            </a:xfrm>
+            <a:prstGeom prst="line">
+              <a:avLst/>
+            </a:prstGeom>
+            <a:ln>
+              <a:solidFill>
+                <a:schemeClr val="bg1">
+                  <a:lumMod val="65000"/>
+                </a:schemeClr>
+              </a:solidFill>
+              <a:headEnd type="none"/>
+              <a:tailEnd type="none"/>
+            </a:ln>
+          </p:spPr>
+          <p:style>
+            <a:lnRef idx="1">
+              <a:schemeClr val="accent1"/>
+            </a:lnRef>
+            <a:fillRef idx="0">
+              <a:schemeClr val="accent1"/>
+            </a:fillRef>
+            <a:effectRef idx="0">
+              <a:schemeClr val="accent1"/>
+            </a:effectRef>
+            <a:fontRef idx="minor">
+              <a:schemeClr val="tx1"/>
+            </a:fontRef>
+          </p:style>
+        </p:cxnSp>
+        <p:cxnSp>
+          <p:nvCxnSpPr>
+            <p:cNvPr id="37" name="Straight Connector 36"/>
+            <p:cNvCxnSpPr/>
+            <p:nvPr/>
+          </p:nvCxnSpPr>
+          <p:spPr>
+            <a:xfrm>
+              <a:off x="8081807" y="3977344"/>
+              <a:ext cx="1003199" cy="15675"/>
+            </a:xfrm>
+            <a:prstGeom prst="line">
+              <a:avLst/>
+            </a:prstGeom>
+            <a:ln>
+              <a:solidFill>
+                <a:schemeClr val="bg1">
+                  <a:lumMod val="65000"/>
+                </a:schemeClr>
+              </a:solidFill>
+              <a:headEnd type="none"/>
+              <a:tailEnd type="none"/>
+            </a:ln>
+          </p:spPr>
+          <p:style>
+            <a:lnRef idx="1">
+              <a:schemeClr val="accent1"/>
+            </a:lnRef>
+            <a:fillRef idx="0">
+              <a:schemeClr val="accent1"/>
+            </a:fillRef>
+            <a:effectRef idx="0">
+              <a:schemeClr val="accent1"/>
+            </a:effectRef>
+            <a:fontRef idx="minor">
+              <a:schemeClr val="tx1"/>
+            </a:fontRef>
+          </p:style>
+        </p:cxnSp>
+        <p:cxnSp>
+          <p:nvCxnSpPr>
+            <p:cNvPr id="38" name="Straight Connector 37"/>
+            <p:cNvCxnSpPr/>
+            <p:nvPr/>
+          </p:nvCxnSpPr>
+          <p:spPr>
+            <a:xfrm>
+              <a:off x="8093356" y="4125950"/>
+              <a:ext cx="1003199" cy="15675"/>
+            </a:xfrm>
+            <a:prstGeom prst="line">
+              <a:avLst/>
+            </a:prstGeom>
+            <a:ln>
+              <a:solidFill>
+                <a:schemeClr val="bg1">
+                  <a:lumMod val="65000"/>
+                </a:schemeClr>
+              </a:solidFill>
+              <a:headEnd type="none"/>
+              <a:tailEnd type="none"/>
+            </a:ln>
+          </p:spPr>
+          <p:style>
+            <a:lnRef idx="1">
+              <a:schemeClr val="accent1"/>
+            </a:lnRef>
+            <a:fillRef idx="0">
+              <a:schemeClr val="accent1"/>
+            </a:fillRef>
+            <a:effectRef idx="0">
+              <a:schemeClr val="accent1"/>
+            </a:effectRef>
+            <a:fontRef idx="minor">
+              <a:schemeClr val="tx1"/>
+            </a:fontRef>
+          </p:style>
+        </p:cxnSp>
+        <p:cxnSp>
+          <p:nvCxnSpPr>
+            <p:cNvPr id="39" name="Straight Connector 38"/>
+            <p:cNvCxnSpPr/>
+            <p:nvPr/>
+          </p:nvCxnSpPr>
+          <p:spPr>
+            <a:xfrm>
+              <a:off x="8093356" y="4278243"/>
+              <a:ext cx="1003199" cy="15675"/>
+            </a:xfrm>
+            <a:prstGeom prst="line">
+              <a:avLst/>
+            </a:prstGeom>
+            <a:ln>
+              <a:solidFill>
+                <a:schemeClr val="bg1">
+                  <a:lumMod val="65000"/>
+                </a:schemeClr>
+              </a:solidFill>
+              <a:headEnd type="none"/>
+              <a:tailEnd type="none"/>
+            </a:ln>
+          </p:spPr>
+          <p:style>
+            <a:lnRef idx="1">
+              <a:schemeClr val="accent1"/>
+            </a:lnRef>
+            <a:fillRef idx="0">
+              <a:schemeClr val="accent1"/>
+            </a:fillRef>
+            <a:effectRef idx="0">
+              <a:schemeClr val="accent1"/>
+            </a:effectRef>
+            <a:fontRef idx="minor">
+              <a:schemeClr val="tx1"/>
+            </a:fontRef>
+          </p:style>
+        </p:cxnSp>
+        <p:cxnSp>
+          <p:nvCxnSpPr>
+            <p:cNvPr id="40" name="Straight Connector 39"/>
+            <p:cNvCxnSpPr/>
+            <p:nvPr/>
+          </p:nvCxnSpPr>
+          <p:spPr>
+            <a:xfrm>
+              <a:off x="8103469" y="4431657"/>
+              <a:ext cx="1003199" cy="15675"/>
+            </a:xfrm>
+            <a:prstGeom prst="line">
+              <a:avLst/>
+            </a:prstGeom>
+            <a:ln>
+              <a:solidFill>
+                <a:schemeClr val="bg1">
+                  <a:lumMod val="65000"/>
+                </a:schemeClr>
+              </a:solidFill>
+              <a:headEnd type="none"/>
+              <a:tailEnd type="none"/>
+            </a:ln>
+          </p:spPr>
+          <p:style>
+            <a:lnRef idx="1">
+              <a:schemeClr val="accent1"/>
+            </a:lnRef>
+            <a:fillRef idx="0">
+              <a:schemeClr val="accent1"/>
+            </a:fillRef>
+            <a:effectRef idx="0">
+              <a:schemeClr val="accent1"/>
+            </a:effectRef>
+            <a:fontRef idx="minor">
+              <a:schemeClr val="tx1"/>
+            </a:fontRef>
+          </p:style>
+        </p:cxnSp>
+        <p:cxnSp>
+          <p:nvCxnSpPr>
+            <p:cNvPr id="41" name="Straight Connector 40"/>
+            <p:cNvCxnSpPr/>
+            <p:nvPr/>
+          </p:nvCxnSpPr>
+          <p:spPr>
+            <a:xfrm>
+              <a:off x="8093355" y="4603696"/>
+              <a:ext cx="1003199" cy="15675"/>
+            </a:xfrm>
+            <a:prstGeom prst="line">
+              <a:avLst/>
+            </a:prstGeom>
+            <a:ln>
+              <a:solidFill>
+                <a:schemeClr val="bg1">
+                  <a:lumMod val="65000"/>
+                </a:schemeClr>
+              </a:solidFill>
+              <a:headEnd type="none"/>
+              <a:tailEnd type="none"/>
+            </a:ln>
+          </p:spPr>
+          <p:style>
+            <a:lnRef idx="1">
+              <a:schemeClr val="accent1"/>
+            </a:lnRef>
+            <a:fillRef idx="0">
+              <a:schemeClr val="accent1"/>
+            </a:fillRef>
+            <a:effectRef idx="0">
+              <a:schemeClr val="accent1"/>
+            </a:effectRef>
+            <a:fontRef idx="minor">
+              <a:schemeClr val="tx1"/>
+            </a:fontRef>
+          </p:style>
+        </p:cxnSp>
+        <p:cxnSp>
+          <p:nvCxnSpPr>
+            <p:cNvPr id="42" name="Straight Connector 41"/>
+            <p:cNvCxnSpPr/>
+            <p:nvPr/>
+          </p:nvCxnSpPr>
+          <p:spPr>
+            <a:xfrm>
+              <a:off x="8093354" y="4755989"/>
+              <a:ext cx="1003199" cy="15675"/>
+            </a:xfrm>
+            <a:prstGeom prst="line">
+              <a:avLst/>
+            </a:prstGeom>
+            <a:ln>
+              <a:solidFill>
+                <a:schemeClr val="bg1">
+                  <a:lumMod val="65000"/>
+                </a:schemeClr>
+              </a:solidFill>
+              <a:headEnd type="none"/>
+              <a:tailEnd type="none"/>
+            </a:ln>
+          </p:spPr>
+          <p:style>
+            <a:lnRef idx="1">
+              <a:schemeClr val="accent1"/>
+            </a:lnRef>
+            <a:fillRef idx="0">
+              <a:schemeClr val="accent1"/>
+            </a:fillRef>
+            <a:effectRef idx="0">
+              <a:schemeClr val="accent1"/>
+            </a:effectRef>
+            <a:fontRef idx="minor">
+              <a:schemeClr val="tx1"/>
+            </a:fontRef>
+          </p:style>
+        </p:cxnSp>
+        <p:cxnSp>
+          <p:nvCxnSpPr>
+            <p:cNvPr id="43" name="Straight Connector 42"/>
+            <p:cNvCxnSpPr/>
+            <p:nvPr/>
+          </p:nvCxnSpPr>
+          <p:spPr>
+            <a:xfrm>
+              <a:off x="8103469" y="4909403"/>
+              <a:ext cx="1003199" cy="15675"/>
+            </a:xfrm>
+            <a:prstGeom prst="line">
+              <a:avLst/>
+            </a:prstGeom>
+            <a:ln>
+              <a:solidFill>
+                <a:schemeClr val="bg1">
+                  <a:lumMod val="65000"/>
+                </a:schemeClr>
+              </a:solidFill>
+              <a:headEnd type="none"/>
+              <a:tailEnd type="none"/>
+            </a:ln>
+          </p:spPr>
+          <p:style>
+            <a:lnRef idx="1">
+              <a:schemeClr val="accent1"/>
+            </a:lnRef>
+            <a:fillRef idx="0">
+              <a:schemeClr val="accent1"/>
+            </a:fillRef>
+            <a:effectRef idx="0">
+              <a:schemeClr val="accent1"/>
+            </a:effectRef>
+            <a:fontRef idx="minor">
+              <a:schemeClr val="tx1"/>
+            </a:fontRef>
+          </p:style>
+        </p:cxnSp>
+        <p:cxnSp>
+          <p:nvCxnSpPr>
+            <p:cNvPr id="44" name="Straight Connector 43"/>
+            <p:cNvCxnSpPr/>
+            <p:nvPr/>
+          </p:nvCxnSpPr>
+          <p:spPr>
+            <a:xfrm>
+              <a:off x="8103468" y="5063246"/>
+              <a:ext cx="1003199" cy="15675"/>
+            </a:xfrm>
+            <a:prstGeom prst="line">
+              <a:avLst/>
+            </a:prstGeom>
+            <a:ln>
+              <a:solidFill>
+                <a:schemeClr val="bg1">
+                  <a:lumMod val="65000"/>
+                </a:schemeClr>
+              </a:solidFill>
+              <a:headEnd type="none"/>
+              <a:tailEnd type="none"/>
+            </a:ln>
+          </p:spPr>
+          <p:style>
+            <a:lnRef idx="1">
+              <a:schemeClr val="accent1"/>
+            </a:lnRef>
+            <a:fillRef idx="0">
+              <a:schemeClr val="accent1"/>
+            </a:fillRef>
+            <a:effectRef idx="0">
+              <a:schemeClr val="accent1"/>
+            </a:effectRef>
+            <a:fontRef idx="minor">
+              <a:schemeClr val="tx1"/>
+            </a:fontRef>
+          </p:style>
+        </p:cxnSp>
+        <p:cxnSp>
+          <p:nvCxnSpPr>
+            <p:cNvPr id="45" name="Straight Connector 44"/>
+            <p:cNvCxnSpPr/>
+            <p:nvPr/>
+          </p:nvCxnSpPr>
+          <p:spPr>
+            <a:xfrm>
+              <a:off x="8081806" y="5215947"/>
+              <a:ext cx="1003199" cy="15675"/>
+            </a:xfrm>
+            <a:prstGeom prst="line">
+              <a:avLst/>
+            </a:prstGeom>
+            <a:ln>
+              <a:solidFill>
+                <a:schemeClr val="bg1">
+                  <a:lumMod val="65000"/>
+                </a:schemeClr>
+              </a:solidFill>
+              <a:headEnd type="none"/>
+              <a:tailEnd type="none"/>
+            </a:ln>
+          </p:spPr>
+          <p:style>
+            <a:lnRef idx="1">
+              <a:schemeClr val="accent1"/>
+            </a:lnRef>
+            <a:fillRef idx="0">
+              <a:schemeClr val="accent1"/>
+            </a:fillRef>
+            <a:effectRef idx="0">
+              <a:schemeClr val="accent1"/>
+            </a:effectRef>
+            <a:fontRef idx="minor">
+              <a:schemeClr val="tx1"/>
+            </a:fontRef>
+          </p:style>
+        </p:cxnSp>
+        <p:cxnSp>
+          <p:nvCxnSpPr>
+            <p:cNvPr id="46" name="Straight Connector 45"/>
+            <p:cNvCxnSpPr/>
+            <p:nvPr/>
+          </p:nvCxnSpPr>
+          <p:spPr>
+            <a:xfrm>
+              <a:off x="9418994" y="4806075"/>
+              <a:ext cx="1003199" cy="15675"/>
+            </a:xfrm>
+            <a:prstGeom prst="line">
+              <a:avLst/>
+            </a:prstGeom>
+            <a:ln>
+              <a:solidFill>
+                <a:schemeClr val="bg1">
+                  <a:lumMod val="65000"/>
+                </a:schemeClr>
+              </a:solidFill>
+              <a:headEnd type="none"/>
+              <a:tailEnd type="none"/>
+            </a:ln>
+          </p:spPr>
+          <p:style>
+            <a:lnRef idx="1">
+              <a:schemeClr val="accent1"/>
+            </a:lnRef>
+            <a:fillRef idx="0">
+              <a:schemeClr val="accent1"/>
+            </a:fillRef>
+            <a:effectRef idx="0">
+              <a:schemeClr val="accent1"/>
+            </a:effectRef>
+            <a:fontRef idx="minor">
+              <a:schemeClr val="tx1"/>
+            </a:fontRef>
+          </p:style>
+        </p:cxnSp>
+        <p:cxnSp>
+          <p:nvCxnSpPr>
+            <p:cNvPr id="47" name="Straight Connector 46"/>
+            <p:cNvCxnSpPr/>
+            <p:nvPr/>
+          </p:nvCxnSpPr>
+          <p:spPr>
+            <a:xfrm>
+              <a:off x="9418994" y="4947568"/>
+              <a:ext cx="1003199" cy="15675"/>
+            </a:xfrm>
+            <a:prstGeom prst="line">
+              <a:avLst/>
+            </a:prstGeom>
+            <a:ln>
+              <a:solidFill>
+                <a:schemeClr val="bg1">
+                  <a:lumMod val="65000"/>
+                </a:schemeClr>
+              </a:solidFill>
+              <a:headEnd type="none"/>
+              <a:tailEnd type="none"/>
+            </a:ln>
+          </p:spPr>
+          <p:style>
+            <a:lnRef idx="1">
+              <a:schemeClr val="accent1"/>
+            </a:lnRef>
+            <a:fillRef idx="0">
+              <a:schemeClr val="accent1"/>
+            </a:fillRef>
+            <a:effectRef idx="0">
+              <a:schemeClr val="accent1"/>
+            </a:effectRef>
+            <a:fontRef idx="minor">
+              <a:schemeClr val="tx1"/>
+            </a:fontRef>
+          </p:style>
+        </p:cxnSp>
+        <p:cxnSp>
+          <p:nvCxnSpPr>
+            <p:cNvPr id="48" name="Straight Connector 47"/>
+            <p:cNvCxnSpPr/>
+            <p:nvPr/>
+          </p:nvCxnSpPr>
+          <p:spPr>
+            <a:xfrm>
+              <a:off x="9418994" y="5099864"/>
+              <a:ext cx="1003199" cy="15675"/>
+            </a:xfrm>
+            <a:prstGeom prst="line">
+              <a:avLst/>
+            </a:prstGeom>
+            <a:ln>
+              <a:solidFill>
+                <a:schemeClr val="bg1">
+                  <a:lumMod val="65000"/>
+                </a:schemeClr>
+              </a:solidFill>
+              <a:headEnd type="none"/>
+              <a:tailEnd type="none"/>
+            </a:ln>
+          </p:spPr>
+          <p:style>
+            <a:lnRef idx="1">
+              <a:schemeClr val="accent1"/>
+            </a:lnRef>
+            <a:fillRef idx="0">
+              <a:schemeClr val="accent1"/>
+            </a:fillRef>
+            <a:effectRef idx="0">
+              <a:schemeClr val="accent1"/>
+            </a:effectRef>
+            <a:fontRef idx="minor">
+              <a:schemeClr val="tx1"/>
+            </a:fontRef>
+          </p:style>
+        </p:cxnSp>
+        <p:cxnSp>
+          <p:nvCxnSpPr>
+            <p:cNvPr id="49" name="Straight Connector 48"/>
+            <p:cNvCxnSpPr/>
+            <p:nvPr/>
+          </p:nvCxnSpPr>
+          <p:spPr>
+            <a:xfrm>
+              <a:off x="9418994" y="5251344"/>
+              <a:ext cx="1003199" cy="15675"/>
+            </a:xfrm>
+            <a:prstGeom prst="line">
+              <a:avLst/>
+            </a:prstGeom>
+            <a:ln>
+              <a:solidFill>
+                <a:schemeClr val="bg1">
+                  <a:lumMod val="65000"/>
+                </a:schemeClr>
+              </a:solidFill>
+              <a:headEnd type="none"/>
+              <a:tailEnd type="none"/>
+            </a:ln>
+          </p:spPr>
+          <p:style>
+            <a:lnRef idx="1">
+              <a:schemeClr val="accent1"/>
+            </a:lnRef>
+            <a:fillRef idx="0">
+              <a:schemeClr val="accent1"/>
+            </a:fillRef>
+            <a:effectRef idx="0">
+              <a:schemeClr val="accent1"/>
+            </a:effectRef>
+            <a:fontRef idx="minor">
+              <a:schemeClr val="tx1"/>
+            </a:fontRef>
+          </p:style>
+        </p:cxnSp>
+        <p:sp>
+          <p:nvSpPr>
+            <p:cNvPr id="50" name="TextBox 49"/>
+            <p:cNvSpPr txBox="1"/>
+            <p:nvPr/>
+          </p:nvSpPr>
+          <p:spPr>
+            <a:xfrm>
+              <a:off x="9418839" y="3925222"/>
+              <a:ext cx="807272" cy="107722"/>
+            </a:xfrm>
+            <a:prstGeom prst="rect">
+              <a:avLst/>
+            </a:prstGeom>
+            <a:noFill/>
+          </p:spPr>
+          <p:txBody>
+            <a:bodyPr wrap="none" lIns="0" tIns="0" rIns="0" bIns="0" rtlCol="0">
+              <a:spAutoFit/>
+            </a:bodyPr>
+            <a:lstStyle/>
+            <a:p>
+              <a:r>
+                <a:rPr lang="en-US" sz="700" spc="-70" dirty="0" smtClean="0"/>
+                <a:t>Reply </a:t>
+              </a:r>
+              <a:r>
+                <a:rPr lang="fi-FI" sz="700" spc="-70" dirty="0" smtClean="0"/>
+                <a:t>| </a:t>
+              </a:r>
+              <a:r>
+                <a:rPr lang="en-US" sz="700" spc="-70" dirty="0"/>
+                <a:t> </a:t>
+              </a:r>
+              <a:r>
+                <a:rPr lang="en-US" sz="700" spc="-70" dirty="0" smtClean="0"/>
+                <a:t>Reply All </a:t>
+              </a:r>
+              <a:r>
+                <a:rPr lang="fi-FI" sz="700" spc="-70" dirty="0" smtClean="0"/>
+                <a:t>| </a:t>
+              </a:r>
+              <a:r>
+                <a:rPr lang="en-US" sz="700" spc="-70" dirty="0" smtClean="0"/>
+                <a:t> Forward</a:t>
+              </a:r>
+            </a:p>
+          </p:txBody>
+        </p:sp>
+        <p:sp>
+          <p:nvSpPr>
+            <p:cNvPr id="51" name="Rectangle 50"/>
+            <p:cNvSpPr/>
+            <p:nvPr/>
+          </p:nvSpPr>
+          <p:spPr>
+            <a:xfrm>
+              <a:off x="9418994" y="4071701"/>
+              <a:ext cx="1091689" cy="97048"/>
+            </a:xfrm>
+            <a:prstGeom prst="rect">
+              <a:avLst/>
+            </a:prstGeom>
+            <a:solidFill>
+              <a:schemeClr val="bg2"/>
+            </a:solidFill>
+            <a:ln w="19050">
+              <a:solidFill>
+                <a:schemeClr val="bg2"/>
+              </a:solidFill>
+            </a:ln>
+          </p:spPr>
+          <p:txBody>
+            <a:bodyPr vert="horz" lIns="0" tIns="0" rIns="0" bIns="0" rtlCol="0" anchor="ctr">
+              <a:noAutofit/>
+            </a:bodyPr>
+            <a:lstStyle/>
+            <a:p>
+              <a:pPr algn="ctr" defTabSz="761183">
+                <a:spcBef>
+                  <a:spcPct val="20000"/>
+                </a:spcBef>
+              </a:pPr>
+              <a:endParaRPr lang="en-US" sz="1400" kern="0" spc="-67" dirty="0">
+                <a:latin typeface="Segoe UI Light"/>
+                <a:ea typeface="Segoe UI" pitchFamily="34" charset="0"/>
+                <a:cs typeface="Segoe UI" pitchFamily="34" charset="0"/>
+              </a:endParaRPr>
+            </a:p>
+          </p:txBody>
+        </p:sp>
+        <p:sp>
+          <p:nvSpPr>
+            <p:cNvPr id="52" name="Rectangle 51"/>
+            <p:cNvSpPr/>
+            <p:nvPr/>
+          </p:nvSpPr>
+          <p:spPr>
+            <a:xfrm>
+              <a:off x="9418994" y="4071701"/>
+              <a:ext cx="267931" cy="97048"/>
+            </a:xfrm>
+            <a:prstGeom prst="rect">
+              <a:avLst/>
+            </a:prstGeom>
+            <a:solidFill>
+              <a:schemeClr val="bg1"/>
+            </a:solidFill>
+            <a:ln w="19050">
+              <a:solidFill>
+                <a:srgbClr val="4D4D4D">
+                  <a:lumMod val="40000"/>
+                  <a:lumOff val="60000"/>
+                </a:srgbClr>
+              </a:solidFill>
+            </a:ln>
+          </p:spPr>
+          <p:txBody>
+            <a:bodyPr vert="horz" lIns="0" tIns="0" rIns="0" bIns="0" rtlCol="0" anchor="ctr">
+              <a:noAutofit/>
+            </a:bodyPr>
+            <a:lstStyle/>
+            <a:p>
+              <a:pPr algn="ctr" defTabSz="761183">
+                <a:spcBef>
+                  <a:spcPct val="20000"/>
+                </a:spcBef>
+              </a:pPr>
+              <a:r>
+                <a:rPr lang="en-US" sz="600" kern="0" spc="-67" dirty="0" smtClean="0">
+                  <a:latin typeface="Segoe UI Light"/>
+                  <a:ea typeface="Segoe UI" pitchFamily="34" charset="0"/>
+                  <a:cs typeface="Segoe UI" pitchFamily="34" charset="0"/>
+                </a:rPr>
+                <a:t>app</a:t>
+              </a:r>
+              <a:endParaRPr lang="en-US" sz="600" kern="0" spc="-67" dirty="0">
+                <a:latin typeface="Segoe UI Light"/>
+                <a:ea typeface="Segoe UI" pitchFamily="34" charset="0"/>
+                <a:cs typeface="Segoe UI" pitchFamily="34" charset="0"/>
+              </a:endParaRPr>
+            </a:p>
+          </p:txBody>
+        </p:sp>
+        <p:sp>
+          <p:nvSpPr>
+            <p:cNvPr id="53" name="TextBox 52"/>
+            <p:cNvSpPr txBox="1"/>
+            <p:nvPr/>
+          </p:nvSpPr>
+          <p:spPr>
+            <a:xfrm>
+              <a:off x="9418839" y="4648267"/>
+              <a:ext cx="464551" cy="107722"/>
+            </a:xfrm>
+            <a:prstGeom prst="rect">
+              <a:avLst/>
+            </a:prstGeom>
+            <a:noFill/>
+          </p:spPr>
+          <p:txBody>
+            <a:bodyPr wrap="none" lIns="0" tIns="0" rIns="0" bIns="0" rtlCol="0">
+              <a:spAutoFit/>
+            </a:bodyPr>
+            <a:lstStyle/>
+            <a:p>
+              <a:r>
+                <a:rPr lang="en-US" sz="700" spc="-70" dirty="0" smtClean="0"/>
+                <a:t>Message Body</a:t>
+              </a:r>
+            </a:p>
+          </p:txBody>
+        </p:sp>
         <p:pic>
           <p:nvPicPr>
-            <p:cNvPr id="3074" name="Picture 2"/>
+            <p:cNvPr id="54" name="Picture 53"/>
             <p:cNvPicPr>
-              <a:picLocks noChangeAspect="1" noChangeArrowheads="1"/>
+              <a:picLocks noChangeAspect="1"/>
             </p:cNvPicPr>
             <p:nvPr/>
           </p:nvPicPr>
-          <p:blipFill>
+          <p:blipFill rotWithShape="1">
             <a:blip r:embed="rId3">
               <a:extLst>
                 <a:ext uri="{28A0092B-C50C-407E-A947-70E740481C1C}">
@@ -16023,63 +18151,28 @@
                 </a:ext>
               </a:extLst>
             </a:blip>
-            <a:srcRect/>
-            <a:stretch>
-              <a:fillRect/>
-            </a:stretch>
+            <a:srcRect r="50340"/>
+            <a:stretch/>
           </p:blipFill>
-          <p:spPr bwMode="auto">
+          <p:spPr>
             <a:xfrm>
-              <a:off x="659720" y="3937907"/>
-              <a:ext cx="2705100" cy="2247900"/>
+              <a:off x="1174855" y="3135231"/>
+              <a:ext cx="441960" cy="455456"/>
             </a:xfrm>
             <a:prstGeom prst="rect">
               <a:avLst/>
             </a:prstGeom>
-            <a:noFill/>
-            <a:ln>
-              <a:noFill/>
-            </a:ln>
-            <a:effectLst/>
-            <a:extLst>
-              <a:ext uri="{909E8E84-426E-40DD-AFC4-6F175D3DCCD1}">
-                <a14:hiddenFill xmlns:a14="http://schemas.microsoft.com/office/drawing/2010/main">
-                  <a:solidFill>
-                    <a:schemeClr val="accent1"/>
-                  </a:solidFill>
-                </a14:hiddenFill>
-              </a:ext>
-              <a:ext uri="{91240B29-F687-4F45-9708-019B960494DF}">
-                <a14:hiddenLine xmlns:a14="http://schemas.microsoft.com/office/drawing/2010/main" w="9525">
-                  <a:solidFill>
-                    <a:schemeClr val="tx1"/>
-                  </a:solidFill>
-                  <a:miter lim="800000"/>
-                  <a:headEnd/>
-                  <a:tailEnd/>
-                </a14:hiddenLine>
-              </a:ext>
-              <a:ext uri="{AF507438-7753-43E0-B8FC-AC1667EBCBE1}">
-                <a14:hiddenEffects xmlns:a14="http://schemas.microsoft.com/office/drawing/2010/main">
-                  <a:effectLst>
-                    <a:outerShdw dist="35921" dir="2700000" algn="ctr" rotWithShape="0">
-                      <a:schemeClr val="bg2"/>
-                    </a:outerShdw>
-                  </a:effectLst>
-                </a14:hiddenEffects>
-              </a:ext>
-            </a:extLst>
           </p:spPr>
         </p:pic>
         <p:pic>
           <p:nvPicPr>
-            <p:cNvPr id="3075" name="Picture 3"/>
+            <p:cNvPr id="55" name="Picture 54"/>
             <p:cNvPicPr>
-              <a:picLocks noChangeAspect="1" noChangeArrowheads="1"/>
+              <a:picLocks noChangeAspect="1"/>
             </p:cNvPicPr>
             <p:nvPr/>
           </p:nvPicPr>
-          <p:blipFill>
+          <p:blipFill rotWithShape="1">
             <a:blip r:embed="rId4">
               <a:extLst>
                 <a:ext uri="{28A0092B-C50C-407E-A947-70E740481C1C}">
@@ -16087,63 +18180,28 @@
                 </a:ext>
               </a:extLst>
             </a:blip>
-            <a:srcRect/>
-            <a:stretch>
-              <a:fillRect/>
-            </a:stretch>
+            <a:srcRect r="46952"/>
+            <a:stretch/>
           </p:blipFill>
-          <p:spPr bwMode="auto">
+          <p:spPr>
             <a:xfrm>
-              <a:off x="3664178" y="3937907"/>
-              <a:ext cx="2705100" cy="2247900"/>
+              <a:off x="4540571" y="3123472"/>
+              <a:ext cx="451444" cy="465551"/>
             </a:xfrm>
             <a:prstGeom prst="rect">
               <a:avLst/>
             </a:prstGeom>
-            <a:noFill/>
-            <a:ln>
-              <a:noFill/>
-            </a:ln>
-            <a:effectLst/>
-            <a:extLst>
-              <a:ext uri="{909E8E84-426E-40DD-AFC4-6F175D3DCCD1}">
-                <a14:hiddenFill xmlns:a14="http://schemas.microsoft.com/office/drawing/2010/main">
-                  <a:solidFill>
-                    <a:schemeClr val="accent1"/>
-                  </a:solidFill>
-                </a14:hiddenFill>
-              </a:ext>
-              <a:ext uri="{91240B29-F687-4F45-9708-019B960494DF}">
-                <a14:hiddenLine xmlns:a14="http://schemas.microsoft.com/office/drawing/2010/main" w="9525">
-                  <a:solidFill>
-                    <a:schemeClr val="tx1"/>
-                  </a:solidFill>
-                  <a:miter lim="800000"/>
-                  <a:headEnd/>
-                  <a:tailEnd/>
-                </a14:hiddenLine>
-              </a:ext>
-              <a:ext uri="{AF507438-7753-43E0-B8FC-AC1667EBCBE1}">
-                <a14:hiddenEffects xmlns:a14="http://schemas.microsoft.com/office/drawing/2010/main">
-                  <a:effectLst>
-                    <a:outerShdw dist="35921" dir="2700000" algn="ctr" rotWithShape="0">
-                      <a:schemeClr val="bg2"/>
-                    </a:outerShdw>
-                  </a:effectLst>
-                </a14:hiddenEffects>
-              </a:ext>
-            </a:extLst>
           </p:spPr>
         </p:pic>
         <p:pic>
           <p:nvPicPr>
-            <p:cNvPr id="3076" name="Picture 4"/>
+            <p:cNvPr id="56" name="Picture 55"/>
             <p:cNvPicPr>
-              <a:picLocks noChangeAspect="1" noChangeArrowheads="1"/>
+              <a:picLocks noChangeAspect="1"/>
             </p:cNvPicPr>
             <p:nvPr/>
           </p:nvPicPr>
-          <p:blipFill>
+          <p:blipFill rotWithShape="1">
             <a:blip r:embed="rId5">
               <a:extLst>
                 <a:ext uri="{28A0092B-C50C-407E-A947-70E740481C1C}">
@@ -16151,52 +18209,17 @@
                 </a:ext>
               </a:extLst>
             </a:blip>
-            <a:srcRect/>
-            <a:stretch>
-              <a:fillRect/>
-            </a:stretch>
+            <a:srcRect r="64717"/>
+            <a:stretch/>
           </p:blipFill>
-          <p:spPr bwMode="auto">
+          <p:spPr>
             <a:xfrm>
-              <a:off x="6625092" y="3937907"/>
-              <a:ext cx="2705100" cy="2247900"/>
+              <a:off x="7809665" y="3052077"/>
+              <a:ext cx="587605" cy="626979"/>
             </a:xfrm>
             <a:prstGeom prst="rect">
               <a:avLst/>
             </a:prstGeom>
-            <a:noFill/>
-            <a:ln>
-              <a:noFill/>
-            </a:ln>
-            <a:effectLst/>
-            <a:extLst>
-              <a:ext uri="{909E8E84-426E-40DD-AFC4-6F175D3DCCD1}">
-                <a14:hiddenFill xmlns:a14="http://schemas.microsoft.com/office/drawing/2010/main">
-                  <a:solidFill>
-                    <a:schemeClr val="accent1"/>
-                  </a:solidFill>
-                </a14:hiddenFill>
-              </a:ext>
-              <a:ext uri="{91240B29-F687-4F45-9708-019B960494DF}">
-                <a14:hiddenLine xmlns:a14="http://schemas.microsoft.com/office/drawing/2010/main" w="9525">
-                  <a:solidFill>
-                    <a:schemeClr val="tx1"/>
-                  </a:solidFill>
-                  <a:miter lim="800000"/>
-                  <a:headEnd/>
-                  <a:tailEnd/>
-                </a14:hiddenLine>
-              </a:ext>
-              <a:ext uri="{AF507438-7753-43E0-B8FC-AC1667EBCBE1}">
-                <a14:hiddenEffects xmlns:a14="http://schemas.microsoft.com/office/drawing/2010/main">
-                  <a:effectLst>
-                    <a:outerShdw dist="35921" dir="2700000" algn="ctr" rotWithShape="0">
-                      <a:schemeClr val="bg2"/>
-                    </a:outerShdw>
-                  </a:effectLst>
-                </a14:hiddenEffects>
-              </a:ext>
-            </a:extLst>
           </p:spPr>
         </p:pic>
       </p:grpSp>
@@ -16506,21 +18529,21 @@
       </p:sp>
       <p:grpSp>
         <p:nvGrpSpPr>
-          <p:cNvPr id="8" name="Group 7"/>
+          <p:cNvPr id="23" name="Group 22"/>
           <p:cNvGrpSpPr/>
           <p:nvPr/>
         </p:nvGrpSpPr>
         <p:grpSpPr>
           <a:xfrm>
-            <a:off x="2296070" y="3488761"/>
-            <a:ext cx="7596685" cy="2811349"/>
-            <a:chOff x="-204092" y="2267256"/>
-            <a:chExt cx="7598664" cy="2812081"/>
+            <a:off x="1618649" y="3818203"/>
+            <a:ext cx="7598664" cy="2381305"/>
+            <a:chOff x="-204092" y="2698032"/>
+            <a:chExt cx="7598664" cy="2381305"/>
           </a:xfrm>
         </p:grpSpPr>
         <p:pic>
           <p:nvPicPr>
-            <p:cNvPr id="9" name="Picture 8"/>
+            <p:cNvPr id="24" name="Picture 23"/>
             <p:cNvPicPr>
               <a:picLocks noChangeAspect="1"/>
             </p:cNvPicPr>
@@ -16557,7 +18580,7 @@
         </p:pic>
         <p:grpSp>
           <p:nvGrpSpPr>
-            <p:cNvPr id="10" name="Group 9"/>
+            <p:cNvPr id="25" name="Group 24"/>
             <p:cNvGrpSpPr/>
             <p:nvPr/>
           </p:nvGrpSpPr>
@@ -16571,7 +18594,7 @@
           </p:grpSpPr>
           <p:sp>
             <p:nvSpPr>
-              <p:cNvPr id="21" name="Rectangle 20"/>
+              <p:cNvPr id="31" name="Rectangle 30"/>
               <p:cNvSpPr/>
               <p:nvPr/>
             </p:nvSpPr>
@@ -16607,7 +18630,7 @@
               <a:bodyPr rtlCol="0" anchor="ctr"/>
               <a:lstStyle/>
               <a:p>
-                <a:pPr algn="ctr" defTabSz="760955"/>
+                <a:pPr algn="ctr" defTabSz="761183"/>
                 <a:endParaRPr lang="en-US" sz="1500" kern="0">
                   <a:solidFill>
                     <a:srgbClr val="1B1B1B"/>
@@ -16619,7 +18642,7 @@
           </p:sp>
           <p:sp>
             <p:nvSpPr>
-              <p:cNvPr id="22" name="Rectangle 21"/>
+              <p:cNvPr id="32" name="Rectangle 31"/>
               <p:cNvSpPr/>
               <p:nvPr/>
             </p:nvSpPr>
@@ -16649,7 +18672,7 @@
               <a:bodyPr rtlCol="0" anchor="ctr"/>
               <a:lstStyle/>
               <a:p>
-                <a:pPr algn="ctr" defTabSz="760955"/>
+                <a:pPr algn="ctr" defTabSz="761183"/>
                 <a:endParaRPr lang="en-US" sz="1166" kern="0" dirty="0">
                   <a:solidFill>
                     <a:srgbClr val="262626">
@@ -16665,7 +18688,7 @@
         </p:grpSp>
         <p:sp>
           <p:nvSpPr>
-            <p:cNvPr id="11" name="Rectangle 10"/>
+            <p:cNvPr id="26" name="Rectangle 25"/>
             <p:cNvSpPr/>
             <p:nvPr/>
           </p:nvSpPr>
@@ -16689,12 +18712,12 @@
             <a:effectLst/>
           </p:spPr>
           <p:txBody>
-            <a:bodyPr lIns="47566" tIns="23782" rIns="47566" bIns="23782" rtlCol="0" anchor="ctr"/>
+            <a:bodyPr lIns="47578" tIns="23788" rIns="47578" bIns="23788" rtlCol="0" anchor="ctr"/>
             <a:lstStyle/>
             <a:p>
-              <a:pPr algn="ctr" defTabSz="760955"/>
+              <a:pPr algn="ctr" defTabSz="761183"/>
               <a:r>
-                <a:rPr lang="en-US" sz="1166" kern="0" dirty="0">
+                <a:rPr lang="en-US" sz="1166" kern="0" dirty="0" smtClean="0">
                   <a:solidFill>
                     <a:srgbClr val="1B1B1B"/>
                   </a:solidFill>
@@ -16702,9 +18725,15 @@
                 </a:rPr>
                 <a:t>App for Office</a:t>
               </a:r>
+              <a:endParaRPr lang="en-US" sz="1166" kern="0" dirty="0">
+                <a:solidFill>
+                  <a:srgbClr val="1B1B1B"/>
+                </a:solidFill>
+                <a:latin typeface="Segoe UI"/>
+              </a:endParaRPr>
             </a:p>
             <a:p>
-              <a:pPr algn="ctr" defTabSz="760955"/>
+              <a:pPr algn="ctr" defTabSz="761183"/>
               <a:r>
                 <a:rPr lang="en-US" sz="1166" kern="0" dirty="0">
                   <a:solidFill>
@@ -16716,7 +18745,7 @@
               </a:r>
             </a:p>
             <a:p>
-              <a:pPr algn="ctr" defTabSz="760955"/>
+              <a:pPr algn="ctr" defTabSz="761183"/>
               <a:endParaRPr lang="en-US" sz="1166" kern="0" dirty="0">
                 <a:solidFill>
                   <a:srgbClr val="1B1B1B"/>
@@ -16725,11 +18754,11 @@
               </a:endParaRPr>
             </a:p>
             <a:p>
-              <a:pPr algn="ctr" defTabSz="760955"/>
+              <a:pPr algn="ctr" defTabSz="761183"/>
               <a:r>
                 <a:rPr lang="en-US" sz="833" b="1" kern="0" dirty="0">
                   <a:solidFill>
-                    <a:srgbClr val="FF7401"/>
+                    <a:schemeClr val="tx2"/>
                   </a:solidFill>
                   <a:latin typeface="Segoe UI"/>
                 </a:rPr>
@@ -16740,7 +18769,7 @@
         </p:sp>
         <p:sp>
           <p:nvSpPr>
-            <p:cNvPr id="12" name="Rectangle 11"/>
+            <p:cNvPr id="27" name="Rectangle 26"/>
             <p:cNvSpPr/>
             <p:nvPr/>
           </p:nvSpPr>
@@ -16764,10 +18793,10 @@
             <a:effectLst/>
           </p:spPr>
           <p:txBody>
-            <a:bodyPr lIns="47566" tIns="23782" rIns="47566" bIns="23782" rtlCol="0" anchor="ctr"/>
+            <a:bodyPr lIns="47578" tIns="23788" rIns="47578" bIns="23788" rtlCol="0" anchor="ctr"/>
             <a:lstStyle/>
             <a:p>
-              <a:pPr algn="ctr" defTabSz="760955"/>
+              <a:pPr algn="ctr" defTabSz="761183"/>
               <a:r>
                 <a:rPr lang="en-US" sz="1166" kern="0" dirty="0">
                   <a:solidFill>
@@ -16779,7 +18808,7 @@
               </a:r>
             </a:p>
             <a:p>
-              <a:pPr algn="ctr" defTabSz="760955"/>
+              <a:pPr algn="ctr" defTabSz="761183"/>
               <a:r>
                 <a:rPr lang="en-US" sz="1166" kern="0" dirty="0">
                   <a:solidFill>
@@ -16791,7 +18820,7 @@
               </a:r>
             </a:p>
             <a:p>
-              <a:pPr algn="ctr" defTabSz="760955"/>
+              <a:pPr algn="ctr" defTabSz="761183"/>
               <a:endParaRPr lang="en-US" sz="833" b="1" kern="0" dirty="0">
                 <a:solidFill>
                   <a:srgbClr val="FF7401"/>
@@ -16800,11 +18829,11 @@
               </a:endParaRPr>
             </a:p>
             <a:p>
-              <a:pPr algn="ctr" defTabSz="760955"/>
+              <a:pPr algn="ctr" defTabSz="761183"/>
               <a:r>
                 <a:rPr lang="en-US" sz="833" b="1" kern="0" dirty="0">
                   <a:solidFill>
-                    <a:srgbClr val="FF7401"/>
+                    <a:schemeClr val="tx2"/>
                   </a:solidFill>
                   <a:latin typeface="Segoe UI"/>
                 </a:rPr>
@@ -16815,7 +18844,7 @@
         </p:sp>
         <p:sp>
           <p:nvSpPr>
-            <p:cNvPr id="13" name="Cross 12"/>
+            <p:cNvPr id="28" name="Cross 27"/>
             <p:cNvSpPr/>
             <p:nvPr/>
           </p:nvSpPr>
@@ -16839,10 +18868,10 @@
             <a:effectLst/>
           </p:spPr>
           <p:txBody>
-            <a:bodyPr lIns="47566" tIns="23782" rIns="47566" bIns="23782" rtlCol="0" anchor="ctr"/>
+            <a:bodyPr lIns="47578" tIns="23788" rIns="47578" bIns="23788" rtlCol="0" anchor="ctr"/>
             <a:lstStyle/>
             <a:p>
-              <a:pPr algn="ctr" defTabSz="760955"/>
+              <a:pPr algn="ctr" defTabSz="761183"/>
               <a:endParaRPr lang="en-US" sz="1500" kern="0">
                 <a:solidFill>
                   <a:srgbClr val="FFFFFF"/>
@@ -16854,7 +18883,7 @@
         </p:sp>
         <p:sp>
           <p:nvSpPr>
-            <p:cNvPr id="14" name="Equal 13"/>
+            <p:cNvPr id="29" name="Equal 28"/>
             <p:cNvSpPr/>
             <p:nvPr/>
           </p:nvSpPr>
@@ -16881,10 +18910,10 @@
             <a:effectLst/>
           </p:spPr>
           <p:txBody>
-            <a:bodyPr lIns="47566" tIns="23782" rIns="47566" bIns="23782" rtlCol="0" anchor="ctr"/>
+            <a:bodyPr lIns="47578" tIns="23788" rIns="47578" bIns="23788" rtlCol="0" anchor="ctr"/>
             <a:lstStyle/>
             <a:p>
-              <a:pPr algn="ctr" defTabSz="760955"/>
+              <a:pPr algn="ctr" defTabSz="761183"/>
               <a:endParaRPr lang="en-US" sz="1500" kern="0">
                 <a:solidFill>
                   <a:srgbClr val="1B1B1B"/>
@@ -16894,177 +18923,9 @@
             </a:p>
           </p:txBody>
         </p:sp>
-        <p:pic>
-          <p:nvPicPr>
-            <p:cNvPr id="15" name="Picture 14"/>
-            <p:cNvPicPr>
-              <a:picLocks noChangeAspect="1"/>
-            </p:cNvPicPr>
-            <p:nvPr/>
-          </p:nvPicPr>
-          <p:blipFill>
-            <a:blip r:embed="rId4" cstate="print">
-              <a:extLst>
-                <a:ext uri="{28A0092B-C50C-407E-A947-70E740481C1C}">
-                  <a14:useLocalDpi xmlns:a14="http://schemas.microsoft.com/office/drawing/2010/main" val="0"/>
-                </a:ext>
-              </a:extLst>
-            </a:blip>
-            <a:stretch>
-              <a:fillRect/>
-            </a:stretch>
-          </p:blipFill>
-          <p:spPr>
-            <a:xfrm>
-              <a:off x="2803761" y="2775126"/>
-              <a:ext cx="663059" cy="781743"/>
-            </a:xfrm>
-            <a:prstGeom prst="rect">
-              <a:avLst/>
-            </a:prstGeom>
-          </p:spPr>
-        </p:pic>
-        <p:pic>
-          <p:nvPicPr>
-            <p:cNvPr id="16" name="Picture 15"/>
-            <p:cNvPicPr>
-              <a:picLocks noChangeAspect="1"/>
-            </p:cNvPicPr>
-            <p:nvPr/>
-          </p:nvPicPr>
-          <p:blipFill>
-            <a:blip r:embed="rId5" cstate="print">
-              <a:extLst>
-                <a:ext uri="{28A0092B-C50C-407E-A947-70E740481C1C}">
-                  <a14:useLocalDpi xmlns:a14="http://schemas.microsoft.com/office/drawing/2010/main" val="0"/>
-                </a:ext>
-              </a:extLst>
-            </a:blip>
-            <a:stretch>
-              <a:fillRect/>
-            </a:stretch>
-          </p:blipFill>
-          <p:spPr>
-            <a:xfrm>
-              <a:off x="1006267" y="2739053"/>
-              <a:ext cx="676500" cy="799632"/>
-            </a:xfrm>
-            <a:prstGeom prst="rect">
-              <a:avLst/>
-            </a:prstGeom>
-          </p:spPr>
-        </p:pic>
         <p:sp>
           <p:nvSpPr>
-            <p:cNvPr id="17" name="TextBox 16"/>
-            <p:cNvSpPr txBox="1"/>
-            <p:nvPr/>
-          </p:nvSpPr>
-          <p:spPr>
-            <a:xfrm>
-              <a:off x="587206" y="2267256"/>
-              <a:ext cx="1645202" cy="435669"/>
-            </a:xfrm>
-            <a:prstGeom prst="rect">
-              <a:avLst/>
-            </a:prstGeom>
-            <a:noFill/>
-          </p:spPr>
-          <p:txBody>
-            <a:bodyPr wrap="square" lIns="76099" tIns="38045" rIns="76099" bIns="38045" rtlCol="0">
-              <a:spAutoFit/>
-            </a:bodyPr>
-            <a:lstStyle/>
-            <a:p>
-              <a:pPr algn="ctr" defTabSz="760955"/>
-              <a:r>
-                <a:rPr lang="en-US" sz="1166" kern="0" dirty="0">
-                  <a:solidFill>
-                    <a:srgbClr val="595959"/>
-                  </a:solidFill>
-                </a:rPr>
-                <a:t>App for Office </a:t>
-              </a:r>
-            </a:p>
-            <a:p>
-              <a:pPr algn="ctr" defTabSz="760955"/>
-              <a:r>
-                <a:rPr lang="en-US" sz="1166" kern="0" dirty="0">
-                  <a:solidFill>
-                    <a:srgbClr val="595959"/>
-                  </a:solidFill>
-                </a:rPr>
-                <a:t>Catalog Server</a:t>
-              </a:r>
-            </a:p>
-          </p:txBody>
-        </p:sp>
-        <p:sp>
-          <p:nvSpPr>
-            <p:cNvPr id="18" name="TextBox 17"/>
-            <p:cNvSpPr txBox="1"/>
-            <p:nvPr/>
-          </p:nvSpPr>
-          <p:spPr>
-            <a:xfrm>
-              <a:off x="2712836" y="2457706"/>
-              <a:ext cx="1360592" cy="256261"/>
-            </a:xfrm>
-            <a:prstGeom prst="rect">
-              <a:avLst/>
-            </a:prstGeom>
-            <a:noFill/>
-          </p:spPr>
-          <p:txBody>
-            <a:bodyPr wrap="square" lIns="76099" tIns="38045" rIns="76099" bIns="38045" rtlCol="0">
-              <a:spAutoFit/>
-            </a:bodyPr>
-            <a:lstStyle/>
-            <a:p>
-              <a:pPr defTabSz="760955"/>
-              <a:r>
-                <a:rPr lang="en-US" sz="1166" kern="0" dirty="0">
-                  <a:solidFill>
-                    <a:srgbClr val="595959"/>
-                  </a:solidFill>
-                </a:rPr>
-                <a:t>Web Server</a:t>
-              </a:r>
-            </a:p>
-          </p:txBody>
-        </p:sp>
-        <p:pic>
-          <p:nvPicPr>
-            <p:cNvPr id="19" name="Picture 18"/>
-            <p:cNvPicPr>
-              <a:picLocks noChangeAspect="1"/>
-            </p:cNvPicPr>
-            <p:nvPr/>
-          </p:nvPicPr>
-          <p:blipFill rotWithShape="1">
-            <a:blip r:embed="rId6" cstate="print">
-              <a:extLst>
-                <a:ext uri="{28A0092B-C50C-407E-A947-70E740481C1C}">
-                  <a14:useLocalDpi xmlns:a14="http://schemas.microsoft.com/office/drawing/2010/main" val="0"/>
-                </a:ext>
-              </a:extLst>
-            </a:blip>
-            <a:srcRect/>
-            <a:stretch/>
-          </p:blipFill>
-          <p:spPr>
-            <a:xfrm>
-              <a:off x="5299470" y="2735748"/>
-              <a:ext cx="1281318" cy="416356"/>
-            </a:xfrm>
-            <a:prstGeom prst="rect">
-              <a:avLst/>
-            </a:prstGeom>
-          </p:spPr>
-        </p:pic>
-        <p:sp>
-          <p:nvSpPr>
-            <p:cNvPr id="20" name="Rectangle 19"/>
+            <p:cNvPr id="30" name="Rectangle 29"/>
             <p:cNvSpPr/>
             <p:nvPr/>
           </p:nvSpPr>
@@ -17091,15 +18952,15 @@
             </a:bodyPr>
             <a:lstStyle/>
             <a:p>
-              <a:pPr algn="ctr" defTabSz="760955">
+              <a:pPr algn="ctr" defTabSz="761183">
                 <a:spcBef>
                   <a:spcPct val="20000"/>
                 </a:spcBef>
               </a:pPr>
               <a:r>
-                <a:rPr lang="en-US" sz="2332" kern="0" spc="-67" dirty="0">
+                <a:rPr lang="en-US" sz="2333" kern="0" spc="-67" dirty="0" smtClean="0">
                   <a:solidFill>
-                    <a:srgbClr val="FF7401"/>
+                    <a:schemeClr val="tx2"/>
                   </a:solidFill>
                   <a:latin typeface="Segoe UI Light"/>
                   <a:ea typeface="Segoe UI" pitchFamily="34" charset="0"/>
@@ -17107,6 +18968,14 @@
                 </a:rPr>
                 <a:t>App for Office</a:t>
               </a:r>
+              <a:endParaRPr lang="en-US" sz="2333" kern="0" spc="-67" dirty="0">
+                <a:solidFill>
+                  <a:schemeClr val="tx2"/>
+                </a:solidFill>
+                <a:latin typeface="Segoe UI Light"/>
+                <a:ea typeface="Segoe UI" pitchFamily="34" charset="0"/>
+                <a:cs typeface="Segoe UI" pitchFamily="34" charset="0"/>
+              </a:endParaRPr>
             </a:p>
           </p:txBody>
         </p:sp>
@@ -18347,6 +20216,21 @@
 </file>
 
 <file path=customXml/item1.xml><?xml version="1.0" encoding="utf-8"?>
+<p:properties xmlns:p="http://schemas.microsoft.com/office/2006/metadata/properties" xmlns:xsi="http://www.w3.org/2001/XMLSchema-instance" xmlns:pc="http://schemas.microsoft.com/office/infopath/2007/PartnerControls">
+  <documentManagement/>
+</p:properties>
+</file>
+
+<file path=customXml/item2.xml><?xml version="1.0" encoding="utf-8"?>
+<?mso-contentType ?>
+<FormTemplates xmlns="http://schemas.microsoft.com/sharepoint/v3/contenttype/forms">
+  <Display>DocumentLibraryForm</Display>
+  <Edit>DocumentLibraryForm</Edit>
+  <New>DocumentLibraryForm</New>
+</FormTemplates>
+</file>
+
+<file path=customXml/item3.xml><?xml version="1.0" encoding="utf-8"?>
 <ct:contentTypeSchema xmlns:ct="http://schemas.microsoft.com/office/2006/metadata/contentType" xmlns:ma="http://schemas.microsoft.com/office/2006/metadata/properties/metaAttributes" ct:_="" ma:_="" ma:contentTypeName="Document" ma:contentTypeID="0x010100A2E4C90AA7333249A7DBC8CC6F49919B" ma:contentTypeVersion="1" ma:contentTypeDescription="Create a new document." ma:contentTypeScope="" ma:versionID="e7b09f0f38d7ed30c7da14951e97abcc">
   <xsd:schema xmlns:xsd="http://www.w3.org/2001/XMLSchema" xmlns:xs="http://www.w3.org/2001/XMLSchema" xmlns:p="http://schemas.microsoft.com/office/2006/metadata/properties" xmlns:ns2="5fad15d0-477e-40da-a20d-40d4ca777cbd" targetNamespace="http://schemas.microsoft.com/office/2006/metadata/properties" ma:root="true" ma:fieldsID="0cee24db179c30c5ebec40b677cadf70" ns2:_="">
     <xsd:import namespace="5fad15d0-477e-40da-a20d-40d4ca777cbd"/>
@@ -18486,22 +20370,31 @@
 </ct:contentTypeSchema>
 </file>
 
-<file path=customXml/item2.xml><?xml version="1.0" encoding="utf-8"?>
-<?mso-contentType ?>
-<FormTemplates xmlns="http://schemas.microsoft.com/sharepoint/v3/contenttype/forms">
-  <Display>DocumentLibraryForm</Display>
-  <Edit>DocumentLibraryForm</Edit>
-  <New>DocumentLibraryForm</New>
-</FormTemplates>
+<file path=customXml/itemProps1.xml><?xml version="1.0" encoding="utf-8"?>
+<ds:datastoreItem xmlns:ds="http://schemas.openxmlformats.org/officeDocument/2006/customXml" ds:itemID="{DA593625-DB14-4FB0-B5A9-3269FA9C120B}">
+  <ds:schemaRefs>
+    <ds:schemaRef ds:uri="http://schemas.microsoft.com/office/2006/documentManagement/types"/>
+    <ds:schemaRef ds:uri="http://purl.org/dc/elements/1.1/"/>
+    <ds:schemaRef ds:uri="http://schemas.openxmlformats.org/package/2006/metadata/core-properties"/>
+    <ds:schemaRef ds:uri="http://purl.org/dc/terms/"/>
+    <ds:schemaRef ds:uri="5fad15d0-477e-40da-a20d-40d4ca777cbd"/>
+    <ds:schemaRef ds:uri="http://www.w3.org/XML/1998/namespace"/>
+    <ds:schemaRef ds:uri="http://schemas.microsoft.com/office/infopath/2007/PartnerControls"/>
+    <ds:schemaRef ds:uri="http://schemas.microsoft.com/office/2006/metadata/properties"/>
+    <ds:schemaRef ds:uri="http://purl.org/dc/dcmitype/"/>
+  </ds:schemaRefs>
+</ds:datastoreItem>
 </file>
 
-<file path=customXml/item3.xml><?xml version="1.0" encoding="utf-8"?>
-<p:properties xmlns:p="http://schemas.microsoft.com/office/2006/metadata/properties" xmlns:xsi="http://www.w3.org/2001/XMLSchema-instance" xmlns:pc="http://schemas.microsoft.com/office/infopath/2007/PartnerControls">
-  <documentManagement/>
-</p:properties>
+<file path=customXml/itemProps2.xml><?xml version="1.0" encoding="utf-8"?>
+<ds:datastoreItem xmlns:ds="http://schemas.openxmlformats.org/officeDocument/2006/customXml" ds:itemID="{E1E0CE18-CA03-4891-9CD8-3448778E3D53}">
+  <ds:schemaRefs>
+    <ds:schemaRef ds:uri="http://schemas.microsoft.com/sharepoint/v3/contenttype/forms"/>
+  </ds:schemaRefs>
+</ds:datastoreItem>
 </file>
 
-<file path=customXml/itemProps1.xml><?xml version="1.0" encoding="utf-8"?>
+<file path=customXml/itemProps3.xml><?xml version="1.0" encoding="utf-8"?>
 <ds:datastoreItem xmlns:ds="http://schemas.openxmlformats.org/officeDocument/2006/customXml" ds:itemID="{F17DCE38-6787-497B-B958-75817420EB1E}">
   <ds:schemaRefs>
     <ds:schemaRef ds:uri="http://schemas.microsoft.com/office/2006/metadata/contentType"/>
@@ -18517,28 +20410,4 @@
     <ds:schemaRef ds:uri="http://schemas.microsoft.com/internal/obd"/>
   </ds:schemaRefs>
 </ds:datastoreItem>
-</file>
-
-<file path=customXml/itemProps2.xml><?xml version="1.0" encoding="utf-8"?>
-<ds:datastoreItem xmlns:ds="http://schemas.openxmlformats.org/officeDocument/2006/customXml" ds:itemID="{E1E0CE18-CA03-4891-9CD8-3448778E3D53}">
-  <ds:schemaRefs>
-    <ds:schemaRef ds:uri="http://schemas.microsoft.com/sharepoint/v3/contenttype/forms"/>
-  </ds:schemaRefs>
-</ds:datastoreItem>
-</file>
-
-<file path=customXml/itemProps3.xml><?xml version="1.0" encoding="utf-8"?>
-<ds:datastoreItem xmlns:ds="http://schemas.openxmlformats.org/officeDocument/2006/customXml" ds:itemID="{DA593625-DB14-4FB0-B5A9-3269FA9C120B}">
-  <ds:schemaRefs>
-    <ds:schemaRef ds:uri="http://purl.org/dc/elements/1.1/"/>
-    <ds:schemaRef ds:uri="http://schemas.microsoft.com/office/2006/metadata/properties"/>
-    <ds:schemaRef ds:uri="http://schemas.microsoft.com/office/2006/documentManagement/types"/>
-    <ds:schemaRef ds:uri="http://purl.org/dc/dcmitype/"/>
-    <ds:schemaRef ds:uri="http://schemas.microsoft.com/office/infopath/2007/PartnerControls"/>
-    <ds:schemaRef ds:uri="5fad15d0-477e-40da-a20d-40d4ca777cbd"/>
-    <ds:schemaRef ds:uri="http://schemas.openxmlformats.org/package/2006/metadata/core-properties"/>
-    <ds:schemaRef ds:uri="http://www.w3.org/XML/1998/namespace"/>
-    <ds:schemaRef ds:uri="http://purl.org/dc/terms/"/>
-  </ds:schemaRefs>
-</ds:datastoreItem>
 </file>